--- a/hw04.pptx
+++ b/hw04.pptx
@@ -2,18 +2,29 @@
 <file path=ppt/presentation.xml><?xml version="1.0" encoding="utf-8"?>
 <p:presentation xmlns:a="http://schemas.openxmlformats.org/drawingml/2006/main" xmlns:r="http://schemas.openxmlformats.org/officeDocument/2006/relationships" xmlns:p="http://schemas.openxmlformats.org/presentationml/2006/main" saveSubsetFonts="1">
   <p:sldMasterIdLst>
-    <p:sldMasterId id="2147483648" r:id="rId1"/>
+    <p:sldMasterId id="2147483725" r:id="rId1"/>
   </p:sldMasterIdLst>
+  <p:notesMasterIdLst>
+    <p:notesMasterId r:id="rId11"/>
+  </p:notesMasterIdLst>
   <p:sldIdLst>
-    <p:sldId id="256" r:id="rId2"/>
+    <p:sldId id="275" r:id="rId2"/>
+    <p:sldId id="278" r:id="rId3"/>
+    <p:sldId id="279" r:id="rId4"/>
+    <p:sldId id="280" r:id="rId5"/>
+    <p:sldId id="281" r:id="rId6"/>
+    <p:sldId id="282" r:id="rId7"/>
+    <p:sldId id="283" r:id="rId8"/>
+    <p:sldId id="284" r:id="rId9"/>
+    <p:sldId id="277" r:id="rId10"/>
   </p:sldIdLst>
   <p:sldSz cx="12192000" cy="6858000"/>
   <p:notesSz cx="6858000" cy="9144000"/>
   <p:defaultTextStyle>
     <a:defPPr>
-      <a:defRPr lang="zh-TW"/>
+      <a:defRPr lang="en-US"/>
     </a:defPPr>
-    <a:lvl1pPr marL="0" algn="l" defTabSz="914400" rtl="0" eaLnBrk="1" latinLnBrk="0" hangingPunct="1">
+    <a:lvl1pPr marL="0" algn="l" defTabSz="457200" rtl="0" eaLnBrk="1" latinLnBrk="0" hangingPunct="1">
       <a:defRPr sz="1800" kern="1200">
         <a:solidFill>
           <a:schemeClr val="tx1"/>
@@ -23,7 +34,7 @@
         <a:cs typeface="+mn-cs"/>
       </a:defRPr>
     </a:lvl1pPr>
-    <a:lvl2pPr marL="457200" algn="l" defTabSz="914400" rtl="0" eaLnBrk="1" latinLnBrk="0" hangingPunct="1">
+    <a:lvl2pPr marL="457200" algn="l" defTabSz="457200" rtl="0" eaLnBrk="1" latinLnBrk="0" hangingPunct="1">
       <a:defRPr sz="1800" kern="1200">
         <a:solidFill>
           <a:schemeClr val="tx1"/>
@@ -33,7 +44,7 @@
         <a:cs typeface="+mn-cs"/>
       </a:defRPr>
     </a:lvl2pPr>
-    <a:lvl3pPr marL="914400" algn="l" defTabSz="914400" rtl="0" eaLnBrk="1" latinLnBrk="0" hangingPunct="1">
+    <a:lvl3pPr marL="914400" algn="l" defTabSz="457200" rtl="0" eaLnBrk="1" latinLnBrk="0" hangingPunct="1">
       <a:defRPr sz="1800" kern="1200">
         <a:solidFill>
           <a:schemeClr val="tx1"/>
@@ -43,7 +54,7 @@
         <a:cs typeface="+mn-cs"/>
       </a:defRPr>
     </a:lvl3pPr>
-    <a:lvl4pPr marL="1371600" algn="l" defTabSz="914400" rtl="0" eaLnBrk="1" latinLnBrk="0" hangingPunct="1">
+    <a:lvl4pPr marL="1371600" algn="l" defTabSz="457200" rtl="0" eaLnBrk="1" latinLnBrk="0" hangingPunct="1">
       <a:defRPr sz="1800" kern="1200">
         <a:solidFill>
           <a:schemeClr val="tx1"/>
@@ -53,7 +64,7 @@
         <a:cs typeface="+mn-cs"/>
       </a:defRPr>
     </a:lvl4pPr>
-    <a:lvl5pPr marL="1828800" algn="l" defTabSz="914400" rtl="0" eaLnBrk="1" latinLnBrk="0" hangingPunct="1">
+    <a:lvl5pPr marL="1828800" algn="l" defTabSz="457200" rtl="0" eaLnBrk="1" latinLnBrk="0" hangingPunct="1">
       <a:defRPr sz="1800" kern="1200">
         <a:solidFill>
           <a:schemeClr val="tx1"/>
@@ -63,7 +74,7 @@
         <a:cs typeface="+mn-cs"/>
       </a:defRPr>
     </a:lvl5pPr>
-    <a:lvl6pPr marL="2286000" algn="l" defTabSz="914400" rtl="0" eaLnBrk="1" latinLnBrk="0" hangingPunct="1">
+    <a:lvl6pPr marL="2286000" algn="l" defTabSz="457200" rtl="0" eaLnBrk="1" latinLnBrk="0" hangingPunct="1">
       <a:defRPr sz="1800" kern="1200">
         <a:solidFill>
           <a:schemeClr val="tx1"/>
@@ -73,7 +84,7 @@
         <a:cs typeface="+mn-cs"/>
       </a:defRPr>
     </a:lvl6pPr>
-    <a:lvl7pPr marL="2743200" algn="l" defTabSz="914400" rtl="0" eaLnBrk="1" latinLnBrk="0" hangingPunct="1">
+    <a:lvl7pPr marL="2743200" algn="l" defTabSz="457200" rtl="0" eaLnBrk="1" latinLnBrk="0" hangingPunct="1">
       <a:defRPr sz="1800" kern="1200">
         <a:solidFill>
           <a:schemeClr val="tx1"/>
@@ -83,7 +94,7 @@
         <a:cs typeface="+mn-cs"/>
       </a:defRPr>
     </a:lvl7pPr>
-    <a:lvl8pPr marL="3200400" algn="l" defTabSz="914400" rtl="0" eaLnBrk="1" latinLnBrk="0" hangingPunct="1">
+    <a:lvl8pPr marL="3200400" algn="l" defTabSz="457200" rtl="0" eaLnBrk="1" latinLnBrk="0" hangingPunct="1">
       <a:defRPr sz="1800" kern="1200">
         <a:solidFill>
           <a:schemeClr val="tx1"/>
@@ -93,7 +104,7 @@
         <a:cs typeface="+mn-cs"/>
       </a:defRPr>
     </a:lvl8pPr>
-    <a:lvl9pPr marL="3657600" algn="l" defTabSz="914400" rtl="0" eaLnBrk="1" latinLnBrk="0" hangingPunct="1">
+    <a:lvl9pPr marL="3657600" algn="l" defTabSz="457200" rtl="0" eaLnBrk="1" latinLnBrk="0" hangingPunct="1">
       <a:defRPr sz="1800" kern="1200">
         <a:solidFill>
           <a:schemeClr val="tx1"/>
@@ -104,7 +115,1160 @@
       </a:defRPr>
     </a:lvl9pPr>
   </p:defaultTextStyle>
+  <p:extLst>
+    <p:ext uri="{EFAFB233-063F-42B5-8137-9DF3F51BA10A}">
+      <p15:sldGuideLst xmlns:p15="http://schemas.microsoft.com/office/powerpoint/2012/main">
+        <p15:guide id="1" orient="horz" pos="663" userDrawn="1">
+          <p15:clr>
+            <a:srgbClr val="A4A3A4"/>
+          </p15:clr>
+        </p15:guide>
+        <p15:guide id="2" pos="3840">
+          <p15:clr>
+            <a:srgbClr val="A4A3A4"/>
+          </p15:clr>
+        </p15:guide>
+      </p15:sldGuideLst>
+    </p:ext>
+  </p:extLst>
 </p:presentation>
+</file>
+
+<file path=ppt/notesMasters/notesMaster1.xml><?xml version="1.0" encoding="utf-8"?>
+<p:notesMaster xmlns:a="http://schemas.openxmlformats.org/drawingml/2006/main" xmlns:r="http://schemas.openxmlformats.org/officeDocument/2006/relationships" xmlns:p="http://schemas.openxmlformats.org/presentationml/2006/main">
+  <p:cSld>
+    <p:bg>
+      <p:bgRef idx="1001">
+        <a:schemeClr val="bg1"/>
+      </p:bgRef>
+    </p:bg>
+    <p:spTree>
+      <p:nvGrpSpPr>
+        <p:cNvPr id="1" name=""/>
+        <p:cNvGrpSpPr/>
+        <p:nvPr/>
+      </p:nvGrpSpPr>
+      <p:grpSpPr>
+        <a:xfrm>
+          <a:off x="0" y="0"/>
+          <a:ext cx="0" cy="0"/>
+          <a:chOff x="0" y="0"/>
+          <a:chExt cx="0" cy="0"/>
+        </a:xfrm>
+      </p:grpSpPr>
+      <p:sp>
+        <p:nvSpPr>
+          <p:cNvPr id="2" name="頁首版面配置區 1"/>
+          <p:cNvSpPr>
+            <a:spLocks noGrp="1"/>
+          </p:cNvSpPr>
+          <p:nvPr>
+            <p:ph type="hdr" sz="quarter"/>
+          </p:nvPr>
+        </p:nvSpPr>
+        <p:spPr>
+          <a:xfrm>
+            <a:off x="0" y="0"/>
+            <a:ext cx="2971800" cy="458788"/>
+          </a:xfrm>
+          <a:prstGeom prst="rect">
+            <a:avLst/>
+          </a:prstGeom>
+        </p:spPr>
+        <p:txBody>
+          <a:bodyPr vert="horz" lIns="91440" tIns="45720" rIns="91440" bIns="45720" rtlCol="0"/>
+          <a:lstStyle>
+            <a:lvl1pPr algn="l">
+              <a:defRPr sz="1200"/>
+            </a:lvl1pPr>
+          </a:lstStyle>
+          <a:p>
+            <a:endParaRPr lang="zh-TW" altLang="en-US"/>
+          </a:p>
+        </p:txBody>
+      </p:sp>
+      <p:sp>
+        <p:nvSpPr>
+          <p:cNvPr id="3" name="日期版面配置區 2"/>
+          <p:cNvSpPr>
+            <a:spLocks noGrp="1"/>
+          </p:cNvSpPr>
+          <p:nvPr>
+            <p:ph type="dt" idx="1"/>
+          </p:nvPr>
+        </p:nvSpPr>
+        <p:spPr>
+          <a:xfrm>
+            <a:off x="3884613" y="0"/>
+            <a:ext cx="2971800" cy="458788"/>
+          </a:xfrm>
+          <a:prstGeom prst="rect">
+            <a:avLst/>
+          </a:prstGeom>
+        </p:spPr>
+        <p:txBody>
+          <a:bodyPr vert="horz" lIns="91440" tIns="45720" rIns="91440" bIns="45720" rtlCol="0"/>
+          <a:lstStyle>
+            <a:lvl1pPr algn="r">
+              <a:defRPr sz="1200"/>
+            </a:lvl1pPr>
+          </a:lstStyle>
+          <a:p>
+            <a:fld id="{43C0BD2D-43AE-4E69-A5AC-4A348BDA187D}" type="datetimeFigureOut">
+              <a:rPr lang="zh-TW" altLang="en-US" smtClean="0"/>
+              <a:t>2024/11/1</a:t>
+            </a:fld>
+            <a:endParaRPr lang="zh-TW" altLang="en-US"/>
+          </a:p>
+        </p:txBody>
+      </p:sp>
+      <p:sp>
+        <p:nvSpPr>
+          <p:cNvPr id="4" name="投影片影像版面配置區 3"/>
+          <p:cNvSpPr>
+            <a:spLocks noGrp="1" noRot="1" noChangeAspect="1"/>
+          </p:cNvSpPr>
+          <p:nvPr>
+            <p:ph type="sldImg" idx="2"/>
+          </p:nvPr>
+        </p:nvSpPr>
+        <p:spPr>
+          <a:xfrm>
+            <a:off x="685800" y="1143000"/>
+            <a:ext cx="5486400" cy="3086100"/>
+          </a:xfrm>
+          <a:prstGeom prst="rect">
+            <a:avLst/>
+          </a:prstGeom>
+          <a:noFill/>
+          <a:ln w="12700">
+            <a:solidFill>
+              <a:prstClr val="black"/>
+            </a:solidFill>
+          </a:ln>
+        </p:spPr>
+        <p:txBody>
+          <a:bodyPr vert="horz" lIns="91440" tIns="45720" rIns="91440" bIns="45720" rtlCol="0" anchor="ctr"/>
+          <a:lstStyle/>
+          <a:p>
+            <a:endParaRPr lang="zh-TW" altLang="en-US"/>
+          </a:p>
+        </p:txBody>
+      </p:sp>
+      <p:sp>
+        <p:nvSpPr>
+          <p:cNvPr id="5" name="備忘稿版面配置區 4"/>
+          <p:cNvSpPr>
+            <a:spLocks noGrp="1"/>
+          </p:cNvSpPr>
+          <p:nvPr>
+            <p:ph type="body" sz="quarter" idx="3"/>
+          </p:nvPr>
+        </p:nvSpPr>
+        <p:spPr>
+          <a:xfrm>
+            <a:off x="685800" y="4400550"/>
+            <a:ext cx="5486400" cy="3600450"/>
+          </a:xfrm>
+          <a:prstGeom prst="rect">
+            <a:avLst/>
+          </a:prstGeom>
+        </p:spPr>
+        <p:txBody>
+          <a:bodyPr vert="horz" lIns="91440" tIns="45720" rIns="91440" bIns="45720" rtlCol="0"/>
+          <a:lstStyle/>
+          <a:p>
+            <a:pPr lvl="0"/>
+            <a:r>
+              <a:rPr lang="zh-TW" altLang="en-US"/>
+              <a:t>按一下以編輯母片文字樣式</a:t>
+            </a:r>
+          </a:p>
+          <a:p>
+            <a:pPr lvl="1"/>
+            <a:r>
+              <a:rPr lang="zh-TW" altLang="en-US"/>
+              <a:t>第二層</a:t>
+            </a:r>
+          </a:p>
+          <a:p>
+            <a:pPr lvl="2"/>
+            <a:r>
+              <a:rPr lang="zh-TW" altLang="en-US"/>
+              <a:t>第三層</a:t>
+            </a:r>
+          </a:p>
+          <a:p>
+            <a:pPr lvl="3"/>
+            <a:r>
+              <a:rPr lang="zh-TW" altLang="en-US"/>
+              <a:t>第四層</a:t>
+            </a:r>
+          </a:p>
+          <a:p>
+            <a:pPr lvl="4"/>
+            <a:r>
+              <a:rPr lang="zh-TW" altLang="en-US"/>
+              <a:t>第五層</a:t>
+            </a:r>
+          </a:p>
+        </p:txBody>
+      </p:sp>
+      <p:sp>
+        <p:nvSpPr>
+          <p:cNvPr id="6" name="頁尾版面配置區 5"/>
+          <p:cNvSpPr>
+            <a:spLocks noGrp="1"/>
+          </p:cNvSpPr>
+          <p:nvPr>
+            <p:ph type="ftr" sz="quarter" idx="4"/>
+          </p:nvPr>
+        </p:nvSpPr>
+        <p:spPr>
+          <a:xfrm>
+            <a:off x="0" y="8685213"/>
+            <a:ext cx="2971800" cy="458787"/>
+          </a:xfrm>
+          <a:prstGeom prst="rect">
+            <a:avLst/>
+          </a:prstGeom>
+        </p:spPr>
+        <p:txBody>
+          <a:bodyPr vert="horz" lIns="91440" tIns="45720" rIns="91440" bIns="45720" rtlCol="0" anchor="b"/>
+          <a:lstStyle>
+            <a:lvl1pPr algn="l">
+              <a:defRPr sz="1200"/>
+            </a:lvl1pPr>
+          </a:lstStyle>
+          <a:p>
+            <a:endParaRPr lang="zh-TW" altLang="en-US"/>
+          </a:p>
+        </p:txBody>
+      </p:sp>
+      <p:sp>
+        <p:nvSpPr>
+          <p:cNvPr id="7" name="投影片編號版面配置區 6"/>
+          <p:cNvSpPr>
+            <a:spLocks noGrp="1"/>
+          </p:cNvSpPr>
+          <p:nvPr>
+            <p:ph type="sldNum" sz="quarter" idx="5"/>
+          </p:nvPr>
+        </p:nvSpPr>
+        <p:spPr>
+          <a:xfrm>
+            <a:off x="3884613" y="8685213"/>
+            <a:ext cx="2971800" cy="458787"/>
+          </a:xfrm>
+          <a:prstGeom prst="rect">
+            <a:avLst/>
+          </a:prstGeom>
+        </p:spPr>
+        <p:txBody>
+          <a:bodyPr vert="horz" lIns="91440" tIns="45720" rIns="91440" bIns="45720" rtlCol="0" anchor="b"/>
+          <a:lstStyle>
+            <a:lvl1pPr algn="r">
+              <a:defRPr sz="1200"/>
+            </a:lvl1pPr>
+          </a:lstStyle>
+          <a:p>
+            <a:fld id="{126805A4-9447-4E7E-9A5E-8B1AC6865DC3}" type="slidenum">
+              <a:rPr lang="zh-TW" altLang="en-US" smtClean="0"/>
+              <a:t>‹#›</a:t>
+            </a:fld>
+            <a:endParaRPr lang="zh-TW" altLang="en-US"/>
+          </a:p>
+        </p:txBody>
+      </p:sp>
+    </p:spTree>
+    <p:extLst>
+      <p:ext uri="{BB962C8B-B14F-4D97-AF65-F5344CB8AC3E}">
+        <p14:creationId xmlns:p14="http://schemas.microsoft.com/office/powerpoint/2010/main" val="1193963326"/>
+      </p:ext>
+    </p:extLst>
+  </p:cSld>
+  <p:clrMap bg1="lt1" tx1="dk1" bg2="lt2" tx2="dk2" accent1="accent1" accent2="accent2" accent3="accent3" accent4="accent4" accent5="accent5" accent6="accent6" hlink="hlink" folHlink="folHlink"/>
+  <p:notesStyle>
+    <a:lvl1pPr marL="0" algn="l" defTabSz="914400" rtl="0" eaLnBrk="1" latinLnBrk="0" hangingPunct="1">
+      <a:defRPr sz="1200" kern="1200">
+        <a:solidFill>
+          <a:schemeClr val="tx1"/>
+        </a:solidFill>
+        <a:latin typeface="+mn-lt"/>
+        <a:ea typeface="+mn-ea"/>
+        <a:cs typeface="+mn-cs"/>
+      </a:defRPr>
+    </a:lvl1pPr>
+    <a:lvl2pPr marL="457200" algn="l" defTabSz="914400" rtl="0" eaLnBrk="1" latinLnBrk="0" hangingPunct="1">
+      <a:defRPr sz="1200" kern="1200">
+        <a:solidFill>
+          <a:schemeClr val="tx1"/>
+        </a:solidFill>
+        <a:latin typeface="+mn-lt"/>
+        <a:ea typeface="+mn-ea"/>
+        <a:cs typeface="+mn-cs"/>
+      </a:defRPr>
+    </a:lvl2pPr>
+    <a:lvl3pPr marL="914400" algn="l" defTabSz="914400" rtl="0" eaLnBrk="1" latinLnBrk="0" hangingPunct="1">
+      <a:defRPr sz="1200" kern="1200">
+        <a:solidFill>
+          <a:schemeClr val="tx1"/>
+        </a:solidFill>
+        <a:latin typeface="+mn-lt"/>
+        <a:ea typeface="+mn-ea"/>
+        <a:cs typeface="+mn-cs"/>
+      </a:defRPr>
+    </a:lvl3pPr>
+    <a:lvl4pPr marL="1371600" algn="l" defTabSz="914400" rtl="0" eaLnBrk="1" latinLnBrk="0" hangingPunct="1">
+      <a:defRPr sz="1200" kern="1200">
+        <a:solidFill>
+          <a:schemeClr val="tx1"/>
+        </a:solidFill>
+        <a:latin typeface="+mn-lt"/>
+        <a:ea typeface="+mn-ea"/>
+        <a:cs typeface="+mn-cs"/>
+      </a:defRPr>
+    </a:lvl4pPr>
+    <a:lvl5pPr marL="1828800" algn="l" defTabSz="914400" rtl="0" eaLnBrk="1" latinLnBrk="0" hangingPunct="1">
+      <a:defRPr sz="1200" kern="1200">
+        <a:solidFill>
+          <a:schemeClr val="tx1"/>
+        </a:solidFill>
+        <a:latin typeface="+mn-lt"/>
+        <a:ea typeface="+mn-ea"/>
+        <a:cs typeface="+mn-cs"/>
+      </a:defRPr>
+    </a:lvl5pPr>
+    <a:lvl6pPr marL="2286000" algn="l" defTabSz="914400" rtl="0" eaLnBrk="1" latinLnBrk="0" hangingPunct="1">
+      <a:defRPr sz="1200" kern="1200">
+        <a:solidFill>
+          <a:schemeClr val="tx1"/>
+        </a:solidFill>
+        <a:latin typeface="+mn-lt"/>
+        <a:ea typeface="+mn-ea"/>
+        <a:cs typeface="+mn-cs"/>
+      </a:defRPr>
+    </a:lvl6pPr>
+    <a:lvl7pPr marL="2743200" algn="l" defTabSz="914400" rtl="0" eaLnBrk="1" latinLnBrk="0" hangingPunct="1">
+      <a:defRPr sz="1200" kern="1200">
+        <a:solidFill>
+          <a:schemeClr val="tx1"/>
+        </a:solidFill>
+        <a:latin typeface="+mn-lt"/>
+        <a:ea typeface="+mn-ea"/>
+        <a:cs typeface="+mn-cs"/>
+      </a:defRPr>
+    </a:lvl7pPr>
+    <a:lvl8pPr marL="3200400" algn="l" defTabSz="914400" rtl="0" eaLnBrk="1" latinLnBrk="0" hangingPunct="1">
+      <a:defRPr sz="1200" kern="1200">
+        <a:solidFill>
+          <a:schemeClr val="tx1"/>
+        </a:solidFill>
+        <a:latin typeface="+mn-lt"/>
+        <a:ea typeface="+mn-ea"/>
+        <a:cs typeface="+mn-cs"/>
+      </a:defRPr>
+    </a:lvl8pPr>
+    <a:lvl9pPr marL="3657600" algn="l" defTabSz="914400" rtl="0" eaLnBrk="1" latinLnBrk="0" hangingPunct="1">
+      <a:defRPr sz="1200" kern="1200">
+        <a:solidFill>
+          <a:schemeClr val="tx1"/>
+        </a:solidFill>
+        <a:latin typeface="+mn-lt"/>
+        <a:ea typeface="+mn-ea"/>
+        <a:cs typeface="+mn-cs"/>
+      </a:defRPr>
+    </a:lvl9pPr>
+  </p:notesStyle>
+</p:notesMaster>
+</file>
+
+<file path=ppt/notesSlides/notesSlide1.xml><?xml version="1.0" encoding="utf-8"?>
+<p:notes xmlns:a="http://schemas.openxmlformats.org/drawingml/2006/main" xmlns:r="http://schemas.openxmlformats.org/officeDocument/2006/relationships" xmlns:p="http://schemas.openxmlformats.org/presentationml/2006/main">
+  <p:cSld>
+    <p:spTree>
+      <p:nvGrpSpPr>
+        <p:cNvPr id="1" name=""/>
+        <p:cNvGrpSpPr/>
+        <p:nvPr/>
+      </p:nvGrpSpPr>
+      <p:grpSpPr>
+        <a:xfrm>
+          <a:off x="0" y="0"/>
+          <a:ext cx="0" cy="0"/>
+          <a:chOff x="0" y="0"/>
+          <a:chExt cx="0" cy="0"/>
+        </a:xfrm>
+      </p:grpSpPr>
+      <p:sp>
+        <p:nvSpPr>
+          <p:cNvPr id="2" name="投影片影像版面配置區 1"/>
+          <p:cNvSpPr>
+            <a:spLocks noGrp="1" noRot="1" noChangeAspect="1"/>
+          </p:cNvSpPr>
+          <p:nvPr>
+            <p:ph type="sldImg"/>
+          </p:nvPr>
+        </p:nvSpPr>
+        <p:spPr/>
+      </p:sp>
+      <p:sp>
+        <p:nvSpPr>
+          <p:cNvPr id="3" name="備忘稿版面配置區 2"/>
+          <p:cNvSpPr>
+            <a:spLocks noGrp="1"/>
+          </p:cNvSpPr>
+          <p:nvPr>
+            <p:ph type="body" idx="1"/>
+          </p:nvPr>
+        </p:nvSpPr>
+        <p:spPr/>
+        <p:txBody>
+          <a:bodyPr/>
+          <a:lstStyle/>
+          <a:p>
+            <a:r>
+              <a:rPr lang="zh-TW" altLang="en-US" dirty="0"/>
+              <a:t>大家好，接下來我要介紹我的職場故事。</a:t>
+            </a:r>
+            <a:endParaRPr lang="en-US" altLang="zh-TW" dirty="0"/>
+          </a:p>
+          <a:p>
+            <a:endParaRPr lang="zh-TW" altLang="en-US" dirty="0"/>
+          </a:p>
+        </p:txBody>
+      </p:sp>
+      <p:sp>
+        <p:nvSpPr>
+          <p:cNvPr id="4" name="投影片編號版面配置區 3"/>
+          <p:cNvSpPr>
+            <a:spLocks noGrp="1"/>
+          </p:cNvSpPr>
+          <p:nvPr>
+            <p:ph type="sldNum" sz="quarter" idx="5"/>
+          </p:nvPr>
+        </p:nvSpPr>
+        <p:spPr/>
+        <p:txBody>
+          <a:bodyPr/>
+          <a:lstStyle/>
+          <a:p>
+            <a:fld id="{126805A4-9447-4E7E-9A5E-8B1AC6865DC3}" type="slidenum">
+              <a:rPr lang="zh-TW" altLang="en-US" smtClean="0"/>
+              <a:t>1</a:t>
+            </a:fld>
+            <a:endParaRPr lang="zh-TW" altLang="en-US"/>
+          </a:p>
+        </p:txBody>
+      </p:sp>
+    </p:spTree>
+    <p:extLst>
+      <p:ext uri="{BB962C8B-B14F-4D97-AF65-F5344CB8AC3E}">
+        <p14:creationId xmlns:p14="http://schemas.microsoft.com/office/powerpoint/2010/main" val="2343311092"/>
+      </p:ext>
+    </p:extLst>
+  </p:cSld>
+  <p:clrMapOvr>
+    <a:masterClrMapping/>
+  </p:clrMapOvr>
+</p:notes>
+</file>
+
+<file path=ppt/notesSlides/notesSlide2.xml><?xml version="1.0" encoding="utf-8"?>
+<p:notes xmlns:a="http://schemas.openxmlformats.org/drawingml/2006/main" xmlns:r="http://schemas.openxmlformats.org/officeDocument/2006/relationships" xmlns:p="http://schemas.openxmlformats.org/presentationml/2006/main">
+  <p:cSld>
+    <p:spTree>
+      <p:nvGrpSpPr>
+        <p:cNvPr id="1" name=""/>
+        <p:cNvGrpSpPr/>
+        <p:nvPr/>
+      </p:nvGrpSpPr>
+      <p:grpSpPr>
+        <a:xfrm>
+          <a:off x="0" y="0"/>
+          <a:ext cx="0" cy="0"/>
+          <a:chOff x="0" y="0"/>
+          <a:chExt cx="0" cy="0"/>
+        </a:xfrm>
+      </p:grpSpPr>
+      <p:sp>
+        <p:nvSpPr>
+          <p:cNvPr id="2" name="投影片影像版面配置區 1"/>
+          <p:cNvSpPr>
+            <a:spLocks noGrp="1" noRot="1" noChangeAspect="1"/>
+          </p:cNvSpPr>
+          <p:nvPr>
+            <p:ph type="sldImg"/>
+          </p:nvPr>
+        </p:nvSpPr>
+        <p:spPr/>
+      </p:sp>
+      <p:sp>
+        <p:nvSpPr>
+          <p:cNvPr id="3" name="備忘稿版面配置區 2"/>
+          <p:cNvSpPr>
+            <a:spLocks noGrp="1"/>
+          </p:cNvSpPr>
+          <p:nvPr>
+            <p:ph type="body" idx="1"/>
+          </p:nvPr>
+        </p:nvSpPr>
+        <p:spPr/>
+        <p:txBody>
+          <a:bodyPr/>
+          <a:lstStyle/>
+          <a:p>
+            <a:r>
+              <a:rPr lang="zh-TW" altLang="en-US" dirty="0"/>
+              <a:t>剛進入公司不久，現在正在負責一個重要的專案。我希望透過這次的專案表現，證明自己的實力，並爭取晉升的機會。</a:t>
+            </a:r>
+          </a:p>
+        </p:txBody>
+      </p:sp>
+      <p:sp>
+        <p:nvSpPr>
+          <p:cNvPr id="4" name="投影片編號版面配置區 3"/>
+          <p:cNvSpPr>
+            <a:spLocks noGrp="1"/>
+          </p:cNvSpPr>
+          <p:nvPr>
+            <p:ph type="sldNum" sz="quarter" idx="5"/>
+          </p:nvPr>
+        </p:nvSpPr>
+        <p:spPr/>
+        <p:txBody>
+          <a:bodyPr/>
+          <a:lstStyle/>
+          <a:p>
+            <a:fld id="{126805A4-9447-4E7E-9A5E-8B1AC6865DC3}" type="slidenum">
+              <a:rPr lang="zh-TW" altLang="en-US" smtClean="0"/>
+              <a:t>2</a:t>
+            </a:fld>
+            <a:endParaRPr lang="zh-TW" altLang="en-US"/>
+          </a:p>
+        </p:txBody>
+      </p:sp>
+    </p:spTree>
+    <p:extLst>
+      <p:ext uri="{BB962C8B-B14F-4D97-AF65-F5344CB8AC3E}">
+        <p14:creationId xmlns:p14="http://schemas.microsoft.com/office/powerpoint/2010/main" val="3492108059"/>
+      </p:ext>
+    </p:extLst>
+  </p:cSld>
+  <p:clrMapOvr>
+    <a:masterClrMapping/>
+  </p:clrMapOvr>
+</p:notes>
+</file>
+
+<file path=ppt/notesSlides/notesSlide3.xml><?xml version="1.0" encoding="utf-8"?>
+<p:notes xmlns:a="http://schemas.openxmlformats.org/drawingml/2006/main" xmlns:r="http://schemas.openxmlformats.org/officeDocument/2006/relationships" xmlns:p="http://schemas.openxmlformats.org/presentationml/2006/main">
+  <p:cSld>
+    <p:spTree>
+      <p:nvGrpSpPr>
+        <p:cNvPr id="1" name=""/>
+        <p:cNvGrpSpPr/>
+        <p:nvPr/>
+      </p:nvGrpSpPr>
+      <p:grpSpPr>
+        <a:xfrm>
+          <a:off x="0" y="0"/>
+          <a:ext cx="0" cy="0"/>
+          <a:chOff x="0" y="0"/>
+          <a:chExt cx="0" cy="0"/>
+        </a:xfrm>
+      </p:grpSpPr>
+      <p:sp>
+        <p:nvSpPr>
+          <p:cNvPr id="2" name="投影片影像版面配置區 1"/>
+          <p:cNvSpPr>
+            <a:spLocks noGrp="1" noRot="1" noChangeAspect="1"/>
+          </p:cNvSpPr>
+          <p:nvPr>
+            <p:ph type="sldImg"/>
+          </p:nvPr>
+        </p:nvSpPr>
+        <p:spPr/>
+      </p:sp>
+      <p:sp>
+        <p:nvSpPr>
+          <p:cNvPr id="3" name="備忘稿版面配置區 2"/>
+          <p:cNvSpPr>
+            <a:spLocks noGrp="1"/>
+          </p:cNvSpPr>
+          <p:nvPr>
+            <p:ph type="body" idx="1"/>
+          </p:nvPr>
+        </p:nvSpPr>
+        <p:spPr/>
+        <p:txBody>
+          <a:bodyPr/>
+          <a:lstStyle/>
+          <a:p>
+            <a:r>
+              <a:rPr lang="zh-TW" altLang="en-US" dirty="0"/>
+              <a:t>不過，這次的專案並不容易。團隊裡有位資深同事對我不是很信任，而且在工作中常常不配合，這讓我的進度變得緩慢，壓力也越來越大。</a:t>
+            </a:r>
+          </a:p>
+        </p:txBody>
+      </p:sp>
+      <p:sp>
+        <p:nvSpPr>
+          <p:cNvPr id="4" name="投影片編號版面配置區 3"/>
+          <p:cNvSpPr>
+            <a:spLocks noGrp="1"/>
+          </p:cNvSpPr>
+          <p:nvPr>
+            <p:ph type="sldNum" sz="quarter" idx="5"/>
+          </p:nvPr>
+        </p:nvSpPr>
+        <p:spPr/>
+        <p:txBody>
+          <a:bodyPr/>
+          <a:lstStyle/>
+          <a:p>
+            <a:fld id="{126805A4-9447-4E7E-9A5E-8B1AC6865DC3}" type="slidenum">
+              <a:rPr lang="zh-TW" altLang="en-US" smtClean="0"/>
+              <a:t>3</a:t>
+            </a:fld>
+            <a:endParaRPr lang="zh-TW" altLang="en-US"/>
+          </a:p>
+        </p:txBody>
+      </p:sp>
+    </p:spTree>
+    <p:extLst>
+      <p:ext uri="{BB962C8B-B14F-4D97-AF65-F5344CB8AC3E}">
+        <p14:creationId xmlns:p14="http://schemas.microsoft.com/office/powerpoint/2010/main" val="2870156598"/>
+      </p:ext>
+    </p:extLst>
+  </p:cSld>
+  <p:clrMapOvr>
+    <a:masterClrMapping/>
+  </p:clrMapOvr>
+</p:notes>
+</file>
+
+<file path=ppt/notesSlides/notesSlide4.xml><?xml version="1.0" encoding="utf-8"?>
+<p:notes xmlns:a="http://schemas.openxmlformats.org/drawingml/2006/main" xmlns:r="http://schemas.openxmlformats.org/officeDocument/2006/relationships" xmlns:p="http://schemas.openxmlformats.org/presentationml/2006/main">
+  <p:cSld>
+    <p:spTree>
+      <p:nvGrpSpPr>
+        <p:cNvPr id="1" name=""/>
+        <p:cNvGrpSpPr/>
+        <p:nvPr/>
+      </p:nvGrpSpPr>
+      <p:grpSpPr>
+        <a:xfrm>
+          <a:off x="0" y="0"/>
+          <a:ext cx="0" cy="0"/>
+          <a:chOff x="0" y="0"/>
+          <a:chExt cx="0" cy="0"/>
+        </a:xfrm>
+      </p:grpSpPr>
+      <p:sp>
+        <p:nvSpPr>
+          <p:cNvPr id="2" name="投影片影像版面配置區 1"/>
+          <p:cNvSpPr>
+            <a:spLocks noGrp="1" noRot="1" noChangeAspect="1"/>
+          </p:cNvSpPr>
+          <p:nvPr>
+            <p:ph type="sldImg"/>
+          </p:nvPr>
+        </p:nvSpPr>
+        <p:spPr/>
+      </p:sp>
+      <p:sp>
+        <p:nvSpPr>
+          <p:cNvPr id="3" name="備忘稿版面配置區 2"/>
+          <p:cNvSpPr>
+            <a:spLocks noGrp="1"/>
+          </p:cNvSpPr>
+          <p:nvPr>
+            <p:ph type="body" idx="1"/>
+          </p:nvPr>
+        </p:nvSpPr>
+        <p:spPr/>
+        <p:txBody>
+          <a:bodyPr/>
+          <a:lstStyle/>
+          <a:p>
+            <a:r>
+              <a:rPr lang="zh-TW" altLang="en-US" dirty="0"/>
+              <a:t>為了讓專案順利進行，我開始主動承擔更多的責任，並且試著與這位同事建立信任，尋找彼此的共同目標，希望能夠順利合作。</a:t>
+            </a:r>
+          </a:p>
+        </p:txBody>
+      </p:sp>
+      <p:sp>
+        <p:nvSpPr>
+          <p:cNvPr id="4" name="投影片編號版面配置區 3"/>
+          <p:cNvSpPr>
+            <a:spLocks noGrp="1"/>
+          </p:cNvSpPr>
+          <p:nvPr>
+            <p:ph type="sldNum" sz="quarter" idx="5"/>
+          </p:nvPr>
+        </p:nvSpPr>
+        <p:spPr/>
+        <p:txBody>
+          <a:bodyPr/>
+          <a:lstStyle/>
+          <a:p>
+            <a:fld id="{126805A4-9447-4E7E-9A5E-8B1AC6865DC3}" type="slidenum">
+              <a:rPr lang="zh-TW" altLang="en-US" smtClean="0"/>
+              <a:t>4</a:t>
+            </a:fld>
+            <a:endParaRPr lang="zh-TW" altLang="en-US"/>
+          </a:p>
+        </p:txBody>
+      </p:sp>
+    </p:spTree>
+    <p:extLst>
+      <p:ext uri="{BB962C8B-B14F-4D97-AF65-F5344CB8AC3E}">
+        <p14:creationId xmlns:p14="http://schemas.microsoft.com/office/powerpoint/2010/main" val="3945296480"/>
+      </p:ext>
+    </p:extLst>
+  </p:cSld>
+  <p:clrMapOvr>
+    <a:masterClrMapping/>
+  </p:clrMapOvr>
+</p:notes>
+</file>
+
+<file path=ppt/notesSlides/notesSlide5.xml><?xml version="1.0" encoding="utf-8"?>
+<p:notes xmlns:a="http://schemas.openxmlformats.org/drawingml/2006/main" xmlns:r="http://schemas.openxmlformats.org/officeDocument/2006/relationships" xmlns:p="http://schemas.openxmlformats.org/presentationml/2006/main">
+  <p:cSld>
+    <p:spTree>
+      <p:nvGrpSpPr>
+        <p:cNvPr id="1" name=""/>
+        <p:cNvGrpSpPr/>
+        <p:nvPr/>
+      </p:nvGrpSpPr>
+      <p:grpSpPr>
+        <a:xfrm>
+          <a:off x="0" y="0"/>
+          <a:ext cx="0" cy="0"/>
+          <a:chOff x="0" y="0"/>
+          <a:chExt cx="0" cy="0"/>
+        </a:xfrm>
+      </p:grpSpPr>
+      <p:sp>
+        <p:nvSpPr>
+          <p:cNvPr id="2" name="投影片影像版面配置區 1"/>
+          <p:cNvSpPr>
+            <a:spLocks noGrp="1" noRot="1" noChangeAspect="1"/>
+          </p:cNvSpPr>
+          <p:nvPr>
+            <p:ph type="sldImg"/>
+          </p:nvPr>
+        </p:nvSpPr>
+        <p:spPr/>
+      </p:sp>
+      <p:sp>
+        <p:nvSpPr>
+          <p:cNvPr id="3" name="備忘稿版面配置區 2"/>
+          <p:cNvSpPr>
+            <a:spLocks noGrp="1"/>
+          </p:cNvSpPr>
+          <p:nvPr>
+            <p:ph type="body" idx="1"/>
+          </p:nvPr>
+        </p:nvSpPr>
+        <p:spPr/>
+        <p:txBody>
+          <a:bodyPr/>
+          <a:lstStyle/>
+          <a:p>
+            <a:r>
+              <a:rPr lang="zh-TW" altLang="en-US" dirty="0"/>
+              <a:t>在大家的努力下，專案進展終於步上正軌。主管看到我們的成果，也給予了我很大的肯定，讓我更加有信心。</a:t>
+            </a:r>
+          </a:p>
+        </p:txBody>
+      </p:sp>
+      <p:sp>
+        <p:nvSpPr>
+          <p:cNvPr id="4" name="投影片編號版面配置區 3"/>
+          <p:cNvSpPr>
+            <a:spLocks noGrp="1"/>
+          </p:cNvSpPr>
+          <p:nvPr>
+            <p:ph type="sldNum" sz="quarter" idx="5"/>
+          </p:nvPr>
+        </p:nvSpPr>
+        <p:spPr/>
+        <p:txBody>
+          <a:bodyPr/>
+          <a:lstStyle/>
+          <a:p>
+            <a:fld id="{126805A4-9447-4E7E-9A5E-8B1AC6865DC3}" type="slidenum">
+              <a:rPr lang="zh-TW" altLang="en-US" smtClean="0"/>
+              <a:t>5</a:t>
+            </a:fld>
+            <a:endParaRPr lang="zh-TW" altLang="en-US"/>
+          </a:p>
+        </p:txBody>
+      </p:sp>
+    </p:spTree>
+    <p:extLst>
+      <p:ext uri="{BB962C8B-B14F-4D97-AF65-F5344CB8AC3E}">
+        <p14:creationId xmlns:p14="http://schemas.microsoft.com/office/powerpoint/2010/main" val="2416254384"/>
+      </p:ext>
+    </p:extLst>
+  </p:cSld>
+  <p:clrMapOvr>
+    <a:masterClrMapping/>
+  </p:clrMapOvr>
+</p:notes>
+</file>
+
+<file path=ppt/notesSlides/notesSlide6.xml><?xml version="1.0" encoding="utf-8"?>
+<p:notes xmlns:a="http://schemas.openxmlformats.org/drawingml/2006/main" xmlns:r="http://schemas.openxmlformats.org/officeDocument/2006/relationships" xmlns:p="http://schemas.openxmlformats.org/presentationml/2006/main">
+  <p:cSld>
+    <p:spTree>
+      <p:nvGrpSpPr>
+        <p:cNvPr id="1" name=""/>
+        <p:cNvGrpSpPr/>
+        <p:nvPr/>
+      </p:nvGrpSpPr>
+      <p:grpSpPr>
+        <a:xfrm>
+          <a:off x="0" y="0"/>
+          <a:ext cx="0" cy="0"/>
+          <a:chOff x="0" y="0"/>
+          <a:chExt cx="0" cy="0"/>
+        </a:xfrm>
+      </p:grpSpPr>
+      <p:sp>
+        <p:nvSpPr>
+          <p:cNvPr id="2" name="投影片影像版面配置區 1"/>
+          <p:cNvSpPr>
+            <a:spLocks noGrp="1" noRot="1" noChangeAspect="1"/>
+          </p:cNvSpPr>
+          <p:nvPr>
+            <p:ph type="sldImg"/>
+          </p:nvPr>
+        </p:nvSpPr>
+        <p:spPr/>
+      </p:sp>
+      <p:sp>
+        <p:nvSpPr>
+          <p:cNvPr id="3" name="備忘稿版面配置區 2"/>
+          <p:cNvSpPr>
+            <a:spLocks noGrp="1"/>
+          </p:cNvSpPr>
+          <p:nvPr>
+            <p:ph type="body" idx="1"/>
+          </p:nvPr>
+        </p:nvSpPr>
+        <p:spPr/>
+        <p:txBody>
+          <a:bodyPr/>
+          <a:lstStyle/>
+          <a:p>
+            <a:r>
+              <a:rPr lang="zh-TW" altLang="en-US" dirty="0"/>
+              <a:t>但就在專案快要完成時，系統突發故障，導致關鍵數據遺失，專案進度完全停滯，整個團隊都非常焦急。</a:t>
+            </a:r>
+          </a:p>
+        </p:txBody>
+      </p:sp>
+      <p:sp>
+        <p:nvSpPr>
+          <p:cNvPr id="4" name="投影片編號版面配置區 3"/>
+          <p:cNvSpPr>
+            <a:spLocks noGrp="1"/>
+          </p:cNvSpPr>
+          <p:nvPr>
+            <p:ph type="sldNum" sz="quarter" idx="5"/>
+          </p:nvPr>
+        </p:nvSpPr>
+        <p:spPr/>
+        <p:txBody>
+          <a:bodyPr/>
+          <a:lstStyle/>
+          <a:p>
+            <a:fld id="{126805A4-9447-4E7E-9A5E-8B1AC6865DC3}" type="slidenum">
+              <a:rPr lang="zh-TW" altLang="en-US" smtClean="0"/>
+              <a:t>6</a:t>
+            </a:fld>
+            <a:endParaRPr lang="zh-TW" altLang="en-US"/>
+          </a:p>
+        </p:txBody>
+      </p:sp>
+    </p:spTree>
+    <p:extLst>
+      <p:ext uri="{BB962C8B-B14F-4D97-AF65-F5344CB8AC3E}">
+        <p14:creationId xmlns:p14="http://schemas.microsoft.com/office/powerpoint/2010/main" val="1996260980"/>
+      </p:ext>
+    </p:extLst>
+  </p:cSld>
+  <p:clrMapOvr>
+    <a:masterClrMapping/>
+  </p:clrMapOvr>
+</p:notes>
+</file>
+
+<file path=ppt/notesSlides/notesSlide7.xml><?xml version="1.0" encoding="utf-8"?>
+<p:notes xmlns:a="http://schemas.openxmlformats.org/drawingml/2006/main" xmlns:r="http://schemas.openxmlformats.org/officeDocument/2006/relationships" xmlns:p="http://schemas.openxmlformats.org/presentationml/2006/main">
+  <p:cSld>
+    <p:spTree>
+      <p:nvGrpSpPr>
+        <p:cNvPr id="1" name=""/>
+        <p:cNvGrpSpPr/>
+        <p:nvPr/>
+      </p:nvGrpSpPr>
+      <p:grpSpPr>
+        <a:xfrm>
+          <a:off x="0" y="0"/>
+          <a:ext cx="0" cy="0"/>
+          <a:chOff x="0" y="0"/>
+          <a:chExt cx="0" cy="0"/>
+        </a:xfrm>
+      </p:grpSpPr>
+      <p:sp>
+        <p:nvSpPr>
+          <p:cNvPr id="2" name="投影片影像版面配置區 1"/>
+          <p:cNvSpPr>
+            <a:spLocks noGrp="1" noRot="1" noChangeAspect="1"/>
+          </p:cNvSpPr>
+          <p:nvPr>
+            <p:ph type="sldImg"/>
+          </p:nvPr>
+        </p:nvSpPr>
+        <p:spPr/>
+      </p:sp>
+      <p:sp>
+        <p:nvSpPr>
+          <p:cNvPr id="3" name="備忘稿版面配置區 2"/>
+          <p:cNvSpPr>
+            <a:spLocks noGrp="1"/>
+          </p:cNvSpPr>
+          <p:nvPr>
+            <p:ph type="body" idx="1"/>
+          </p:nvPr>
+        </p:nvSpPr>
+        <p:spPr/>
+        <p:txBody>
+          <a:bodyPr/>
+          <a:lstStyle/>
+          <a:p>
+            <a:r>
+              <a:rPr lang="zh-TW" altLang="en-US" dirty="0"/>
+              <a:t>我知道時間緊迫，於是決定加班整理資料，並請求團隊的協助。我們花了幾個通宵，最終成功恢復了數據。</a:t>
+            </a:r>
+          </a:p>
+        </p:txBody>
+      </p:sp>
+      <p:sp>
+        <p:nvSpPr>
+          <p:cNvPr id="4" name="投影片編號版面配置區 3"/>
+          <p:cNvSpPr>
+            <a:spLocks noGrp="1"/>
+          </p:cNvSpPr>
+          <p:nvPr>
+            <p:ph type="sldNum" sz="quarter" idx="5"/>
+          </p:nvPr>
+        </p:nvSpPr>
+        <p:spPr/>
+        <p:txBody>
+          <a:bodyPr/>
+          <a:lstStyle/>
+          <a:p>
+            <a:fld id="{126805A4-9447-4E7E-9A5E-8B1AC6865DC3}" type="slidenum">
+              <a:rPr lang="zh-TW" altLang="en-US" smtClean="0"/>
+              <a:t>7</a:t>
+            </a:fld>
+            <a:endParaRPr lang="zh-TW" altLang="en-US"/>
+          </a:p>
+        </p:txBody>
+      </p:sp>
+    </p:spTree>
+    <p:extLst>
+      <p:ext uri="{BB962C8B-B14F-4D97-AF65-F5344CB8AC3E}">
+        <p14:creationId xmlns:p14="http://schemas.microsoft.com/office/powerpoint/2010/main" val="1323075"/>
+      </p:ext>
+    </p:extLst>
+  </p:cSld>
+  <p:clrMapOvr>
+    <a:masterClrMapping/>
+  </p:clrMapOvr>
+</p:notes>
+</file>
+
+<file path=ppt/notesSlides/notesSlide8.xml><?xml version="1.0" encoding="utf-8"?>
+<p:notes xmlns:a="http://schemas.openxmlformats.org/drawingml/2006/main" xmlns:r="http://schemas.openxmlformats.org/officeDocument/2006/relationships" xmlns:p="http://schemas.openxmlformats.org/presentationml/2006/main">
+  <p:cSld>
+    <p:spTree>
+      <p:nvGrpSpPr>
+        <p:cNvPr id="1" name=""/>
+        <p:cNvGrpSpPr/>
+        <p:nvPr/>
+      </p:nvGrpSpPr>
+      <p:grpSpPr>
+        <a:xfrm>
+          <a:off x="0" y="0"/>
+          <a:ext cx="0" cy="0"/>
+          <a:chOff x="0" y="0"/>
+          <a:chExt cx="0" cy="0"/>
+        </a:xfrm>
+      </p:grpSpPr>
+      <p:sp>
+        <p:nvSpPr>
+          <p:cNvPr id="2" name="投影片影像版面配置區 1"/>
+          <p:cNvSpPr>
+            <a:spLocks noGrp="1" noRot="1" noChangeAspect="1"/>
+          </p:cNvSpPr>
+          <p:nvPr>
+            <p:ph type="sldImg"/>
+          </p:nvPr>
+        </p:nvSpPr>
+        <p:spPr/>
+      </p:sp>
+      <p:sp>
+        <p:nvSpPr>
+          <p:cNvPr id="3" name="備忘稿版面配置區 2"/>
+          <p:cNvSpPr>
+            <a:spLocks noGrp="1"/>
+          </p:cNvSpPr>
+          <p:nvPr>
+            <p:ph type="body" idx="1"/>
+          </p:nvPr>
+        </p:nvSpPr>
+        <p:spPr/>
+        <p:txBody>
+          <a:bodyPr/>
+          <a:lstStyle/>
+          <a:p>
+            <a:r>
+              <a:rPr lang="zh-TW" altLang="en-US"/>
+              <a:t>專案順利如期完成，主管對我在危機中的表現印象深刻，最終，我也如願獲得晉升，成為團隊的核心成員。</a:t>
+            </a:r>
+            <a:endParaRPr lang="zh-TW" altLang="en-US" dirty="0"/>
+          </a:p>
+        </p:txBody>
+      </p:sp>
+      <p:sp>
+        <p:nvSpPr>
+          <p:cNvPr id="4" name="投影片編號版面配置區 3"/>
+          <p:cNvSpPr>
+            <a:spLocks noGrp="1"/>
+          </p:cNvSpPr>
+          <p:nvPr>
+            <p:ph type="sldNum" sz="quarter" idx="5"/>
+          </p:nvPr>
+        </p:nvSpPr>
+        <p:spPr/>
+        <p:txBody>
+          <a:bodyPr/>
+          <a:lstStyle/>
+          <a:p>
+            <a:fld id="{126805A4-9447-4E7E-9A5E-8B1AC6865DC3}" type="slidenum">
+              <a:rPr lang="zh-TW" altLang="en-US" smtClean="0"/>
+              <a:t>8</a:t>
+            </a:fld>
+            <a:endParaRPr lang="zh-TW" altLang="en-US"/>
+          </a:p>
+        </p:txBody>
+      </p:sp>
+    </p:spTree>
+    <p:extLst>
+      <p:ext uri="{BB962C8B-B14F-4D97-AF65-F5344CB8AC3E}">
+        <p14:creationId xmlns:p14="http://schemas.microsoft.com/office/powerpoint/2010/main" val="1166491961"/>
+      </p:ext>
+    </p:extLst>
+  </p:cSld>
+  <p:clrMapOvr>
+    <a:masterClrMapping/>
+  </p:clrMapOvr>
+</p:notes>
+</file>
+
+<file path=ppt/notesSlides/notesSlide9.xml><?xml version="1.0" encoding="utf-8"?>
+<p:notes xmlns:a="http://schemas.openxmlformats.org/drawingml/2006/main" xmlns:r="http://schemas.openxmlformats.org/officeDocument/2006/relationships" xmlns:p="http://schemas.openxmlformats.org/presentationml/2006/main">
+  <p:cSld>
+    <p:spTree>
+      <p:nvGrpSpPr>
+        <p:cNvPr id="1" name=""/>
+        <p:cNvGrpSpPr/>
+        <p:nvPr/>
+      </p:nvGrpSpPr>
+      <p:grpSpPr>
+        <a:xfrm>
+          <a:off x="0" y="0"/>
+          <a:ext cx="0" cy="0"/>
+          <a:chOff x="0" y="0"/>
+          <a:chExt cx="0" cy="0"/>
+        </a:xfrm>
+      </p:grpSpPr>
+      <p:sp>
+        <p:nvSpPr>
+          <p:cNvPr id="2" name="投影片影像版面配置區 1"/>
+          <p:cNvSpPr>
+            <a:spLocks noGrp="1" noRot="1" noChangeAspect="1"/>
+          </p:cNvSpPr>
+          <p:nvPr>
+            <p:ph type="sldImg"/>
+          </p:nvPr>
+        </p:nvSpPr>
+        <p:spPr/>
+      </p:sp>
+      <p:sp>
+        <p:nvSpPr>
+          <p:cNvPr id="3" name="備忘稿版面配置區 2"/>
+          <p:cNvSpPr>
+            <a:spLocks noGrp="1"/>
+          </p:cNvSpPr>
+          <p:nvPr>
+            <p:ph type="body" idx="1"/>
+          </p:nvPr>
+        </p:nvSpPr>
+        <p:spPr/>
+        <p:txBody>
+          <a:bodyPr/>
+          <a:lstStyle/>
+          <a:p>
+            <a:r>
+              <a:rPr lang="zh-TW" altLang="en-US" dirty="0"/>
+              <a:t>謝謝聆聽</a:t>
+            </a:r>
+          </a:p>
+        </p:txBody>
+      </p:sp>
+      <p:sp>
+        <p:nvSpPr>
+          <p:cNvPr id="4" name="投影片編號版面配置區 3"/>
+          <p:cNvSpPr>
+            <a:spLocks noGrp="1"/>
+          </p:cNvSpPr>
+          <p:nvPr>
+            <p:ph type="sldNum" sz="quarter" idx="5"/>
+          </p:nvPr>
+        </p:nvSpPr>
+        <p:spPr/>
+        <p:txBody>
+          <a:bodyPr/>
+          <a:lstStyle/>
+          <a:p>
+            <a:fld id="{126805A4-9447-4E7E-9A5E-8B1AC6865DC3}" type="slidenum">
+              <a:rPr lang="zh-TW" altLang="en-US" smtClean="0"/>
+              <a:t>9</a:t>
+            </a:fld>
+            <a:endParaRPr lang="zh-TW" altLang="en-US"/>
+          </a:p>
+        </p:txBody>
+      </p:sp>
+    </p:spTree>
+    <p:extLst>
+      <p:ext uri="{BB962C8B-B14F-4D97-AF65-F5344CB8AC3E}">
+        <p14:creationId xmlns:p14="http://schemas.microsoft.com/office/powerpoint/2010/main" val="1138404020"/>
+      </p:ext>
+    </p:extLst>
+  </p:cSld>
+  <p:clrMapOvr>
+    <a:masterClrMapping/>
+  </p:clrMapOvr>
+</p:notes>
 </file>
 
 <file path=ppt/slideLayouts/slideLayout1.xml><?xml version="1.0" encoding="utf-8"?>
@@ -126,13 +1290,7 @@
       </p:grpSpPr>
       <p:sp>
         <p:nvSpPr>
-          <p:cNvPr id="2" name="標題 1">
-            <a:extLst>
-              <a:ext uri="{FF2B5EF4-FFF2-40B4-BE49-F238E27FC236}">
-                <a16:creationId xmlns:a16="http://schemas.microsoft.com/office/drawing/2014/main" id="{EB5CC918-B447-434E-B98E-5847BB49C259}"/>
-              </a:ext>
-            </a:extLst>
-          </p:cNvPr>
+          <p:cNvPr id="2" name="Title 1"/>
           <p:cNvSpPr>
             <a:spLocks noGrp="1"/>
           </p:cNvSpPr>
@@ -142,15 +1300,17 @@
         </p:nvSpPr>
         <p:spPr>
           <a:xfrm>
-            <a:off x="1524000" y="1122363"/>
-            <a:ext cx="9144000" cy="2387600"/>
-          </a:xfrm>
-        </p:spPr>
-        <p:txBody>
-          <a:bodyPr anchor="b"/>
+            <a:off x="2417779" y="802298"/>
+            <a:ext cx="8637073" cy="2541431"/>
+          </a:xfrm>
+        </p:spPr>
+        <p:txBody>
+          <a:bodyPr bIns="0" anchor="b">
+            <a:normAutofit/>
+          </a:bodyPr>
           <a:lstStyle>
-            <a:lvl1pPr algn="ctr">
-              <a:defRPr sz="6000"/>
+            <a:lvl1pPr algn="l">
+              <a:defRPr sz="6600"/>
             </a:lvl1pPr>
           </a:lstStyle>
           <a:p>
@@ -158,18 +1318,13 @@
               <a:rPr lang="zh-TW" altLang="en-US"/>
               <a:t>按一下以編輯母片標題樣式</a:t>
             </a:r>
-          </a:p>
-        </p:txBody>
-      </p:sp>
-      <p:sp>
-        <p:nvSpPr>
-          <p:cNvPr id="3" name="副標題 2">
-            <a:extLst>
-              <a:ext uri="{FF2B5EF4-FFF2-40B4-BE49-F238E27FC236}">
-                <a16:creationId xmlns:a16="http://schemas.microsoft.com/office/drawing/2014/main" id="{817FCC70-CC4E-4CB6-B2CF-9FDA5AC4D346}"/>
-              </a:ext>
-            </a:extLst>
-          </p:cNvPr>
+            <a:endParaRPr lang="en-US" dirty="0"/>
+          </a:p>
+        </p:txBody>
+      </p:sp>
+      <p:sp>
+        <p:nvSpPr>
+          <p:cNvPr id="3" name="Subtitle 2"/>
           <p:cNvSpPr>
             <a:spLocks noGrp="1"/>
           </p:cNvSpPr>
@@ -179,20 +1334,26 @@
         </p:nvSpPr>
         <p:spPr>
           <a:xfrm>
-            <a:off x="1524000" y="3602038"/>
-            <a:ext cx="9144000" cy="1655762"/>
-          </a:xfrm>
-        </p:spPr>
-        <p:txBody>
-          <a:bodyPr/>
+            <a:off x="2417780" y="3531204"/>
+            <a:ext cx="8637072" cy="977621"/>
+          </a:xfrm>
+        </p:spPr>
+        <p:txBody>
+          <a:bodyPr tIns="91440" bIns="91440">
+            <a:normAutofit/>
+          </a:bodyPr>
           <a:lstStyle>
-            <a:lvl1pPr marL="0" indent="0" algn="ctr">
+            <a:lvl1pPr marL="0" indent="0" algn="l">
               <a:buNone/>
-              <a:defRPr sz="2400"/>
+              <a:defRPr sz="1800" b="0" cap="all" baseline="0">
+                <a:solidFill>
+                  <a:schemeClr val="tx1"/>
+                </a:solidFill>
+              </a:defRPr>
             </a:lvl1pPr>
             <a:lvl2pPr marL="457200" indent="0" algn="ctr">
               <a:buNone/>
-              <a:defRPr sz="2000"/>
+              <a:defRPr sz="1800"/>
             </a:lvl2pPr>
             <a:lvl3pPr marL="914400" indent="0" algn="ctr">
               <a:buNone/>
@@ -228,18 +1389,13 @@
               <a:rPr lang="zh-TW" altLang="en-US"/>
               <a:t>按一下以編輯母片子標題樣式</a:t>
             </a:r>
-          </a:p>
-        </p:txBody>
-      </p:sp>
-      <p:sp>
-        <p:nvSpPr>
-          <p:cNvPr id="4" name="日期版面配置區 3">
-            <a:extLst>
-              <a:ext uri="{FF2B5EF4-FFF2-40B4-BE49-F238E27FC236}">
-                <a16:creationId xmlns:a16="http://schemas.microsoft.com/office/drawing/2014/main" id="{BD08F018-0004-4322-AD0F-E6E740964233}"/>
-              </a:ext>
-            </a:extLst>
-          </p:cNvPr>
+            <a:endParaRPr lang="en-US" dirty="0"/>
+          </a:p>
+        </p:txBody>
+      </p:sp>
+      <p:sp>
+        <p:nvSpPr>
+          <p:cNvPr id="4" name="Date Placeholder 3"/>
           <p:cNvSpPr>
             <a:spLocks noGrp="1"/>
           </p:cNvSpPr>
@@ -252,9 +1408,9 @@
           <a:bodyPr/>
           <a:lstStyle/>
           <a:p>
-            <a:fld id="{C3C90D7E-32D6-4894-AE08-7BBB3E610FC9}" type="datetimeFigureOut">
+            <a:fld id="{0CDB5579-79C0-423A-89BE-9D852A949AA1}" type="datetimeFigureOut">
               <a:rPr lang="zh-TW" altLang="en-US" smtClean="0"/>
-              <a:t>2024/9/16</a:t>
+              <a:t>2024/11/1</a:t>
             </a:fld>
             <a:endParaRPr lang="zh-TW" altLang="en-US"/>
           </a:p>
@@ -262,13 +1418,7 @@
       </p:sp>
       <p:sp>
         <p:nvSpPr>
-          <p:cNvPr id="5" name="頁尾版面配置區 4">
-            <a:extLst>
-              <a:ext uri="{FF2B5EF4-FFF2-40B4-BE49-F238E27FC236}">
-                <a16:creationId xmlns:a16="http://schemas.microsoft.com/office/drawing/2014/main" id="{30427B34-CB13-41C7-B2F2-CED9BDC5B595}"/>
-              </a:ext>
-            </a:extLst>
-          </p:cNvPr>
+          <p:cNvPr id="5" name="Footer Placeholder 4"/>
           <p:cNvSpPr>
             <a:spLocks noGrp="1"/>
           </p:cNvSpPr>
@@ -276,7 +1426,12 @@
             <p:ph type="ftr" sz="quarter" idx="11"/>
           </p:nvPr>
         </p:nvSpPr>
-        <p:spPr/>
+        <p:spPr>
+          <a:xfrm>
+            <a:off x="2416500" y="329307"/>
+            <a:ext cx="4973915" cy="309201"/>
+          </a:xfrm>
+        </p:spPr>
         <p:txBody>
           <a:bodyPr/>
           <a:lstStyle/>
@@ -287,13 +1442,7 @@
       </p:sp>
       <p:sp>
         <p:nvSpPr>
-          <p:cNvPr id="6" name="投影片編號版面配置區 5">
-            <a:extLst>
-              <a:ext uri="{FF2B5EF4-FFF2-40B4-BE49-F238E27FC236}">
-                <a16:creationId xmlns:a16="http://schemas.microsoft.com/office/drawing/2014/main" id="{76FA962E-5B03-439A-928C-87366876542D}"/>
-              </a:ext>
-            </a:extLst>
-          </p:cNvPr>
+          <p:cNvPr id="6" name="Slide Number Placeholder 5"/>
           <p:cNvSpPr>
             <a:spLocks noGrp="1"/>
           </p:cNvSpPr>
@@ -301,12 +1450,17 @@
             <p:ph type="sldNum" sz="quarter" idx="12"/>
           </p:nvPr>
         </p:nvSpPr>
-        <p:spPr/>
+        <p:spPr>
+          <a:xfrm>
+            <a:off x="1437664" y="798973"/>
+            <a:ext cx="811019" cy="503578"/>
+          </a:xfrm>
+        </p:spPr>
         <p:txBody>
           <a:bodyPr/>
           <a:lstStyle/>
           <a:p>
-            <a:fld id="{E31EC408-072F-4346-BD0A-D6AA5788A305}" type="slidenum">
+            <a:fld id="{0C58D5FE-2D1A-4203-8346-352EFC6B813F}" type="slidenum">
               <a:rPr lang="zh-TW" altLang="en-US" smtClean="0"/>
               <a:t>‹#›</a:t>
             </a:fld>
@@ -314,10 +1468,41 @@
           </a:p>
         </p:txBody>
       </p:sp>
+      <p:cxnSp>
+        <p:nvCxnSpPr>
+          <p:cNvPr id="15" name="Straight Connector 14"/>
+          <p:cNvCxnSpPr/>
+          <p:nvPr/>
+        </p:nvCxnSpPr>
+        <p:spPr>
+          <a:xfrm>
+            <a:off x="2417780" y="3528542"/>
+            <a:ext cx="8637072" cy="0"/>
+          </a:xfrm>
+          <a:prstGeom prst="line">
+            <a:avLst/>
+          </a:prstGeom>
+          <a:ln w="31750"/>
+        </p:spPr>
+        <p:style>
+          <a:lnRef idx="3">
+            <a:schemeClr val="accent1"/>
+          </a:lnRef>
+          <a:fillRef idx="0">
+            <a:schemeClr val="accent1"/>
+          </a:fillRef>
+          <a:effectRef idx="2">
+            <a:schemeClr val="accent1"/>
+          </a:effectRef>
+          <a:fontRef idx="minor">
+            <a:schemeClr val="tx1"/>
+          </a:fontRef>
+        </p:style>
+      </p:cxnSp>
     </p:spTree>
     <p:extLst>
       <p:ext uri="{BB962C8B-B14F-4D97-AF65-F5344CB8AC3E}">
-        <p14:creationId xmlns:p14="http://schemas.microsoft.com/office/powerpoint/2010/main" val="2963035110"/>
+        <p14:creationId xmlns:p14="http://schemas.microsoft.com/office/powerpoint/2010/main" val="1286975995"/>
       </p:ext>
     </p:extLst>
   </p:cSld>
@@ -346,13 +1531,7 @@
       </p:grpSpPr>
       <p:sp>
         <p:nvSpPr>
-          <p:cNvPr id="2" name="標題 1">
-            <a:extLst>
-              <a:ext uri="{FF2B5EF4-FFF2-40B4-BE49-F238E27FC236}">
-                <a16:creationId xmlns:a16="http://schemas.microsoft.com/office/drawing/2014/main" id="{A02F0018-7F8E-4206-A929-07CDC6B5F34A}"/>
-              </a:ext>
-            </a:extLst>
-          </p:cNvPr>
+          <p:cNvPr id="2" name="Title 1"/>
           <p:cNvSpPr>
             <a:spLocks noGrp="1"/>
           </p:cNvSpPr>
@@ -369,18 +1548,13 @@
               <a:rPr lang="zh-TW" altLang="en-US"/>
               <a:t>按一下以編輯母片標題樣式</a:t>
             </a:r>
-          </a:p>
-        </p:txBody>
-      </p:sp>
-      <p:sp>
-        <p:nvSpPr>
-          <p:cNvPr id="3" name="直排文字版面配置區 2">
-            <a:extLst>
-              <a:ext uri="{FF2B5EF4-FFF2-40B4-BE49-F238E27FC236}">
-                <a16:creationId xmlns:a16="http://schemas.microsoft.com/office/drawing/2014/main" id="{9B801E88-34C3-4545-A358-81F5614FED64}"/>
-              </a:ext>
-            </a:extLst>
-          </p:cNvPr>
+            <a:endParaRPr lang="en-US" dirty="0"/>
+          </a:p>
+        </p:txBody>
+      </p:sp>
+      <p:sp>
+        <p:nvSpPr>
+          <p:cNvPr id="3" name="Vertical Text Placeholder 2"/>
           <p:cNvSpPr>
             <a:spLocks noGrp="1"/>
           </p:cNvSpPr>
@@ -426,18 +1600,13 @@
               <a:rPr lang="zh-TW" altLang="en-US"/>
               <a:t>第五層</a:t>
             </a:r>
-          </a:p>
-        </p:txBody>
-      </p:sp>
-      <p:sp>
-        <p:nvSpPr>
-          <p:cNvPr id="4" name="日期版面配置區 3">
-            <a:extLst>
-              <a:ext uri="{FF2B5EF4-FFF2-40B4-BE49-F238E27FC236}">
-                <a16:creationId xmlns:a16="http://schemas.microsoft.com/office/drawing/2014/main" id="{60AFD716-8B99-4230-B55F-C8B88ECBB171}"/>
-              </a:ext>
-            </a:extLst>
-          </p:cNvPr>
+            <a:endParaRPr lang="en-US" dirty="0"/>
+          </a:p>
+        </p:txBody>
+      </p:sp>
+      <p:sp>
+        <p:nvSpPr>
+          <p:cNvPr id="4" name="Date Placeholder 3"/>
           <p:cNvSpPr>
             <a:spLocks noGrp="1"/>
           </p:cNvSpPr>
@@ -450,9 +1619,9 @@
           <a:bodyPr/>
           <a:lstStyle/>
           <a:p>
-            <a:fld id="{C3C90D7E-32D6-4894-AE08-7BBB3E610FC9}" type="datetimeFigureOut">
+            <a:fld id="{0CDB5579-79C0-423A-89BE-9D852A949AA1}" type="datetimeFigureOut">
               <a:rPr lang="zh-TW" altLang="en-US" smtClean="0"/>
-              <a:t>2024/9/16</a:t>
+              <a:t>2024/11/1</a:t>
             </a:fld>
             <a:endParaRPr lang="zh-TW" altLang="en-US"/>
           </a:p>
@@ -460,13 +1629,7 @@
       </p:sp>
       <p:sp>
         <p:nvSpPr>
-          <p:cNvPr id="5" name="頁尾版面配置區 4">
-            <a:extLst>
-              <a:ext uri="{FF2B5EF4-FFF2-40B4-BE49-F238E27FC236}">
-                <a16:creationId xmlns:a16="http://schemas.microsoft.com/office/drawing/2014/main" id="{EA374743-76D9-4BF8-A60C-2F50B2636A8A}"/>
-              </a:ext>
-            </a:extLst>
-          </p:cNvPr>
+          <p:cNvPr id="5" name="Footer Placeholder 4"/>
           <p:cNvSpPr>
             <a:spLocks noGrp="1"/>
           </p:cNvSpPr>
@@ -485,13 +1648,7 @@
       </p:sp>
       <p:sp>
         <p:nvSpPr>
-          <p:cNvPr id="6" name="投影片編號版面配置區 5">
-            <a:extLst>
-              <a:ext uri="{FF2B5EF4-FFF2-40B4-BE49-F238E27FC236}">
-                <a16:creationId xmlns:a16="http://schemas.microsoft.com/office/drawing/2014/main" id="{00454594-6C11-4013-A666-A151E960EC9B}"/>
-              </a:ext>
-            </a:extLst>
-          </p:cNvPr>
+          <p:cNvPr id="6" name="Slide Number Placeholder 5"/>
           <p:cNvSpPr>
             <a:spLocks noGrp="1"/>
           </p:cNvSpPr>
@@ -504,7 +1661,7 @@
           <a:bodyPr/>
           <a:lstStyle/>
           <a:p>
-            <a:fld id="{E31EC408-072F-4346-BD0A-D6AA5788A305}" type="slidenum">
+            <a:fld id="{0C58D5FE-2D1A-4203-8346-352EFC6B813F}" type="slidenum">
               <a:rPr lang="zh-TW" altLang="en-US" smtClean="0"/>
               <a:t>‹#›</a:t>
             </a:fld>
@@ -512,10 +1669,41 @@
           </a:p>
         </p:txBody>
       </p:sp>
+      <p:cxnSp>
+        <p:nvCxnSpPr>
+          <p:cNvPr id="26" name="Straight Connector 25"/>
+          <p:cNvCxnSpPr/>
+          <p:nvPr/>
+        </p:nvCxnSpPr>
+        <p:spPr>
+          <a:xfrm>
+            <a:off x="1453896" y="1847088"/>
+            <a:ext cx="9607522" cy="0"/>
+          </a:xfrm>
+          <a:prstGeom prst="line">
+            <a:avLst/>
+          </a:prstGeom>
+          <a:ln w="31750"/>
+        </p:spPr>
+        <p:style>
+          <a:lnRef idx="3">
+            <a:schemeClr val="accent1"/>
+          </a:lnRef>
+          <a:fillRef idx="0">
+            <a:schemeClr val="accent1"/>
+          </a:fillRef>
+          <a:effectRef idx="2">
+            <a:schemeClr val="accent1"/>
+          </a:effectRef>
+          <a:fontRef idx="minor">
+            <a:schemeClr val="tx1"/>
+          </a:fontRef>
+        </p:style>
+      </p:cxnSp>
     </p:spTree>
     <p:extLst>
       <p:ext uri="{BB962C8B-B14F-4D97-AF65-F5344CB8AC3E}">
-        <p14:creationId xmlns:p14="http://schemas.microsoft.com/office/powerpoint/2010/main" val="188953001"/>
+        <p14:creationId xmlns:p14="http://schemas.microsoft.com/office/powerpoint/2010/main" val="188090254"/>
       </p:ext>
     </p:extLst>
   </p:cSld>
@@ -544,13 +1732,7 @@
       </p:grpSpPr>
       <p:sp>
         <p:nvSpPr>
-          <p:cNvPr id="2" name="直排標題 1">
-            <a:extLst>
-              <a:ext uri="{FF2B5EF4-FFF2-40B4-BE49-F238E27FC236}">
-                <a16:creationId xmlns:a16="http://schemas.microsoft.com/office/drawing/2014/main" id="{70F760AC-E708-4605-85E2-7D0F424B3E29}"/>
-              </a:ext>
-            </a:extLst>
-          </p:cNvPr>
+          <p:cNvPr id="2" name="Vertical Title 1"/>
           <p:cNvSpPr>
             <a:spLocks noGrp="1"/>
           </p:cNvSpPr>
@@ -560,30 +1742,29 @@
         </p:nvSpPr>
         <p:spPr>
           <a:xfrm>
-            <a:off x="8724900" y="365125"/>
-            <a:ext cx="2628900" cy="5811838"/>
+            <a:off x="9439111" y="798973"/>
+            <a:ext cx="1615742" cy="4659889"/>
           </a:xfrm>
         </p:spPr>
         <p:txBody>
           <a:bodyPr vert="eaVert"/>
-          <a:lstStyle/>
+          <a:lstStyle>
+            <a:lvl1pPr algn="l">
+              <a:defRPr/>
+            </a:lvl1pPr>
+          </a:lstStyle>
           <a:p>
             <a:r>
               <a:rPr lang="zh-TW" altLang="en-US"/>
               <a:t>按一下以編輯母片標題樣式</a:t>
             </a:r>
-          </a:p>
-        </p:txBody>
-      </p:sp>
-      <p:sp>
-        <p:nvSpPr>
-          <p:cNvPr id="3" name="直排文字版面配置區 2">
-            <a:extLst>
-              <a:ext uri="{FF2B5EF4-FFF2-40B4-BE49-F238E27FC236}">
-                <a16:creationId xmlns:a16="http://schemas.microsoft.com/office/drawing/2014/main" id="{84BECF48-F3B6-4D47-82A8-C6AE92EDC2F0}"/>
-              </a:ext>
-            </a:extLst>
-          </p:cNvPr>
+            <a:endParaRPr lang="en-US" dirty="0"/>
+          </a:p>
+        </p:txBody>
+      </p:sp>
+      <p:sp>
+        <p:nvSpPr>
+          <p:cNvPr id="3" name="Vertical Text Placeholder 2"/>
           <p:cNvSpPr>
             <a:spLocks noGrp="1"/>
           </p:cNvSpPr>
@@ -593,8 +1774,8 @@
         </p:nvSpPr>
         <p:spPr>
           <a:xfrm>
-            <a:off x="838200" y="365125"/>
-            <a:ext cx="7734300" cy="5811838"/>
+            <a:off x="1444672" y="798973"/>
+            <a:ext cx="7828830" cy="4659889"/>
           </a:xfrm>
         </p:spPr>
         <p:txBody>
@@ -634,18 +1815,13 @@
               <a:rPr lang="zh-TW" altLang="en-US"/>
               <a:t>第五層</a:t>
             </a:r>
-          </a:p>
-        </p:txBody>
-      </p:sp>
-      <p:sp>
-        <p:nvSpPr>
-          <p:cNvPr id="4" name="日期版面配置區 3">
-            <a:extLst>
-              <a:ext uri="{FF2B5EF4-FFF2-40B4-BE49-F238E27FC236}">
-                <a16:creationId xmlns:a16="http://schemas.microsoft.com/office/drawing/2014/main" id="{215DE52A-093E-4116-A2FE-F61BA999B89F}"/>
-              </a:ext>
-            </a:extLst>
-          </p:cNvPr>
+            <a:endParaRPr lang="en-US" dirty="0"/>
+          </a:p>
+        </p:txBody>
+      </p:sp>
+      <p:sp>
+        <p:nvSpPr>
+          <p:cNvPr id="4" name="Date Placeholder 3"/>
           <p:cNvSpPr>
             <a:spLocks noGrp="1"/>
           </p:cNvSpPr>
@@ -658,9 +1834,9 @@
           <a:bodyPr/>
           <a:lstStyle/>
           <a:p>
-            <a:fld id="{C3C90D7E-32D6-4894-AE08-7BBB3E610FC9}" type="datetimeFigureOut">
+            <a:fld id="{0CDB5579-79C0-423A-89BE-9D852A949AA1}" type="datetimeFigureOut">
               <a:rPr lang="zh-TW" altLang="en-US" smtClean="0"/>
-              <a:t>2024/9/16</a:t>
+              <a:t>2024/11/1</a:t>
             </a:fld>
             <a:endParaRPr lang="zh-TW" altLang="en-US"/>
           </a:p>
@@ -668,13 +1844,7 @@
       </p:sp>
       <p:sp>
         <p:nvSpPr>
-          <p:cNvPr id="5" name="頁尾版面配置區 4">
-            <a:extLst>
-              <a:ext uri="{FF2B5EF4-FFF2-40B4-BE49-F238E27FC236}">
-                <a16:creationId xmlns:a16="http://schemas.microsoft.com/office/drawing/2014/main" id="{34553FE1-A5D9-4070-AA9C-378F491D4677}"/>
-              </a:ext>
-            </a:extLst>
-          </p:cNvPr>
+          <p:cNvPr id="5" name="Footer Placeholder 4"/>
           <p:cNvSpPr>
             <a:spLocks noGrp="1"/>
           </p:cNvSpPr>
@@ -693,13 +1863,7 @@
       </p:sp>
       <p:sp>
         <p:nvSpPr>
-          <p:cNvPr id="6" name="投影片編號版面配置區 5">
-            <a:extLst>
-              <a:ext uri="{FF2B5EF4-FFF2-40B4-BE49-F238E27FC236}">
-                <a16:creationId xmlns:a16="http://schemas.microsoft.com/office/drawing/2014/main" id="{928EFDDC-5B11-4543-8144-518625EDA57F}"/>
-              </a:ext>
-            </a:extLst>
-          </p:cNvPr>
+          <p:cNvPr id="6" name="Slide Number Placeholder 5"/>
           <p:cNvSpPr>
             <a:spLocks noGrp="1"/>
           </p:cNvSpPr>
@@ -712,7 +1876,7 @@
           <a:bodyPr/>
           <a:lstStyle/>
           <a:p>
-            <a:fld id="{E31EC408-072F-4346-BD0A-D6AA5788A305}" type="slidenum">
+            <a:fld id="{0C58D5FE-2D1A-4203-8346-352EFC6B813F}" type="slidenum">
               <a:rPr lang="zh-TW" altLang="en-US" smtClean="0"/>
               <a:t>‹#›</a:t>
             </a:fld>
@@ -720,10 +1884,41 @@
           </a:p>
         </p:txBody>
       </p:sp>
+      <p:cxnSp>
+        <p:nvCxnSpPr>
+          <p:cNvPr id="15" name="Straight Connector 14"/>
+          <p:cNvCxnSpPr/>
+          <p:nvPr/>
+        </p:nvCxnSpPr>
+        <p:spPr>
+          <a:xfrm>
+            <a:off x="9439111" y="798973"/>
+            <a:ext cx="0" cy="4659889"/>
+          </a:xfrm>
+          <a:prstGeom prst="line">
+            <a:avLst/>
+          </a:prstGeom>
+          <a:ln w="31750"/>
+        </p:spPr>
+        <p:style>
+          <a:lnRef idx="3">
+            <a:schemeClr val="accent1"/>
+          </a:lnRef>
+          <a:fillRef idx="0">
+            <a:schemeClr val="accent1"/>
+          </a:fillRef>
+          <a:effectRef idx="2">
+            <a:schemeClr val="accent1"/>
+          </a:effectRef>
+          <a:fontRef idx="minor">
+            <a:schemeClr val="tx1"/>
+          </a:fontRef>
+        </p:style>
+      </p:cxnSp>
     </p:spTree>
     <p:extLst>
       <p:ext uri="{BB962C8B-B14F-4D97-AF65-F5344CB8AC3E}">
-        <p14:creationId xmlns:p14="http://schemas.microsoft.com/office/powerpoint/2010/main" val="2483123943"/>
+        <p14:creationId xmlns:p14="http://schemas.microsoft.com/office/powerpoint/2010/main" val="964523004"/>
       </p:ext>
     </p:extLst>
   </p:cSld>
@@ -752,13 +1947,7 @@
       </p:grpSpPr>
       <p:sp>
         <p:nvSpPr>
-          <p:cNvPr id="2" name="標題 1">
-            <a:extLst>
-              <a:ext uri="{FF2B5EF4-FFF2-40B4-BE49-F238E27FC236}">
-                <a16:creationId xmlns:a16="http://schemas.microsoft.com/office/drawing/2014/main" id="{A1BFCF4C-FB58-444C-B754-A594851E4C7B}"/>
-              </a:ext>
-            </a:extLst>
-          </p:cNvPr>
+          <p:cNvPr id="2" name="Title 1"/>
           <p:cNvSpPr>
             <a:spLocks noGrp="1"/>
           </p:cNvSpPr>
@@ -775,18 +1964,13 @@
               <a:rPr lang="zh-TW" altLang="en-US"/>
               <a:t>按一下以編輯母片標題樣式</a:t>
             </a:r>
-          </a:p>
-        </p:txBody>
-      </p:sp>
-      <p:sp>
-        <p:nvSpPr>
-          <p:cNvPr id="3" name="內容版面配置區 2">
-            <a:extLst>
-              <a:ext uri="{FF2B5EF4-FFF2-40B4-BE49-F238E27FC236}">
-                <a16:creationId xmlns:a16="http://schemas.microsoft.com/office/drawing/2014/main" id="{987C475D-648F-4511-A6FE-04B04F755F93}"/>
-              </a:ext>
-            </a:extLst>
-          </p:cNvPr>
+            <a:endParaRPr lang="en-US" dirty="0"/>
+          </a:p>
+        </p:txBody>
+      </p:sp>
+      <p:sp>
+        <p:nvSpPr>
+          <p:cNvPr id="3" name="Content Placeholder 2"/>
           <p:cNvSpPr>
             <a:spLocks noGrp="1"/>
           </p:cNvSpPr>
@@ -796,69 +1980,64 @@
         </p:nvSpPr>
         <p:spPr/>
         <p:txBody>
+          <a:bodyPr anchor="t"/>
+          <a:lstStyle/>
+          <a:p>
+            <a:pPr lvl="0"/>
+            <a:r>
+              <a:rPr lang="zh-TW" altLang="en-US"/>
+              <a:t>按一下以編輯母片文字樣式</a:t>
+            </a:r>
+          </a:p>
+          <a:p>
+            <a:pPr lvl="1"/>
+            <a:r>
+              <a:rPr lang="zh-TW" altLang="en-US"/>
+              <a:t>第二層</a:t>
+            </a:r>
+          </a:p>
+          <a:p>
+            <a:pPr lvl="2"/>
+            <a:r>
+              <a:rPr lang="zh-TW" altLang="en-US"/>
+              <a:t>第三層</a:t>
+            </a:r>
+          </a:p>
+          <a:p>
+            <a:pPr lvl="3"/>
+            <a:r>
+              <a:rPr lang="zh-TW" altLang="en-US"/>
+              <a:t>第四層</a:t>
+            </a:r>
+          </a:p>
+          <a:p>
+            <a:pPr lvl="4"/>
+            <a:r>
+              <a:rPr lang="zh-TW" altLang="en-US"/>
+              <a:t>第五層</a:t>
+            </a:r>
+            <a:endParaRPr lang="en-US" dirty="0"/>
+          </a:p>
+        </p:txBody>
+      </p:sp>
+      <p:sp>
+        <p:nvSpPr>
+          <p:cNvPr id="4" name="Date Placeholder 3"/>
+          <p:cNvSpPr>
+            <a:spLocks noGrp="1"/>
+          </p:cNvSpPr>
+          <p:nvPr>
+            <p:ph type="dt" sz="half" idx="10"/>
+          </p:nvPr>
+        </p:nvSpPr>
+        <p:spPr/>
+        <p:txBody>
           <a:bodyPr/>
           <a:lstStyle/>
           <a:p>
-            <a:pPr lvl="0"/>
-            <a:r>
-              <a:rPr lang="zh-TW" altLang="en-US"/>
-              <a:t>按一下以編輯母片文字樣式</a:t>
-            </a:r>
-          </a:p>
-          <a:p>
-            <a:pPr lvl="1"/>
-            <a:r>
-              <a:rPr lang="zh-TW" altLang="en-US"/>
-              <a:t>第二層</a:t>
-            </a:r>
-          </a:p>
-          <a:p>
-            <a:pPr lvl="2"/>
-            <a:r>
-              <a:rPr lang="zh-TW" altLang="en-US"/>
-              <a:t>第三層</a:t>
-            </a:r>
-          </a:p>
-          <a:p>
-            <a:pPr lvl="3"/>
-            <a:r>
-              <a:rPr lang="zh-TW" altLang="en-US"/>
-              <a:t>第四層</a:t>
-            </a:r>
-          </a:p>
-          <a:p>
-            <a:pPr lvl="4"/>
-            <a:r>
-              <a:rPr lang="zh-TW" altLang="en-US"/>
-              <a:t>第五層</a:t>
-            </a:r>
-          </a:p>
-        </p:txBody>
-      </p:sp>
-      <p:sp>
-        <p:nvSpPr>
-          <p:cNvPr id="4" name="日期版面配置區 3">
-            <a:extLst>
-              <a:ext uri="{FF2B5EF4-FFF2-40B4-BE49-F238E27FC236}">
-                <a16:creationId xmlns:a16="http://schemas.microsoft.com/office/drawing/2014/main" id="{F511FCF8-D8F7-4914-920F-D63F2D97F713}"/>
-              </a:ext>
-            </a:extLst>
-          </p:cNvPr>
-          <p:cNvSpPr>
-            <a:spLocks noGrp="1"/>
-          </p:cNvSpPr>
-          <p:nvPr>
-            <p:ph type="dt" sz="half" idx="10"/>
-          </p:nvPr>
-        </p:nvSpPr>
-        <p:spPr/>
-        <p:txBody>
-          <a:bodyPr/>
-          <a:lstStyle/>
-          <a:p>
-            <a:fld id="{C3C90D7E-32D6-4894-AE08-7BBB3E610FC9}" type="datetimeFigureOut">
+            <a:fld id="{0CDB5579-79C0-423A-89BE-9D852A949AA1}" type="datetimeFigureOut">
               <a:rPr lang="zh-TW" altLang="en-US" smtClean="0"/>
-              <a:t>2024/9/16</a:t>
+              <a:t>2024/11/1</a:t>
             </a:fld>
             <a:endParaRPr lang="zh-TW" altLang="en-US"/>
           </a:p>
@@ -866,13 +2045,7 @@
       </p:sp>
       <p:sp>
         <p:nvSpPr>
-          <p:cNvPr id="5" name="頁尾版面配置區 4">
-            <a:extLst>
-              <a:ext uri="{FF2B5EF4-FFF2-40B4-BE49-F238E27FC236}">
-                <a16:creationId xmlns:a16="http://schemas.microsoft.com/office/drawing/2014/main" id="{7E1D3E8F-338D-4B4D-B411-5282866FF95D}"/>
-              </a:ext>
-            </a:extLst>
-          </p:cNvPr>
+          <p:cNvPr id="5" name="Footer Placeholder 4"/>
           <p:cNvSpPr>
             <a:spLocks noGrp="1"/>
           </p:cNvSpPr>
@@ -891,13 +2064,7 @@
       </p:sp>
       <p:sp>
         <p:nvSpPr>
-          <p:cNvPr id="6" name="投影片編號版面配置區 5">
-            <a:extLst>
-              <a:ext uri="{FF2B5EF4-FFF2-40B4-BE49-F238E27FC236}">
-                <a16:creationId xmlns:a16="http://schemas.microsoft.com/office/drawing/2014/main" id="{F7DF3AD5-06B6-42D8-AEDF-66CCE6582524}"/>
-              </a:ext>
-            </a:extLst>
-          </p:cNvPr>
+          <p:cNvPr id="6" name="Slide Number Placeholder 5"/>
           <p:cNvSpPr>
             <a:spLocks noGrp="1"/>
           </p:cNvSpPr>
@@ -910,7 +2077,7 @@
           <a:bodyPr/>
           <a:lstStyle/>
           <a:p>
-            <a:fld id="{E31EC408-072F-4346-BD0A-D6AA5788A305}" type="slidenum">
+            <a:fld id="{0C58D5FE-2D1A-4203-8346-352EFC6B813F}" type="slidenum">
               <a:rPr lang="zh-TW" altLang="en-US" smtClean="0"/>
               <a:t>‹#›</a:t>
             </a:fld>
@@ -918,10 +2085,41 @@
           </a:p>
         </p:txBody>
       </p:sp>
+      <p:cxnSp>
+        <p:nvCxnSpPr>
+          <p:cNvPr id="33" name="Straight Connector 32"/>
+          <p:cNvCxnSpPr/>
+          <p:nvPr/>
+        </p:nvCxnSpPr>
+        <p:spPr>
+          <a:xfrm>
+            <a:off x="1453896" y="1847088"/>
+            <a:ext cx="9607522" cy="0"/>
+          </a:xfrm>
+          <a:prstGeom prst="line">
+            <a:avLst/>
+          </a:prstGeom>
+          <a:ln w="31750"/>
+        </p:spPr>
+        <p:style>
+          <a:lnRef idx="3">
+            <a:schemeClr val="accent1"/>
+          </a:lnRef>
+          <a:fillRef idx="0">
+            <a:schemeClr val="accent1"/>
+          </a:fillRef>
+          <a:effectRef idx="2">
+            <a:schemeClr val="accent1"/>
+          </a:effectRef>
+          <a:fontRef idx="minor">
+            <a:schemeClr val="tx1"/>
+          </a:fontRef>
+        </p:style>
+      </p:cxnSp>
     </p:spTree>
     <p:extLst>
       <p:ext uri="{BB962C8B-B14F-4D97-AF65-F5344CB8AC3E}">
-        <p14:creationId xmlns:p14="http://schemas.microsoft.com/office/powerpoint/2010/main" val="4198509733"/>
+        <p14:creationId xmlns:p14="http://schemas.microsoft.com/office/powerpoint/2010/main" val="4053579176"/>
       </p:ext>
     </p:extLst>
   </p:cSld>
@@ -950,13 +2148,7 @@
       </p:grpSpPr>
       <p:sp>
         <p:nvSpPr>
-          <p:cNvPr id="2" name="標題 1">
-            <a:extLst>
-              <a:ext uri="{FF2B5EF4-FFF2-40B4-BE49-F238E27FC236}">
-                <a16:creationId xmlns:a16="http://schemas.microsoft.com/office/drawing/2014/main" id="{5986B870-2B24-4658-9AEB-3C92E8E40B41}"/>
-              </a:ext>
-            </a:extLst>
-          </p:cNvPr>
+          <p:cNvPr id="2" name="Title 1"/>
           <p:cNvSpPr>
             <a:spLocks noGrp="1"/>
           </p:cNvSpPr>
@@ -966,15 +2158,17 @@
         </p:nvSpPr>
         <p:spPr>
           <a:xfrm>
-            <a:off x="831850" y="1709738"/>
-            <a:ext cx="10515600" cy="2852737"/>
-          </a:xfrm>
-        </p:spPr>
-        <p:txBody>
-          <a:bodyPr anchor="b"/>
+            <a:off x="1454239" y="1756130"/>
+            <a:ext cx="8643154" cy="1887950"/>
+          </a:xfrm>
+        </p:spPr>
+        <p:txBody>
+          <a:bodyPr anchor="b">
+            <a:normAutofit/>
+          </a:bodyPr>
           <a:lstStyle>
-            <a:lvl1pPr>
-              <a:defRPr sz="6000"/>
+            <a:lvl1pPr algn="l">
+              <a:defRPr sz="3600"/>
             </a:lvl1pPr>
           </a:lstStyle>
           <a:p>
@@ -982,18 +2176,13 @@
               <a:rPr lang="zh-TW" altLang="en-US"/>
               <a:t>按一下以編輯母片標題樣式</a:t>
             </a:r>
-          </a:p>
-        </p:txBody>
-      </p:sp>
-      <p:sp>
-        <p:nvSpPr>
-          <p:cNvPr id="3" name="文字版面配置區 2">
-            <a:extLst>
-              <a:ext uri="{FF2B5EF4-FFF2-40B4-BE49-F238E27FC236}">
-                <a16:creationId xmlns:a16="http://schemas.microsoft.com/office/drawing/2014/main" id="{90235018-E757-4630-8511-F466B919268F}"/>
-              </a:ext>
-            </a:extLst>
-          </p:cNvPr>
+            <a:endParaRPr lang="en-US" dirty="0"/>
+          </a:p>
+        </p:txBody>
+      </p:sp>
+      <p:sp>
+        <p:nvSpPr>
+          <p:cNvPr id="3" name="Text Placeholder 2"/>
           <p:cNvSpPr>
             <a:spLocks noGrp="1"/>
           </p:cNvSpPr>
@@ -1003,26 +2192,26 @@
         </p:nvSpPr>
         <p:spPr>
           <a:xfrm>
-            <a:off x="831850" y="4589463"/>
-            <a:ext cx="10515600" cy="1500187"/>
-          </a:xfrm>
-        </p:spPr>
-        <p:txBody>
-          <a:bodyPr/>
+            <a:off x="1454239" y="3806195"/>
+            <a:ext cx="8630446" cy="1012929"/>
+          </a:xfrm>
+        </p:spPr>
+        <p:txBody>
+          <a:bodyPr tIns="91440">
+            <a:normAutofit/>
+          </a:bodyPr>
           <a:lstStyle>
-            <a:lvl1pPr marL="0" indent="0">
+            <a:lvl1pPr marL="0" indent="0" algn="l">
               <a:buNone/>
-              <a:defRPr sz="2400">
+              <a:defRPr sz="1800">
                 <a:solidFill>
-                  <a:schemeClr val="tx1">
-                    <a:tint val="75000"/>
-                  </a:schemeClr>
+                  <a:schemeClr val="tx1"/>
                 </a:solidFill>
               </a:defRPr>
             </a:lvl1pPr>
             <a:lvl2pPr marL="457200" indent="0">
               <a:buNone/>
-              <a:defRPr sz="2000">
+              <a:defRPr sz="1800">
                 <a:solidFill>
                   <a:schemeClr val="tx1">
                     <a:tint val="75000"/>
@@ -1112,13 +2301,7 @@
       </p:sp>
       <p:sp>
         <p:nvSpPr>
-          <p:cNvPr id="4" name="日期版面配置區 3">
-            <a:extLst>
-              <a:ext uri="{FF2B5EF4-FFF2-40B4-BE49-F238E27FC236}">
-                <a16:creationId xmlns:a16="http://schemas.microsoft.com/office/drawing/2014/main" id="{37546C76-CF19-433D-9070-0A54A149F1B2}"/>
-              </a:ext>
-            </a:extLst>
-          </p:cNvPr>
+          <p:cNvPr id="4" name="Date Placeholder 3"/>
           <p:cNvSpPr>
             <a:spLocks noGrp="1"/>
           </p:cNvSpPr>
@@ -1131,9 +2314,9 @@
           <a:bodyPr/>
           <a:lstStyle/>
           <a:p>
-            <a:fld id="{C3C90D7E-32D6-4894-AE08-7BBB3E610FC9}" type="datetimeFigureOut">
+            <a:fld id="{0CDB5579-79C0-423A-89BE-9D852A949AA1}" type="datetimeFigureOut">
               <a:rPr lang="zh-TW" altLang="en-US" smtClean="0"/>
-              <a:t>2024/9/16</a:t>
+              <a:t>2024/11/1</a:t>
             </a:fld>
             <a:endParaRPr lang="zh-TW" altLang="en-US"/>
           </a:p>
@@ -1141,13 +2324,7 @@
       </p:sp>
       <p:sp>
         <p:nvSpPr>
-          <p:cNvPr id="5" name="頁尾版面配置區 4">
-            <a:extLst>
-              <a:ext uri="{FF2B5EF4-FFF2-40B4-BE49-F238E27FC236}">
-                <a16:creationId xmlns:a16="http://schemas.microsoft.com/office/drawing/2014/main" id="{9C9DC25F-827C-4564-AD0E-7FD815D53AF7}"/>
-              </a:ext>
-            </a:extLst>
-          </p:cNvPr>
+          <p:cNvPr id="5" name="Footer Placeholder 4"/>
           <p:cNvSpPr>
             <a:spLocks noGrp="1"/>
           </p:cNvSpPr>
@@ -1166,13 +2343,7 @@
       </p:sp>
       <p:sp>
         <p:nvSpPr>
-          <p:cNvPr id="6" name="投影片編號版面配置區 5">
-            <a:extLst>
-              <a:ext uri="{FF2B5EF4-FFF2-40B4-BE49-F238E27FC236}">
-                <a16:creationId xmlns:a16="http://schemas.microsoft.com/office/drawing/2014/main" id="{8C0653A6-68AA-4213-8D62-EAF9243D6998}"/>
-              </a:ext>
-            </a:extLst>
-          </p:cNvPr>
+          <p:cNvPr id="6" name="Slide Number Placeholder 5"/>
           <p:cNvSpPr>
             <a:spLocks noGrp="1"/>
           </p:cNvSpPr>
@@ -1185,7 +2356,7 @@
           <a:bodyPr/>
           <a:lstStyle/>
           <a:p>
-            <a:fld id="{E31EC408-072F-4346-BD0A-D6AA5788A305}" type="slidenum">
+            <a:fld id="{0C58D5FE-2D1A-4203-8346-352EFC6B813F}" type="slidenum">
               <a:rPr lang="zh-TW" altLang="en-US" smtClean="0"/>
               <a:t>‹#›</a:t>
             </a:fld>
@@ -1193,10 +2364,41 @@
           </a:p>
         </p:txBody>
       </p:sp>
+      <p:cxnSp>
+        <p:nvCxnSpPr>
+          <p:cNvPr id="15" name="Straight Connector 14"/>
+          <p:cNvCxnSpPr/>
+          <p:nvPr/>
+        </p:nvCxnSpPr>
+        <p:spPr>
+          <a:xfrm>
+            <a:off x="1454239" y="3804985"/>
+            <a:ext cx="8630446" cy="0"/>
+          </a:xfrm>
+          <a:prstGeom prst="line">
+            <a:avLst/>
+          </a:prstGeom>
+          <a:ln w="31750"/>
+        </p:spPr>
+        <p:style>
+          <a:lnRef idx="3">
+            <a:schemeClr val="accent1"/>
+          </a:lnRef>
+          <a:fillRef idx="0">
+            <a:schemeClr val="accent1"/>
+          </a:fillRef>
+          <a:effectRef idx="2">
+            <a:schemeClr val="accent1"/>
+          </a:effectRef>
+          <a:fontRef idx="minor">
+            <a:schemeClr val="tx1"/>
+          </a:fontRef>
+        </p:style>
+      </p:cxnSp>
     </p:spTree>
     <p:extLst>
       <p:ext uri="{BB962C8B-B14F-4D97-AF65-F5344CB8AC3E}">
-        <p14:creationId xmlns:p14="http://schemas.microsoft.com/office/powerpoint/2010/main" val="3126775509"/>
+        <p14:creationId xmlns:p14="http://schemas.microsoft.com/office/powerpoint/2010/main" val="2385752778"/>
       </p:ext>
     </p:extLst>
   </p:cSld>
@@ -1225,13 +2427,7 @@
       </p:grpSpPr>
       <p:sp>
         <p:nvSpPr>
-          <p:cNvPr id="2" name="標題 1">
-            <a:extLst>
-              <a:ext uri="{FF2B5EF4-FFF2-40B4-BE49-F238E27FC236}">
-                <a16:creationId xmlns:a16="http://schemas.microsoft.com/office/drawing/2014/main" id="{F8A74D77-9E6E-4FD1-97AD-0ADC1228B6AF}"/>
-              </a:ext>
-            </a:extLst>
-          </p:cNvPr>
+          <p:cNvPr id="2" name="Title 1"/>
           <p:cNvSpPr>
             <a:spLocks noGrp="1"/>
           </p:cNvSpPr>
@@ -1239,166 +2435,156 @@
             <p:ph type="title"/>
           </p:nvPr>
         </p:nvSpPr>
+        <p:spPr>
+          <a:xfrm>
+            <a:off x="1449217" y="804889"/>
+            <a:ext cx="9605635" cy="1059305"/>
+          </a:xfrm>
+        </p:spPr>
+        <p:txBody>
+          <a:bodyPr/>
+          <a:lstStyle/>
+          <a:p>
+            <a:r>
+              <a:rPr lang="zh-TW" altLang="en-US"/>
+              <a:t>按一下以編輯母片標題樣式</a:t>
+            </a:r>
+            <a:endParaRPr lang="en-US" dirty="0"/>
+          </a:p>
+        </p:txBody>
+      </p:sp>
+      <p:sp>
+        <p:nvSpPr>
+          <p:cNvPr id="3" name="Content Placeholder 2"/>
+          <p:cNvSpPr>
+            <a:spLocks noGrp="1"/>
+          </p:cNvSpPr>
+          <p:nvPr>
+            <p:ph sz="half" idx="1"/>
+          </p:nvPr>
+        </p:nvSpPr>
+        <p:spPr>
+          <a:xfrm>
+            <a:off x="1447331" y="2010878"/>
+            <a:ext cx="4645152" cy="3448595"/>
+          </a:xfrm>
+        </p:spPr>
+        <p:txBody>
+          <a:bodyPr/>
+          <a:lstStyle/>
+          <a:p>
+            <a:pPr lvl="0"/>
+            <a:r>
+              <a:rPr lang="zh-TW" altLang="en-US"/>
+              <a:t>按一下以編輯母片文字樣式</a:t>
+            </a:r>
+          </a:p>
+          <a:p>
+            <a:pPr lvl="1"/>
+            <a:r>
+              <a:rPr lang="zh-TW" altLang="en-US"/>
+              <a:t>第二層</a:t>
+            </a:r>
+          </a:p>
+          <a:p>
+            <a:pPr lvl="2"/>
+            <a:r>
+              <a:rPr lang="zh-TW" altLang="en-US"/>
+              <a:t>第三層</a:t>
+            </a:r>
+          </a:p>
+          <a:p>
+            <a:pPr lvl="3"/>
+            <a:r>
+              <a:rPr lang="zh-TW" altLang="en-US"/>
+              <a:t>第四層</a:t>
+            </a:r>
+          </a:p>
+          <a:p>
+            <a:pPr lvl="4"/>
+            <a:r>
+              <a:rPr lang="zh-TW" altLang="en-US"/>
+              <a:t>第五層</a:t>
+            </a:r>
+            <a:endParaRPr lang="en-US" dirty="0"/>
+          </a:p>
+        </p:txBody>
+      </p:sp>
+      <p:sp>
+        <p:nvSpPr>
+          <p:cNvPr id="4" name="Content Placeholder 3"/>
+          <p:cNvSpPr>
+            <a:spLocks noGrp="1"/>
+          </p:cNvSpPr>
+          <p:nvPr>
+            <p:ph sz="half" idx="2"/>
+          </p:nvPr>
+        </p:nvSpPr>
+        <p:spPr>
+          <a:xfrm>
+            <a:off x="6413771" y="2017343"/>
+            <a:ext cx="4645152" cy="3441520"/>
+          </a:xfrm>
+        </p:spPr>
+        <p:txBody>
+          <a:bodyPr/>
+          <a:lstStyle/>
+          <a:p>
+            <a:pPr lvl="0"/>
+            <a:r>
+              <a:rPr lang="zh-TW" altLang="en-US"/>
+              <a:t>按一下以編輯母片文字樣式</a:t>
+            </a:r>
+          </a:p>
+          <a:p>
+            <a:pPr lvl="1"/>
+            <a:r>
+              <a:rPr lang="zh-TW" altLang="en-US"/>
+              <a:t>第二層</a:t>
+            </a:r>
+          </a:p>
+          <a:p>
+            <a:pPr lvl="2"/>
+            <a:r>
+              <a:rPr lang="zh-TW" altLang="en-US"/>
+              <a:t>第三層</a:t>
+            </a:r>
+          </a:p>
+          <a:p>
+            <a:pPr lvl="3"/>
+            <a:r>
+              <a:rPr lang="zh-TW" altLang="en-US"/>
+              <a:t>第四層</a:t>
+            </a:r>
+          </a:p>
+          <a:p>
+            <a:pPr lvl="4"/>
+            <a:r>
+              <a:rPr lang="zh-TW" altLang="en-US"/>
+              <a:t>第五層</a:t>
+            </a:r>
+            <a:endParaRPr lang="en-US" dirty="0"/>
+          </a:p>
+        </p:txBody>
+      </p:sp>
+      <p:sp>
+        <p:nvSpPr>
+          <p:cNvPr id="5" name="Date Placeholder 4"/>
+          <p:cNvSpPr>
+            <a:spLocks noGrp="1"/>
+          </p:cNvSpPr>
+          <p:nvPr>
+            <p:ph type="dt" sz="half" idx="10"/>
+          </p:nvPr>
+        </p:nvSpPr>
         <p:spPr/>
         <p:txBody>
           <a:bodyPr/>
           <a:lstStyle/>
           <a:p>
-            <a:r>
-              <a:rPr lang="zh-TW" altLang="en-US"/>
-              <a:t>按一下以編輯母片標題樣式</a:t>
-            </a:r>
-          </a:p>
-        </p:txBody>
-      </p:sp>
-      <p:sp>
-        <p:nvSpPr>
-          <p:cNvPr id="3" name="內容版面配置區 2">
-            <a:extLst>
-              <a:ext uri="{FF2B5EF4-FFF2-40B4-BE49-F238E27FC236}">
-                <a16:creationId xmlns:a16="http://schemas.microsoft.com/office/drawing/2014/main" id="{9FDE4E9B-689C-4373-B281-9636BE211982}"/>
-              </a:ext>
-            </a:extLst>
-          </p:cNvPr>
-          <p:cNvSpPr>
-            <a:spLocks noGrp="1"/>
-          </p:cNvSpPr>
-          <p:nvPr>
-            <p:ph sz="half" idx="1"/>
-          </p:nvPr>
-        </p:nvSpPr>
-        <p:spPr>
-          <a:xfrm>
-            <a:off x="838200" y="1825625"/>
-            <a:ext cx="5181600" cy="4351338"/>
-          </a:xfrm>
-        </p:spPr>
-        <p:txBody>
-          <a:bodyPr/>
-          <a:lstStyle/>
-          <a:p>
-            <a:pPr lvl="0"/>
-            <a:r>
-              <a:rPr lang="zh-TW" altLang="en-US"/>
-              <a:t>按一下以編輯母片文字樣式</a:t>
-            </a:r>
-          </a:p>
-          <a:p>
-            <a:pPr lvl="1"/>
-            <a:r>
-              <a:rPr lang="zh-TW" altLang="en-US"/>
-              <a:t>第二層</a:t>
-            </a:r>
-          </a:p>
-          <a:p>
-            <a:pPr lvl="2"/>
-            <a:r>
-              <a:rPr lang="zh-TW" altLang="en-US"/>
-              <a:t>第三層</a:t>
-            </a:r>
-          </a:p>
-          <a:p>
-            <a:pPr lvl="3"/>
-            <a:r>
-              <a:rPr lang="zh-TW" altLang="en-US"/>
-              <a:t>第四層</a:t>
-            </a:r>
-          </a:p>
-          <a:p>
-            <a:pPr lvl="4"/>
-            <a:r>
-              <a:rPr lang="zh-TW" altLang="en-US"/>
-              <a:t>第五層</a:t>
-            </a:r>
-          </a:p>
-        </p:txBody>
-      </p:sp>
-      <p:sp>
-        <p:nvSpPr>
-          <p:cNvPr id="4" name="內容版面配置區 3">
-            <a:extLst>
-              <a:ext uri="{FF2B5EF4-FFF2-40B4-BE49-F238E27FC236}">
-                <a16:creationId xmlns:a16="http://schemas.microsoft.com/office/drawing/2014/main" id="{CD25EC10-0BDA-4ECA-AB8E-059AC3378E22}"/>
-              </a:ext>
-            </a:extLst>
-          </p:cNvPr>
-          <p:cNvSpPr>
-            <a:spLocks noGrp="1"/>
-          </p:cNvSpPr>
-          <p:nvPr>
-            <p:ph sz="half" idx="2"/>
-          </p:nvPr>
-        </p:nvSpPr>
-        <p:spPr>
-          <a:xfrm>
-            <a:off x="6172200" y="1825625"/>
-            <a:ext cx="5181600" cy="4351338"/>
-          </a:xfrm>
-        </p:spPr>
-        <p:txBody>
-          <a:bodyPr/>
-          <a:lstStyle/>
-          <a:p>
-            <a:pPr lvl="0"/>
-            <a:r>
-              <a:rPr lang="zh-TW" altLang="en-US"/>
-              <a:t>按一下以編輯母片文字樣式</a:t>
-            </a:r>
-          </a:p>
-          <a:p>
-            <a:pPr lvl="1"/>
-            <a:r>
-              <a:rPr lang="zh-TW" altLang="en-US"/>
-              <a:t>第二層</a:t>
-            </a:r>
-          </a:p>
-          <a:p>
-            <a:pPr lvl="2"/>
-            <a:r>
-              <a:rPr lang="zh-TW" altLang="en-US"/>
-              <a:t>第三層</a:t>
-            </a:r>
-          </a:p>
-          <a:p>
-            <a:pPr lvl="3"/>
-            <a:r>
-              <a:rPr lang="zh-TW" altLang="en-US"/>
-              <a:t>第四層</a:t>
-            </a:r>
-          </a:p>
-          <a:p>
-            <a:pPr lvl="4"/>
-            <a:r>
-              <a:rPr lang="zh-TW" altLang="en-US"/>
-              <a:t>第五層</a:t>
-            </a:r>
-          </a:p>
-        </p:txBody>
-      </p:sp>
-      <p:sp>
-        <p:nvSpPr>
-          <p:cNvPr id="5" name="日期版面配置區 4">
-            <a:extLst>
-              <a:ext uri="{FF2B5EF4-FFF2-40B4-BE49-F238E27FC236}">
-                <a16:creationId xmlns:a16="http://schemas.microsoft.com/office/drawing/2014/main" id="{63DAF127-0983-4C38-869C-C0A513FA9147}"/>
-              </a:ext>
-            </a:extLst>
-          </p:cNvPr>
-          <p:cNvSpPr>
-            <a:spLocks noGrp="1"/>
-          </p:cNvSpPr>
-          <p:nvPr>
-            <p:ph type="dt" sz="half" idx="10"/>
-          </p:nvPr>
-        </p:nvSpPr>
-        <p:spPr/>
-        <p:txBody>
-          <a:bodyPr/>
-          <a:lstStyle/>
-          <a:p>
-            <a:fld id="{C3C90D7E-32D6-4894-AE08-7BBB3E610FC9}" type="datetimeFigureOut">
+            <a:fld id="{0CDB5579-79C0-423A-89BE-9D852A949AA1}" type="datetimeFigureOut">
               <a:rPr lang="zh-TW" altLang="en-US" smtClean="0"/>
-              <a:t>2024/9/16</a:t>
+              <a:t>2024/11/1</a:t>
             </a:fld>
             <a:endParaRPr lang="zh-TW" altLang="en-US"/>
           </a:p>
@@ -1406,13 +2592,7 @@
       </p:sp>
       <p:sp>
         <p:nvSpPr>
-          <p:cNvPr id="6" name="頁尾版面配置區 5">
-            <a:extLst>
-              <a:ext uri="{FF2B5EF4-FFF2-40B4-BE49-F238E27FC236}">
-                <a16:creationId xmlns:a16="http://schemas.microsoft.com/office/drawing/2014/main" id="{E014CBA6-CCE3-4CF4-8E13-D895EDBD8F25}"/>
-              </a:ext>
-            </a:extLst>
-          </p:cNvPr>
+          <p:cNvPr id="6" name="Footer Placeholder 5"/>
           <p:cNvSpPr>
             <a:spLocks noGrp="1"/>
           </p:cNvSpPr>
@@ -1431,13 +2611,7 @@
       </p:sp>
       <p:sp>
         <p:nvSpPr>
-          <p:cNvPr id="7" name="投影片編號版面配置區 6">
-            <a:extLst>
-              <a:ext uri="{FF2B5EF4-FFF2-40B4-BE49-F238E27FC236}">
-                <a16:creationId xmlns:a16="http://schemas.microsoft.com/office/drawing/2014/main" id="{5CEAA8E5-79B3-445E-B8C3-29BD56CE6D7A}"/>
-              </a:ext>
-            </a:extLst>
-          </p:cNvPr>
+          <p:cNvPr id="7" name="Slide Number Placeholder 6"/>
           <p:cNvSpPr>
             <a:spLocks noGrp="1"/>
           </p:cNvSpPr>
@@ -1450,7 +2624,7 @@
           <a:bodyPr/>
           <a:lstStyle/>
           <a:p>
-            <a:fld id="{E31EC408-072F-4346-BD0A-D6AA5788A305}" type="slidenum">
+            <a:fld id="{0C58D5FE-2D1A-4203-8346-352EFC6B813F}" type="slidenum">
               <a:rPr lang="zh-TW" altLang="en-US" smtClean="0"/>
               <a:t>‹#›</a:t>
             </a:fld>
@@ -1458,10 +2632,41 @@
           </a:p>
         </p:txBody>
       </p:sp>
+      <p:cxnSp>
+        <p:nvCxnSpPr>
+          <p:cNvPr id="35" name="Straight Connector 34"/>
+          <p:cNvCxnSpPr/>
+          <p:nvPr/>
+        </p:nvCxnSpPr>
+        <p:spPr>
+          <a:xfrm>
+            <a:off x="1453896" y="1847088"/>
+            <a:ext cx="9607522" cy="0"/>
+          </a:xfrm>
+          <a:prstGeom prst="line">
+            <a:avLst/>
+          </a:prstGeom>
+          <a:ln w="31750"/>
+        </p:spPr>
+        <p:style>
+          <a:lnRef idx="3">
+            <a:schemeClr val="accent1"/>
+          </a:lnRef>
+          <a:fillRef idx="0">
+            <a:schemeClr val="accent1"/>
+          </a:fillRef>
+          <a:effectRef idx="2">
+            <a:schemeClr val="accent1"/>
+          </a:effectRef>
+          <a:fontRef idx="minor">
+            <a:schemeClr val="tx1"/>
+          </a:fontRef>
+        </p:style>
+      </p:cxnSp>
     </p:spTree>
     <p:extLst>
       <p:ext uri="{BB962C8B-B14F-4D97-AF65-F5344CB8AC3E}">
-        <p14:creationId xmlns:p14="http://schemas.microsoft.com/office/powerpoint/2010/main" val="3858213488"/>
+        <p14:creationId xmlns:p14="http://schemas.microsoft.com/office/powerpoint/2010/main" val="341492332"/>
       </p:ext>
     </p:extLst>
   </p:cSld>
@@ -1490,13 +2695,7 @@
       </p:grpSpPr>
       <p:sp>
         <p:nvSpPr>
-          <p:cNvPr id="2" name="標題 1">
-            <a:extLst>
-              <a:ext uri="{FF2B5EF4-FFF2-40B4-BE49-F238E27FC236}">
-                <a16:creationId xmlns:a16="http://schemas.microsoft.com/office/drawing/2014/main" id="{A00F76B6-8DEC-4A74-A06A-BA0146321CD8}"/>
-              </a:ext>
-            </a:extLst>
-          </p:cNvPr>
+          <p:cNvPr id="2" name="Title 1"/>
           <p:cNvSpPr>
             <a:spLocks noGrp="1"/>
           </p:cNvSpPr>
@@ -1506,8 +2705,8 @@
         </p:nvSpPr>
         <p:spPr>
           <a:xfrm>
-            <a:off x="839788" y="365125"/>
-            <a:ext cx="10515600" cy="1325563"/>
+            <a:off x="1447191" y="804163"/>
+            <a:ext cx="9607661" cy="1056319"/>
           </a:xfrm>
         </p:spPr>
         <p:txBody>
@@ -1518,18 +2717,13 @@
               <a:rPr lang="zh-TW" altLang="en-US"/>
               <a:t>按一下以編輯母片標題樣式</a:t>
             </a:r>
-          </a:p>
-        </p:txBody>
-      </p:sp>
-      <p:sp>
-        <p:nvSpPr>
-          <p:cNvPr id="3" name="文字版面配置區 2">
-            <a:extLst>
-              <a:ext uri="{FF2B5EF4-FFF2-40B4-BE49-F238E27FC236}">
-                <a16:creationId xmlns:a16="http://schemas.microsoft.com/office/drawing/2014/main" id="{EF00F5C5-99A7-4F16-855A-F170362659F7}"/>
-              </a:ext>
-            </a:extLst>
-          </p:cNvPr>
+            <a:endParaRPr lang="en-US" dirty="0"/>
+          </a:p>
+        </p:txBody>
+      </p:sp>
+      <p:sp>
+        <p:nvSpPr>
+          <p:cNvPr id="3" name="Text Placeholder 2"/>
           <p:cNvSpPr>
             <a:spLocks noGrp="1"/>
           </p:cNvSpPr>
@@ -1539,16 +2733,25 @@
         </p:nvSpPr>
         <p:spPr>
           <a:xfrm>
-            <a:off x="839788" y="1681163"/>
-            <a:ext cx="5157787" cy="823912"/>
-          </a:xfrm>
-        </p:spPr>
-        <p:txBody>
-          <a:bodyPr anchor="b"/>
+            <a:off x="1447191" y="2019549"/>
+            <a:ext cx="4645152" cy="801943"/>
+          </a:xfrm>
+        </p:spPr>
+        <p:txBody>
+          <a:bodyPr anchor="b">
+            <a:normAutofit/>
+          </a:bodyPr>
           <a:lstStyle>
             <a:lvl1pPr marL="0" indent="0">
+              <a:lnSpc>
+                <a:spcPct val="100000"/>
+              </a:lnSpc>
               <a:buNone/>
-              <a:defRPr sz="2400" b="1"/>
+              <a:defRPr sz="2200" b="0" cap="all" baseline="0">
+                <a:solidFill>
+                  <a:schemeClr val="accent1"/>
+                </a:solidFill>
+              </a:defRPr>
             </a:lvl1pPr>
             <a:lvl2pPr marL="457200" indent="0">
               <a:buNone/>
@@ -1594,13 +2797,7 @@
       </p:sp>
       <p:sp>
         <p:nvSpPr>
-          <p:cNvPr id="4" name="內容版面配置區 3">
-            <a:extLst>
-              <a:ext uri="{FF2B5EF4-FFF2-40B4-BE49-F238E27FC236}">
-                <a16:creationId xmlns:a16="http://schemas.microsoft.com/office/drawing/2014/main" id="{6722BEB2-C9B4-4C14-8234-D17E84349984}"/>
-              </a:ext>
-            </a:extLst>
-          </p:cNvPr>
+          <p:cNvPr id="4" name="Content Placeholder 3"/>
           <p:cNvSpPr>
             <a:spLocks noGrp="1"/>
           </p:cNvSpPr>
@@ -1610,8 +2807,8 @@
         </p:nvSpPr>
         <p:spPr>
           <a:xfrm>
-            <a:off x="839788" y="2505075"/>
-            <a:ext cx="5157787" cy="3684588"/>
+            <a:off x="1447191" y="2824269"/>
+            <a:ext cx="4645152" cy="2644457"/>
           </a:xfrm>
         </p:spPr>
         <p:txBody>
@@ -1651,18 +2848,13 @@
               <a:rPr lang="zh-TW" altLang="en-US"/>
               <a:t>第五層</a:t>
             </a:r>
-          </a:p>
-        </p:txBody>
-      </p:sp>
-      <p:sp>
-        <p:nvSpPr>
-          <p:cNvPr id="5" name="文字版面配置區 4">
-            <a:extLst>
-              <a:ext uri="{FF2B5EF4-FFF2-40B4-BE49-F238E27FC236}">
-                <a16:creationId xmlns:a16="http://schemas.microsoft.com/office/drawing/2014/main" id="{E4A41162-A0AC-4211-940F-4B92208F9B0E}"/>
-              </a:ext>
-            </a:extLst>
-          </p:cNvPr>
+            <a:endParaRPr lang="en-US" dirty="0"/>
+          </a:p>
+        </p:txBody>
+      </p:sp>
+      <p:sp>
+        <p:nvSpPr>
+          <p:cNvPr id="5" name="Text Placeholder 4"/>
           <p:cNvSpPr>
             <a:spLocks noGrp="1"/>
           </p:cNvSpPr>
@@ -1672,16 +2864,25 @@
         </p:nvSpPr>
         <p:spPr>
           <a:xfrm>
-            <a:off x="6172200" y="1681163"/>
-            <a:ext cx="5183188" cy="823912"/>
-          </a:xfrm>
-        </p:spPr>
-        <p:txBody>
-          <a:bodyPr anchor="b"/>
+            <a:off x="6412362" y="2023003"/>
+            <a:ext cx="4645152" cy="802237"/>
+          </a:xfrm>
+        </p:spPr>
+        <p:txBody>
+          <a:bodyPr anchor="b">
+            <a:normAutofit/>
+          </a:bodyPr>
           <a:lstStyle>
             <a:lvl1pPr marL="0" indent="0">
+              <a:lnSpc>
+                <a:spcPct val="100000"/>
+              </a:lnSpc>
               <a:buNone/>
-              <a:defRPr sz="2400" b="1"/>
+              <a:defRPr sz="2200" b="0" cap="all" baseline="0">
+                <a:solidFill>
+                  <a:schemeClr val="accent1"/>
+                </a:solidFill>
+              </a:defRPr>
             </a:lvl1pPr>
             <a:lvl2pPr marL="457200" indent="0">
               <a:buNone/>
@@ -1727,13 +2928,7 @@
       </p:sp>
       <p:sp>
         <p:nvSpPr>
-          <p:cNvPr id="6" name="內容版面配置區 5">
-            <a:extLst>
-              <a:ext uri="{FF2B5EF4-FFF2-40B4-BE49-F238E27FC236}">
-                <a16:creationId xmlns:a16="http://schemas.microsoft.com/office/drawing/2014/main" id="{E8EA159A-F9D7-4F58-A7C3-6E5B65E42266}"/>
-              </a:ext>
-            </a:extLst>
-          </p:cNvPr>
+          <p:cNvPr id="6" name="Content Placeholder 5"/>
           <p:cNvSpPr>
             <a:spLocks noGrp="1"/>
           </p:cNvSpPr>
@@ -1743,8 +2938,8 @@
         </p:nvSpPr>
         <p:spPr>
           <a:xfrm>
-            <a:off x="6172200" y="2505075"/>
-            <a:ext cx="5183188" cy="3684588"/>
+            <a:off x="6412362" y="2821491"/>
+            <a:ext cx="4645152" cy="2637371"/>
           </a:xfrm>
         </p:spPr>
         <p:txBody>
@@ -1784,18 +2979,13 @@
               <a:rPr lang="zh-TW" altLang="en-US"/>
               <a:t>第五層</a:t>
             </a:r>
-          </a:p>
-        </p:txBody>
-      </p:sp>
-      <p:sp>
-        <p:nvSpPr>
-          <p:cNvPr id="7" name="日期版面配置區 6">
-            <a:extLst>
-              <a:ext uri="{FF2B5EF4-FFF2-40B4-BE49-F238E27FC236}">
-                <a16:creationId xmlns:a16="http://schemas.microsoft.com/office/drawing/2014/main" id="{AE973E80-9141-48B7-A9D7-605A4541768F}"/>
-              </a:ext>
-            </a:extLst>
-          </p:cNvPr>
+            <a:endParaRPr lang="en-US" dirty="0"/>
+          </a:p>
+        </p:txBody>
+      </p:sp>
+      <p:sp>
+        <p:nvSpPr>
+          <p:cNvPr id="7" name="Date Placeholder 6"/>
           <p:cNvSpPr>
             <a:spLocks noGrp="1"/>
           </p:cNvSpPr>
@@ -1808,9 +2998,9 @@
           <a:bodyPr/>
           <a:lstStyle/>
           <a:p>
-            <a:fld id="{C3C90D7E-32D6-4894-AE08-7BBB3E610FC9}" type="datetimeFigureOut">
+            <a:fld id="{0CDB5579-79C0-423A-89BE-9D852A949AA1}" type="datetimeFigureOut">
               <a:rPr lang="zh-TW" altLang="en-US" smtClean="0"/>
-              <a:t>2024/9/16</a:t>
+              <a:t>2024/11/1</a:t>
             </a:fld>
             <a:endParaRPr lang="zh-TW" altLang="en-US"/>
           </a:p>
@@ -1818,13 +3008,7 @@
       </p:sp>
       <p:sp>
         <p:nvSpPr>
-          <p:cNvPr id="8" name="頁尾版面配置區 7">
-            <a:extLst>
-              <a:ext uri="{FF2B5EF4-FFF2-40B4-BE49-F238E27FC236}">
-                <a16:creationId xmlns:a16="http://schemas.microsoft.com/office/drawing/2014/main" id="{6520B07A-79F8-43E7-8013-632DD2AED223}"/>
-              </a:ext>
-            </a:extLst>
-          </p:cNvPr>
+          <p:cNvPr id="8" name="Footer Placeholder 7"/>
           <p:cNvSpPr>
             <a:spLocks noGrp="1"/>
           </p:cNvSpPr>
@@ -1843,13 +3027,7 @@
       </p:sp>
       <p:sp>
         <p:nvSpPr>
-          <p:cNvPr id="9" name="投影片編號版面配置區 8">
-            <a:extLst>
-              <a:ext uri="{FF2B5EF4-FFF2-40B4-BE49-F238E27FC236}">
-                <a16:creationId xmlns:a16="http://schemas.microsoft.com/office/drawing/2014/main" id="{3B997D8F-4F1C-4DE6-A82C-3E0C38ACAE96}"/>
-              </a:ext>
-            </a:extLst>
-          </p:cNvPr>
+          <p:cNvPr id="9" name="Slide Number Placeholder 8"/>
           <p:cNvSpPr>
             <a:spLocks noGrp="1"/>
           </p:cNvSpPr>
@@ -1862,7 +3040,7 @@
           <a:bodyPr/>
           <a:lstStyle/>
           <a:p>
-            <a:fld id="{E31EC408-072F-4346-BD0A-D6AA5788A305}" type="slidenum">
+            <a:fld id="{0C58D5FE-2D1A-4203-8346-352EFC6B813F}" type="slidenum">
               <a:rPr lang="zh-TW" altLang="en-US" smtClean="0"/>
               <a:t>‹#›</a:t>
             </a:fld>
@@ -1870,10 +3048,41 @@
           </a:p>
         </p:txBody>
       </p:sp>
+      <p:cxnSp>
+        <p:nvCxnSpPr>
+          <p:cNvPr id="29" name="Straight Connector 28"/>
+          <p:cNvCxnSpPr/>
+          <p:nvPr/>
+        </p:nvCxnSpPr>
+        <p:spPr>
+          <a:xfrm>
+            <a:off x="1453896" y="1847088"/>
+            <a:ext cx="9607522" cy="0"/>
+          </a:xfrm>
+          <a:prstGeom prst="line">
+            <a:avLst/>
+          </a:prstGeom>
+          <a:ln w="31750"/>
+        </p:spPr>
+        <p:style>
+          <a:lnRef idx="3">
+            <a:schemeClr val="accent1"/>
+          </a:lnRef>
+          <a:fillRef idx="0">
+            <a:schemeClr val="accent1"/>
+          </a:fillRef>
+          <a:effectRef idx="2">
+            <a:schemeClr val="accent1"/>
+          </a:effectRef>
+          <a:fontRef idx="minor">
+            <a:schemeClr val="tx1"/>
+          </a:fontRef>
+        </p:style>
+      </p:cxnSp>
     </p:spTree>
     <p:extLst>
       <p:ext uri="{BB962C8B-B14F-4D97-AF65-F5344CB8AC3E}">
-        <p14:creationId xmlns:p14="http://schemas.microsoft.com/office/powerpoint/2010/main" val="3379995638"/>
+        <p14:creationId xmlns:p14="http://schemas.microsoft.com/office/powerpoint/2010/main" val="2317570977"/>
       </p:ext>
     </p:extLst>
   </p:cSld>
@@ -1902,13 +3111,7 @@
       </p:grpSpPr>
       <p:sp>
         <p:nvSpPr>
-          <p:cNvPr id="2" name="標題 1">
-            <a:extLst>
-              <a:ext uri="{FF2B5EF4-FFF2-40B4-BE49-F238E27FC236}">
-                <a16:creationId xmlns:a16="http://schemas.microsoft.com/office/drawing/2014/main" id="{6CE04611-FD10-429D-89AA-73C259B64293}"/>
-              </a:ext>
-            </a:extLst>
-          </p:cNvPr>
+          <p:cNvPr id="2" name="Title 1"/>
           <p:cNvSpPr>
             <a:spLocks noGrp="1"/>
           </p:cNvSpPr>
@@ -1925,18 +3128,13 @@
               <a:rPr lang="zh-TW" altLang="en-US"/>
               <a:t>按一下以編輯母片標題樣式</a:t>
             </a:r>
-          </a:p>
-        </p:txBody>
-      </p:sp>
-      <p:sp>
-        <p:nvSpPr>
-          <p:cNvPr id="3" name="日期版面配置區 2">
-            <a:extLst>
-              <a:ext uri="{FF2B5EF4-FFF2-40B4-BE49-F238E27FC236}">
-                <a16:creationId xmlns:a16="http://schemas.microsoft.com/office/drawing/2014/main" id="{2D9009F3-A280-4DA8-ACC4-187DE2172BCA}"/>
-              </a:ext>
-            </a:extLst>
-          </p:cNvPr>
+            <a:endParaRPr lang="en-US" dirty="0"/>
+          </a:p>
+        </p:txBody>
+      </p:sp>
+      <p:sp>
+        <p:nvSpPr>
+          <p:cNvPr id="3" name="Date Placeholder 2"/>
           <p:cNvSpPr>
             <a:spLocks noGrp="1"/>
           </p:cNvSpPr>
@@ -1949,9 +3147,9 @@
           <a:bodyPr/>
           <a:lstStyle/>
           <a:p>
-            <a:fld id="{C3C90D7E-32D6-4894-AE08-7BBB3E610FC9}" type="datetimeFigureOut">
+            <a:fld id="{0CDB5579-79C0-423A-89BE-9D852A949AA1}" type="datetimeFigureOut">
               <a:rPr lang="zh-TW" altLang="en-US" smtClean="0"/>
-              <a:t>2024/9/16</a:t>
+              <a:t>2024/11/1</a:t>
             </a:fld>
             <a:endParaRPr lang="zh-TW" altLang="en-US"/>
           </a:p>
@@ -1959,13 +3157,7 @@
       </p:sp>
       <p:sp>
         <p:nvSpPr>
-          <p:cNvPr id="4" name="頁尾版面配置區 3">
-            <a:extLst>
-              <a:ext uri="{FF2B5EF4-FFF2-40B4-BE49-F238E27FC236}">
-                <a16:creationId xmlns:a16="http://schemas.microsoft.com/office/drawing/2014/main" id="{F8FD791E-F627-4DDB-AD69-F7639FDD1767}"/>
-              </a:ext>
-            </a:extLst>
-          </p:cNvPr>
+          <p:cNvPr id="4" name="Footer Placeholder 3"/>
           <p:cNvSpPr>
             <a:spLocks noGrp="1"/>
           </p:cNvSpPr>
@@ -1984,13 +3176,7 @@
       </p:sp>
       <p:sp>
         <p:nvSpPr>
-          <p:cNvPr id="5" name="投影片編號版面配置區 4">
-            <a:extLst>
-              <a:ext uri="{FF2B5EF4-FFF2-40B4-BE49-F238E27FC236}">
-                <a16:creationId xmlns:a16="http://schemas.microsoft.com/office/drawing/2014/main" id="{CE9C3C73-9A1B-4A20-B40C-BF8E0726E9AE}"/>
-              </a:ext>
-            </a:extLst>
-          </p:cNvPr>
+          <p:cNvPr id="5" name="Slide Number Placeholder 4"/>
           <p:cNvSpPr>
             <a:spLocks noGrp="1"/>
           </p:cNvSpPr>
@@ -2003,7 +3189,7 @@
           <a:bodyPr/>
           <a:lstStyle/>
           <a:p>
-            <a:fld id="{E31EC408-072F-4346-BD0A-D6AA5788A305}" type="slidenum">
+            <a:fld id="{0C58D5FE-2D1A-4203-8346-352EFC6B813F}" type="slidenum">
               <a:rPr lang="zh-TW" altLang="en-US" smtClean="0"/>
               <a:t>‹#›</a:t>
             </a:fld>
@@ -2011,10 +3197,41 @@
           </a:p>
         </p:txBody>
       </p:sp>
+      <p:cxnSp>
+        <p:nvCxnSpPr>
+          <p:cNvPr id="25" name="Straight Connector 24"/>
+          <p:cNvCxnSpPr/>
+          <p:nvPr/>
+        </p:nvCxnSpPr>
+        <p:spPr>
+          <a:xfrm>
+            <a:off x="1453896" y="1847088"/>
+            <a:ext cx="9607522" cy="0"/>
+          </a:xfrm>
+          <a:prstGeom prst="line">
+            <a:avLst/>
+          </a:prstGeom>
+          <a:ln w="31750"/>
+        </p:spPr>
+        <p:style>
+          <a:lnRef idx="3">
+            <a:schemeClr val="accent1"/>
+          </a:lnRef>
+          <a:fillRef idx="0">
+            <a:schemeClr val="accent1"/>
+          </a:fillRef>
+          <a:effectRef idx="2">
+            <a:schemeClr val="accent1"/>
+          </a:effectRef>
+          <a:fontRef idx="minor">
+            <a:schemeClr val="tx1"/>
+          </a:fontRef>
+        </p:style>
+      </p:cxnSp>
     </p:spTree>
     <p:extLst>
       <p:ext uri="{BB962C8B-B14F-4D97-AF65-F5344CB8AC3E}">
-        <p14:creationId xmlns:p14="http://schemas.microsoft.com/office/powerpoint/2010/main" val="3116621787"/>
+        <p14:creationId xmlns:p14="http://schemas.microsoft.com/office/powerpoint/2010/main" val="912297673"/>
       </p:ext>
     </p:extLst>
   </p:cSld>
@@ -2043,13 +3260,7 @@
       </p:grpSpPr>
       <p:sp>
         <p:nvSpPr>
-          <p:cNvPr id="2" name="日期版面配置區 1">
-            <a:extLst>
-              <a:ext uri="{FF2B5EF4-FFF2-40B4-BE49-F238E27FC236}">
-                <a16:creationId xmlns:a16="http://schemas.microsoft.com/office/drawing/2014/main" id="{1E1D8EED-F2A7-4221-9887-0DBB62EB3F80}"/>
-              </a:ext>
-            </a:extLst>
-          </p:cNvPr>
+          <p:cNvPr id="2" name="Date Placeholder 1"/>
           <p:cNvSpPr>
             <a:spLocks noGrp="1"/>
           </p:cNvSpPr>
@@ -2062,9 +3273,9 @@
           <a:bodyPr/>
           <a:lstStyle/>
           <a:p>
-            <a:fld id="{C3C90D7E-32D6-4894-AE08-7BBB3E610FC9}" type="datetimeFigureOut">
+            <a:fld id="{0CDB5579-79C0-423A-89BE-9D852A949AA1}" type="datetimeFigureOut">
               <a:rPr lang="zh-TW" altLang="en-US" smtClean="0"/>
-              <a:t>2024/9/16</a:t>
+              <a:t>2024/11/1</a:t>
             </a:fld>
             <a:endParaRPr lang="zh-TW" altLang="en-US"/>
           </a:p>
@@ -2072,13 +3283,7 @@
       </p:sp>
       <p:sp>
         <p:nvSpPr>
-          <p:cNvPr id="3" name="頁尾版面配置區 2">
-            <a:extLst>
-              <a:ext uri="{FF2B5EF4-FFF2-40B4-BE49-F238E27FC236}">
-                <a16:creationId xmlns:a16="http://schemas.microsoft.com/office/drawing/2014/main" id="{10593B39-DC86-45A7-85EF-B4DB9C28DC80}"/>
-              </a:ext>
-            </a:extLst>
-          </p:cNvPr>
+          <p:cNvPr id="3" name="Footer Placeholder 2"/>
           <p:cNvSpPr>
             <a:spLocks noGrp="1"/>
           </p:cNvSpPr>
@@ -2097,13 +3302,7 @@
       </p:sp>
       <p:sp>
         <p:nvSpPr>
-          <p:cNvPr id="4" name="投影片編號版面配置區 3">
-            <a:extLst>
-              <a:ext uri="{FF2B5EF4-FFF2-40B4-BE49-F238E27FC236}">
-                <a16:creationId xmlns:a16="http://schemas.microsoft.com/office/drawing/2014/main" id="{3D9056B2-6966-4CAF-94D1-2295A737E168}"/>
-              </a:ext>
-            </a:extLst>
-          </p:cNvPr>
+          <p:cNvPr id="4" name="Slide Number Placeholder 3"/>
           <p:cNvSpPr>
             <a:spLocks noGrp="1"/>
           </p:cNvSpPr>
@@ -2116,7 +3315,7 @@
           <a:bodyPr/>
           <a:lstStyle/>
           <a:p>
-            <a:fld id="{E31EC408-072F-4346-BD0A-D6AA5788A305}" type="slidenum">
+            <a:fld id="{0C58D5FE-2D1A-4203-8346-352EFC6B813F}" type="slidenum">
               <a:rPr lang="zh-TW" altLang="en-US" smtClean="0"/>
               <a:t>‹#›</a:t>
             </a:fld>
@@ -2127,7 +3326,7 @@
     </p:spTree>
     <p:extLst>
       <p:ext uri="{BB962C8B-B14F-4D97-AF65-F5344CB8AC3E}">
-        <p14:creationId xmlns:p14="http://schemas.microsoft.com/office/powerpoint/2010/main" val="3887241942"/>
+        <p14:creationId xmlns:p14="http://schemas.microsoft.com/office/powerpoint/2010/main" val="2298376360"/>
       </p:ext>
     </p:extLst>
   </p:cSld>
@@ -2156,13 +3355,7 @@
       </p:grpSpPr>
       <p:sp>
         <p:nvSpPr>
-          <p:cNvPr id="2" name="標題 1">
-            <a:extLst>
-              <a:ext uri="{FF2B5EF4-FFF2-40B4-BE49-F238E27FC236}">
-                <a16:creationId xmlns:a16="http://schemas.microsoft.com/office/drawing/2014/main" id="{5C3076DF-D16B-4600-9550-96C6A8DD7F1A}"/>
-              </a:ext>
-            </a:extLst>
-          </p:cNvPr>
+          <p:cNvPr id="2" name="Title 1"/>
           <p:cNvSpPr>
             <a:spLocks noGrp="1"/>
           </p:cNvSpPr>
@@ -2172,15 +3365,17 @@
         </p:nvSpPr>
         <p:spPr>
           <a:xfrm>
-            <a:off x="839788" y="457200"/>
-            <a:ext cx="3932237" cy="1600200"/>
-          </a:xfrm>
-        </p:spPr>
-        <p:txBody>
-          <a:bodyPr anchor="b"/>
+            <a:off x="1444671" y="798973"/>
+            <a:ext cx="3273099" cy="2247117"/>
+          </a:xfrm>
+        </p:spPr>
+        <p:txBody>
+          <a:bodyPr anchor="b">
+            <a:normAutofit/>
+          </a:bodyPr>
           <a:lstStyle>
-            <a:lvl1pPr>
-              <a:defRPr sz="3200"/>
+            <a:lvl1pPr algn="l">
+              <a:defRPr sz="2400"/>
             </a:lvl1pPr>
           </a:lstStyle>
           <a:p>
@@ -2188,18 +3383,13 @@
               <a:rPr lang="zh-TW" altLang="en-US"/>
               <a:t>按一下以編輯母片標題樣式</a:t>
             </a:r>
-          </a:p>
-        </p:txBody>
-      </p:sp>
-      <p:sp>
-        <p:nvSpPr>
-          <p:cNvPr id="3" name="內容版面配置區 2">
-            <a:extLst>
-              <a:ext uri="{FF2B5EF4-FFF2-40B4-BE49-F238E27FC236}">
-                <a16:creationId xmlns:a16="http://schemas.microsoft.com/office/drawing/2014/main" id="{9CD3D667-FDE5-4F5D-9495-588EC18912CE}"/>
-              </a:ext>
-            </a:extLst>
-          </p:cNvPr>
+            <a:endParaRPr lang="en-US" dirty="0"/>
+          </a:p>
+        </p:txBody>
+      </p:sp>
+      <p:sp>
+        <p:nvSpPr>
+          <p:cNvPr id="3" name="Content Placeholder 2"/>
           <p:cNvSpPr>
             <a:spLocks noGrp="1"/>
           </p:cNvSpPr>
@@ -2209,104 +3399,71 @@
         </p:nvSpPr>
         <p:spPr>
           <a:xfrm>
-            <a:off x="5183188" y="987425"/>
-            <a:ext cx="6172200" cy="4873625"/>
+            <a:off x="5043714" y="798974"/>
+            <a:ext cx="6012470" cy="4658826"/>
+          </a:xfrm>
+        </p:spPr>
+        <p:txBody>
+          <a:bodyPr anchor="ctr"/>
+          <a:lstStyle/>
+          <a:p>
+            <a:pPr lvl="0"/>
+            <a:r>
+              <a:rPr lang="zh-TW" altLang="en-US"/>
+              <a:t>按一下以編輯母片文字樣式</a:t>
+            </a:r>
+          </a:p>
+          <a:p>
+            <a:pPr lvl="1"/>
+            <a:r>
+              <a:rPr lang="zh-TW" altLang="en-US"/>
+              <a:t>第二層</a:t>
+            </a:r>
+          </a:p>
+          <a:p>
+            <a:pPr lvl="2"/>
+            <a:r>
+              <a:rPr lang="zh-TW" altLang="en-US"/>
+              <a:t>第三層</a:t>
+            </a:r>
+          </a:p>
+          <a:p>
+            <a:pPr lvl="3"/>
+            <a:r>
+              <a:rPr lang="zh-TW" altLang="en-US"/>
+              <a:t>第四層</a:t>
+            </a:r>
+          </a:p>
+          <a:p>
+            <a:pPr lvl="4"/>
+            <a:r>
+              <a:rPr lang="zh-TW" altLang="en-US"/>
+              <a:t>第五層</a:t>
+            </a:r>
+            <a:endParaRPr lang="en-US" dirty="0"/>
+          </a:p>
+        </p:txBody>
+      </p:sp>
+      <p:sp>
+        <p:nvSpPr>
+          <p:cNvPr id="4" name="Text Placeholder 3"/>
+          <p:cNvSpPr>
+            <a:spLocks noGrp="1"/>
+          </p:cNvSpPr>
+          <p:nvPr>
+            <p:ph type="body" sz="half" idx="2"/>
+          </p:nvPr>
+        </p:nvSpPr>
+        <p:spPr>
+          <a:xfrm>
+            <a:off x="1444671" y="3205491"/>
+            <a:ext cx="3275013" cy="2248181"/>
           </a:xfrm>
         </p:spPr>
         <p:txBody>
           <a:bodyPr/>
           <a:lstStyle>
-            <a:lvl1pPr>
-              <a:defRPr sz="3200"/>
-            </a:lvl1pPr>
-            <a:lvl2pPr>
-              <a:defRPr sz="2800"/>
-            </a:lvl2pPr>
-            <a:lvl3pPr>
-              <a:defRPr sz="2400"/>
-            </a:lvl3pPr>
-            <a:lvl4pPr>
-              <a:defRPr sz="2000"/>
-            </a:lvl4pPr>
-            <a:lvl5pPr>
-              <a:defRPr sz="2000"/>
-            </a:lvl5pPr>
-            <a:lvl6pPr>
-              <a:defRPr sz="2000"/>
-            </a:lvl6pPr>
-            <a:lvl7pPr>
-              <a:defRPr sz="2000"/>
-            </a:lvl7pPr>
-            <a:lvl8pPr>
-              <a:defRPr sz="2000"/>
-            </a:lvl8pPr>
-            <a:lvl9pPr>
-              <a:defRPr sz="2000"/>
-            </a:lvl9pPr>
-          </a:lstStyle>
-          <a:p>
-            <a:pPr lvl="0"/>
-            <a:r>
-              <a:rPr lang="zh-TW" altLang="en-US"/>
-              <a:t>按一下以編輯母片文字樣式</a:t>
-            </a:r>
-          </a:p>
-          <a:p>
-            <a:pPr lvl="1"/>
-            <a:r>
-              <a:rPr lang="zh-TW" altLang="en-US"/>
-              <a:t>第二層</a:t>
-            </a:r>
-          </a:p>
-          <a:p>
-            <a:pPr lvl="2"/>
-            <a:r>
-              <a:rPr lang="zh-TW" altLang="en-US"/>
-              <a:t>第三層</a:t>
-            </a:r>
-          </a:p>
-          <a:p>
-            <a:pPr lvl="3"/>
-            <a:r>
-              <a:rPr lang="zh-TW" altLang="en-US"/>
-              <a:t>第四層</a:t>
-            </a:r>
-          </a:p>
-          <a:p>
-            <a:pPr lvl="4"/>
-            <a:r>
-              <a:rPr lang="zh-TW" altLang="en-US"/>
-              <a:t>第五層</a:t>
-            </a:r>
-          </a:p>
-        </p:txBody>
-      </p:sp>
-      <p:sp>
-        <p:nvSpPr>
-          <p:cNvPr id="4" name="文字版面配置區 3">
-            <a:extLst>
-              <a:ext uri="{FF2B5EF4-FFF2-40B4-BE49-F238E27FC236}">
-                <a16:creationId xmlns:a16="http://schemas.microsoft.com/office/drawing/2014/main" id="{22F511E7-BEEF-4F51-BA0E-52C1908D5608}"/>
-              </a:ext>
-            </a:extLst>
-          </p:cNvPr>
-          <p:cNvSpPr>
-            <a:spLocks noGrp="1"/>
-          </p:cNvSpPr>
-          <p:nvPr>
-            <p:ph type="body" sz="half" idx="2"/>
-          </p:nvPr>
-        </p:nvSpPr>
-        <p:spPr>
-          <a:xfrm>
-            <a:off x="839788" y="2057400"/>
-            <a:ext cx="3932237" cy="3811588"/>
-          </a:xfrm>
-        </p:spPr>
-        <p:txBody>
-          <a:bodyPr/>
-          <a:lstStyle>
-            <a:lvl1pPr marL="0" indent="0">
+            <a:lvl1pPr marL="0" indent="0" algn="l">
               <a:buNone/>
               <a:defRPr sz="1600"/>
             </a:lvl1pPr>
@@ -2354,13 +3511,7 @@
       </p:sp>
       <p:sp>
         <p:nvSpPr>
-          <p:cNvPr id="5" name="日期版面配置區 4">
-            <a:extLst>
-              <a:ext uri="{FF2B5EF4-FFF2-40B4-BE49-F238E27FC236}">
-                <a16:creationId xmlns:a16="http://schemas.microsoft.com/office/drawing/2014/main" id="{88060697-A92E-4178-A790-FCBB90D70573}"/>
-              </a:ext>
-            </a:extLst>
-          </p:cNvPr>
+          <p:cNvPr id="5" name="Date Placeholder 4"/>
           <p:cNvSpPr>
             <a:spLocks noGrp="1"/>
           </p:cNvSpPr>
@@ -2373,9 +3524,9 @@
           <a:bodyPr/>
           <a:lstStyle/>
           <a:p>
-            <a:fld id="{C3C90D7E-32D6-4894-AE08-7BBB3E610FC9}" type="datetimeFigureOut">
+            <a:fld id="{0CDB5579-79C0-423A-89BE-9D852A949AA1}" type="datetimeFigureOut">
               <a:rPr lang="zh-TW" altLang="en-US" smtClean="0"/>
-              <a:t>2024/9/16</a:t>
+              <a:t>2024/11/1</a:t>
             </a:fld>
             <a:endParaRPr lang="zh-TW" altLang="en-US"/>
           </a:p>
@@ -2383,13 +3534,7 @@
       </p:sp>
       <p:sp>
         <p:nvSpPr>
-          <p:cNvPr id="6" name="頁尾版面配置區 5">
-            <a:extLst>
-              <a:ext uri="{FF2B5EF4-FFF2-40B4-BE49-F238E27FC236}">
-                <a16:creationId xmlns:a16="http://schemas.microsoft.com/office/drawing/2014/main" id="{2A8E3F57-A99A-4C4C-BF14-EE42AB99CE78}"/>
-              </a:ext>
-            </a:extLst>
-          </p:cNvPr>
+          <p:cNvPr id="6" name="Footer Placeholder 5"/>
           <p:cNvSpPr>
             <a:spLocks noGrp="1"/>
           </p:cNvSpPr>
@@ -2408,13 +3553,7 @@
       </p:sp>
       <p:sp>
         <p:nvSpPr>
-          <p:cNvPr id="7" name="投影片編號版面配置區 6">
-            <a:extLst>
-              <a:ext uri="{FF2B5EF4-FFF2-40B4-BE49-F238E27FC236}">
-                <a16:creationId xmlns:a16="http://schemas.microsoft.com/office/drawing/2014/main" id="{39234440-6924-48D7-AC1A-200D5946BCA9}"/>
-              </a:ext>
-            </a:extLst>
-          </p:cNvPr>
+          <p:cNvPr id="7" name="Slide Number Placeholder 6"/>
           <p:cNvSpPr>
             <a:spLocks noGrp="1"/>
           </p:cNvSpPr>
@@ -2427,7 +3566,7 @@
           <a:bodyPr/>
           <a:lstStyle/>
           <a:p>
-            <a:fld id="{E31EC408-072F-4346-BD0A-D6AA5788A305}" type="slidenum">
+            <a:fld id="{0C58D5FE-2D1A-4203-8346-352EFC6B813F}" type="slidenum">
               <a:rPr lang="zh-TW" altLang="en-US" smtClean="0"/>
               <a:t>‹#›</a:t>
             </a:fld>
@@ -2435,10 +3574,41 @@
           </a:p>
         </p:txBody>
       </p:sp>
+      <p:cxnSp>
+        <p:nvCxnSpPr>
+          <p:cNvPr id="17" name="Straight Connector 16"/>
+          <p:cNvCxnSpPr/>
+          <p:nvPr/>
+        </p:nvCxnSpPr>
+        <p:spPr>
+          <a:xfrm>
+            <a:off x="1448280" y="3205491"/>
+            <a:ext cx="3269490" cy="0"/>
+          </a:xfrm>
+          <a:prstGeom prst="line">
+            <a:avLst/>
+          </a:prstGeom>
+          <a:ln w="31750"/>
+        </p:spPr>
+        <p:style>
+          <a:lnRef idx="3">
+            <a:schemeClr val="accent1"/>
+          </a:lnRef>
+          <a:fillRef idx="0">
+            <a:schemeClr val="accent1"/>
+          </a:fillRef>
+          <a:effectRef idx="2">
+            <a:schemeClr val="accent1"/>
+          </a:effectRef>
+          <a:fontRef idx="minor">
+            <a:schemeClr val="tx1"/>
+          </a:fontRef>
+        </p:style>
+      </p:cxnSp>
     </p:spTree>
     <p:extLst>
       <p:ext uri="{BB962C8B-B14F-4D97-AF65-F5344CB8AC3E}">
-        <p14:creationId xmlns:p14="http://schemas.microsoft.com/office/powerpoint/2010/main" val="2036183199"/>
+        <p14:creationId xmlns:p14="http://schemas.microsoft.com/office/powerpoint/2010/main" val="2270807906"/>
       </p:ext>
     </p:extLst>
   </p:cSld>
@@ -2465,15 +3635,143 @@
           <a:chExt cx="0" cy="0"/>
         </a:xfrm>
       </p:grpSpPr>
-      <p:sp>
-        <p:nvSpPr>
-          <p:cNvPr id="2" name="標題 1">
-            <a:extLst>
-              <a:ext uri="{FF2B5EF4-FFF2-40B4-BE49-F238E27FC236}">
-                <a16:creationId xmlns:a16="http://schemas.microsoft.com/office/drawing/2014/main" id="{B2E81694-0B93-4D65-9DA3-21597478A96C}"/>
-              </a:ext>
-            </a:extLst>
-          </p:cNvPr>
+      <p:grpSp>
+        <p:nvGrpSpPr>
+          <p:cNvPr id="8" name="Group 7"/>
+          <p:cNvGrpSpPr/>
+          <p:nvPr/>
+        </p:nvGrpSpPr>
+        <p:grpSpPr>
+          <a:xfrm>
+            <a:off x="7477387" y="482170"/>
+            <a:ext cx="4074533" cy="5149101"/>
+            <a:chOff x="7477387" y="482170"/>
+            <a:chExt cx="4074533" cy="5149101"/>
+          </a:xfrm>
+        </p:grpSpPr>
+        <p:sp>
+          <p:nvSpPr>
+            <p:cNvPr id="18" name="Rectangle 17"/>
+            <p:cNvSpPr/>
+            <p:nvPr/>
+          </p:nvSpPr>
+          <p:spPr bwMode="black">
+            <a:xfrm>
+              <a:off x="7477387" y="482170"/>
+              <a:ext cx="4074533" cy="5149101"/>
+            </a:xfrm>
+            <a:prstGeom prst="rect">
+              <a:avLst/>
+            </a:prstGeom>
+            <a:gradFill>
+              <a:gsLst>
+                <a:gs pos="0">
+                  <a:srgbClr val="000001"/>
+                </a:gs>
+                <a:gs pos="100000">
+                  <a:srgbClr val="191919"/>
+                </a:gs>
+              </a:gsLst>
+            </a:gradFill>
+            <a:ln w="76200" cmpd="sng">
+              <a:noFill/>
+              <a:miter lim="800000"/>
+            </a:ln>
+            <a:effectLst>
+              <a:outerShdw blurRad="127000" dist="228600" dir="4740000" sx="98000" sy="98000" algn="tl" rotWithShape="0">
+                <a:srgbClr val="000000">
+                  <a:alpha val="34000"/>
+                </a:srgbClr>
+              </a:outerShdw>
+            </a:effectLst>
+            <a:scene3d>
+              <a:camera prst="orthographicFront"/>
+              <a:lightRig rig="threePt" dir="t"/>
+            </a:scene3d>
+            <a:sp3d>
+              <a:bevelT w="152400" h="50800" prst="softRound"/>
+            </a:sp3d>
+          </p:spPr>
+          <p:style>
+            <a:lnRef idx="1">
+              <a:schemeClr val="accent1"/>
+            </a:lnRef>
+            <a:fillRef idx="3">
+              <a:schemeClr val="accent1"/>
+            </a:fillRef>
+            <a:effectRef idx="2">
+              <a:schemeClr val="accent1"/>
+            </a:effectRef>
+            <a:fontRef idx="minor">
+              <a:schemeClr val="lt1"/>
+            </a:fontRef>
+          </p:style>
+        </p:sp>
+        <p:sp>
+          <p:nvSpPr>
+            <p:cNvPr id="19" name="Rectangle 18"/>
+            <p:cNvSpPr/>
+            <p:nvPr/>
+          </p:nvSpPr>
+          <p:spPr bwMode="blackWhite">
+            <a:xfrm>
+              <a:off x="7790446" y="812506"/>
+              <a:ext cx="3450289" cy="4466452"/>
+            </a:xfrm>
+            <a:prstGeom prst="rect">
+              <a:avLst/>
+            </a:prstGeom>
+            <a:gradFill>
+              <a:gsLst>
+                <a:gs pos="0">
+                  <a:srgbClr val="DADADA"/>
+                </a:gs>
+                <a:gs pos="100000">
+                  <a:srgbClr val="FFFFFE"/>
+                </a:gs>
+              </a:gsLst>
+              <a:lin ang="16200000" scaled="0"/>
+            </a:gradFill>
+            <a:ln w="50800" cmpd="sng">
+              <a:solidFill>
+                <a:srgbClr val="191919"/>
+              </a:solidFill>
+              <a:miter lim="800000"/>
+            </a:ln>
+            <a:effectLst>
+              <a:innerShdw blurRad="63500" dist="88900" dir="14100000">
+                <a:srgbClr val="000000">
+                  <a:alpha val="30000"/>
+                </a:srgbClr>
+              </a:innerShdw>
+            </a:effectLst>
+            <a:scene3d>
+              <a:camera prst="orthographicFront"/>
+              <a:lightRig rig="threePt" dir="t"/>
+            </a:scene3d>
+            <a:sp3d>
+              <a:bevelT prst="relaxedInset"/>
+            </a:sp3d>
+          </p:spPr>
+          <p:style>
+            <a:lnRef idx="1">
+              <a:schemeClr val="accent1"/>
+            </a:lnRef>
+            <a:fillRef idx="3">
+              <a:schemeClr val="accent1"/>
+            </a:fillRef>
+            <a:effectRef idx="2">
+              <a:schemeClr val="accent1"/>
+            </a:effectRef>
+            <a:fontRef idx="minor">
+              <a:schemeClr val="lt1"/>
+            </a:fontRef>
+          </p:style>
+        </p:sp>
+      </p:grpSp>
+      <p:sp>
+        <p:nvSpPr>
+          <p:cNvPr id="2" name="Title 1"/>
           <p:cNvSpPr>
             <a:spLocks noGrp="1"/>
           </p:cNvSpPr>
@@ -2483,12 +3781,14 @@
         </p:nvSpPr>
         <p:spPr>
           <a:xfrm>
-            <a:off x="839788" y="457200"/>
-            <a:ext cx="3932237" cy="1600200"/>
-          </a:xfrm>
-        </p:spPr>
-        <p:txBody>
-          <a:bodyPr anchor="b"/>
+            <a:off x="1451206" y="1129513"/>
+            <a:ext cx="5532328" cy="1830584"/>
+          </a:xfrm>
+        </p:spPr>
+        <p:txBody>
+          <a:bodyPr anchor="b">
+            <a:normAutofit/>
+          </a:bodyPr>
           <a:lstStyle>
             <a:lvl1pPr>
               <a:defRPr sz="3200"/>
@@ -2499,20 +3799,15 @@
               <a:rPr lang="zh-TW" altLang="en-US"/>
               <a:t>按一下以編輯母片標題樣式</a:t>
             </a:r>
-          </a:p>
-        </p:txBody>
-      </p:sp>
-      <p:sp>
-        <p:nvSpPr>
-          <p:cNvPr id="3" name="圖片版面配置區 2">
-            <a:extLst>
-              <a:ext uri="{FF2B5EF4-FFF2-40B4-BE49-F238E27FC236}">
-                <a16:creationId xmlns:a16="http://schemas.microsoft.com/office/drawing/2014/main" id="{23E4D718-8CB0-4334-BB8A-FB8B57D7CDC6}"/>
-              </a:ext>
-            </a:extLst>
-          </p:cNvPr>
-          <p:cNvSpPr>
-            <a:spLocks noGrp="1"/>
+            <a:endParaRPr lang="en-US" dirty="0"/>
+          </a:p>
+        </p:txBody>
+      </p:sp>
+      <p:sp>
+        <p:nvSpPr>
+          <p:cNvPr id="3" name="Picture Placeholder 2"/>
+          <p:cNvSpPr>
+            <a:spLocks noGrp="1" noChangeAspect="1"/>
           </p:cNvSpPr>
           <p:nvPr>
             <p:ph type="pic" idx="1"/>
@@ -2520,14 +3815,24 @@
         </p:nvSpPr>
         <p:spPr>
           <a:xfrm>
-            <a:off x="5183188" y="987425"/>
-            <a:ext cx="6172200" cy="4873625"/>
-          </a:xfrm>
-        </p:spPr>
-        <p:txBody>
-          <a:bodyPr/>
+            <a:off x="8124389" y="1122542"/>
+            <a:ext cx="2791171" cy="3866327"/>
+          </a:xfrm>
+          <a:solidFill>
+            <a:schemeClr val="bg1">
+              <a:lumMod val="85000"/>
+            </a:schemeClr>
+          </a:solidFill>
+          <a:ln w="9525" cap="sq">
+            <a:noFill/>
+            <a:miter lim="800000"/>
+          </a:ln>
+          <a:effectLst/>
+        </p:spPr>
+        <p:txBody>
+          <a:bodyPr anchor="t"/>
           <a:lstStyle>
-            <a:lvl1pPr marL="0" indent="0">
+            <a:lvl1pPr marL="0" indent="0" algn="ctr">
               <a:buNone/>
               <a:defRPr sz="3200"/>
             </a:lvl1pPr>
@@ -2565,19 +3870,17 @@
             </a:lvl9pPr>
           </a:lstStyle>
           <a:p>
-            <a:endParaRPr lang="zh-TW" altLang="en-US"/>
-          </a:p>
-        </p:txBody>
-      </p:sp>
-      <p:sp>
-        <p:nvSpPr>
-          <p:cNvPr id="4" name="文字版面配置區 3">
-            <a:extLst>
-              <a:ext uri="{FF2B5EF4-FFF2-40B4-BE49-F238E27FC236}">
-                <a16:creationId xmlns:a16="http://schemas.microsoft.com/office/drawing/2014/main" id="{0DC47463-53E7-4FE3-B60B-1657D11127BD}"/>
-              </a:ext>
-            </a:extLst>
-          </p:cNvPr>
+            <a:r>
+              <a:rPr lang="zh-TW" altLang="en-US"/>
+              <a:t>按一下圖示以新增圖片</a:t>
+            </a:r>
+            <a:endParaRPr lang="en-US" dirty="0"/>
+          </a:p>
+        </p:txBody>
+      </p:sp>
+      <p:sp>
+        <p:nvSpPr>
+          <p:cNvPr id="4" name="Text Placeholder 3"/>
           <p:cNvSpPr>
             <a:spLocks noGrp="1"/>
           </p:cNvSpPr>
@@ -2587,16 +3890,18 @@
         </p:nvSpPr>
         <p:spPr>
           <a:xfrm>
-            <a:off x="839788" y="2057400"/>
-            <a:ext cx="3932237" cy="3811588"/>
-          </a:xfrm>
-        </p:spPr>
-        <p:txBody>
-          <a:bodyPr/>
+            <a:off x="1450329" y="3145992"/>
+            <a:ext cx="5524404" cy="2003742"/>
+          </a:xfrm>
+        </p:spPr>
+        <p:txBody>
+          <a:bodyPr>
+            <a:normAutofit/>
+          </a:bodyPr>
           <a:lstStyle>
-            <a:lvl1pPr marL="0" indent="0">
+            <a:lvl1pPr marL="0" indent="0" algn="l">
               <a:buNone/>
-              <a:defRPr sz="1600"/>
+              <a:defRPr sz="1800"/>
             </a:lvl1pPr>
             <a:lvl2pPr marL="457200" indent="0">
               <a:buNone/>
@@ -2642,13 +3947,7 @@
       </p:sp>
       <p:sp>
         <p:nvSpPr>
-          <p:cNvPr id="5" name="日期版面配置區 4">
-            <a:extLst>
-              <a:ext uri="{FF2B5EF4-FFF2-40B4-BE49-F238E27FC236}">
-                <a16:creationId xmlns:a16="http://schemas.microsoft.com/office/drawing/2014/main" id="{28875DC5-6AFF-40C0-8C77-F81A0A3E1B0F}"/>
-              </a:ext>
-            </a:extLst>
-          </p:cNvPr>
+          <p:cNvPr id="5" name="Date Placeholder 4"/>
           <p:cNvSpPr>
             <a:spLocks noGrp="1"/>
           </p:cNvSpPr>
@@ -2656,14 +3955,23 @@
             <p:ph type="dt" sz="half" idx="10"/>
           </p:nvPr>
         </p:nvSpPr>
-        <p:spPr/>
+        <p:spPr>
+          <a:xfrm>
+            <a:off x="1447382" y="5469856"/>
+            <a:ext cx="5527351" cy="320123"/>
+          </a:xfrm>
+        </p:spPr>
         <p:txBody>
           <a:bodyPr/>
-          <a:lstStyle/>
-          <a:p>
-            <a:fld id="{C3C90D7E-32D6-4894-AE08-7BBB3E610FC9}" type="datetimeFigureOut">
+          <a:lstStyle>
+            <a:lvl1pPr algn="l">
+              <a:defRPr/>
+            </a:lvl1pPr>
+          </a:lstStyle>
+          <a:p>
+            <a:fld id="{0CDB5579-79C0-423A-89BE-9D852A949AA1}" type="datetimeFigureOut">
               <a:rPr lang="zh-TW" altLang="en-US" smtClean="0"/>
-              <a:t>2024/9/16</a:t>
+              <a:t>2024/11/1</a:t>
             </a:fld>
             <a:endParaRPr lang="zh-TW" altLang="en-US"/>
           </a:p>
@@ -2671,13 +3979,7 @@
       </p:sp>
       <p:sp>
         <p:nvSpPr>
-          <p:cNvPr id="6" name="頁尾版面配置區 5">
-            <a:extLst>
-              <a:ext uri="{FF2B5EF4-FFF2-40B4-BE49-F238E27FC236}">
-                <a16:creationId xmlns:a16="http://schemas.microsoft.com/office/drawing/2014/main" id="{24F8A973-6D07-4F0C-97A0-280FEFC238E0}"/>
-              </a:ext>
-            </a:extLst>
-          </p:cNvPr>
+          <p:cNvPr id="6" name="Footer Placeholder 5"/>
           <p:cNvSpPr>
             <a:spLocks noGrp="1"/>
           </p:cNvSpPr>
@@ -2685,37 +3987,36 @@
             <p:ph type="ftr" sz="quarter" idx="11"/>
           </p:nvPr>
         </p:nvSpPr>
+        <p:spPr>
+          <a:xfrm>
+            <a:off x="1447382" y="318640"/>
+            <a:ext cx="5541004" cy="320931"/>
+          </a:xfrm>
+        </p:spPr>
+        <p:txBody>
+          <a:bodyPr/>
+          <a:lstStyle/>
+          <a:p>
+            <a:endParaRPr lang="zh-TW" altLang="en-US"/>
+          </a:p>
+        </p:txBody>
+      </p:sp>
+      <p:sp>
+        <p:nvSpPr>
+          <p:cNvPr id="7" name="Slide Number Placeholder 6"/>
+          <p:cNvSpPr>
+            <a:spLocks noGrp="1"/>
+          </p:cNvSpPr>
+          <p:nvPr>
+            <p:ph type="sldNum" sz="quarter" idx="12"/>
+          </p:nvPr>
+        </p:nvSpPr>
         <p:spPr/>
         <p:txBody>
           <a:bodyPr/>
           <a:lstStyle/>
           <a:p>
-            <a:endParaRPr lang="zh-TW" altLang="en-US"/>
-          </a:p>
-        </p:txBody>
-      </p:sp>
-      <p:sp>
-        <p:nvSpPr>
-          <p:cNvPr id="7" name="投影片編號版面配置區 6">
-            <a:extLst>
-              <a:ext uri="{FF2B5EF4-FFF2-40B4-BE49-F238E27FC236}">
-                <a16:creationId xmlns:a16="http://schemas.microsoft.com/office/drawing/2014/main" id="{DB60BB1E-F41B-40F0-929B-5208374980BF}"/>
-              </a:ext>
-            </a:extLst>
-          </p:cNvPr>
-          <p:cNvSpPr>
-            <a:spLocks noGrp="1"/>
-          </p:cNvSpPr>
-          <p:nvPr>
-            <p:ph type="sldNum" sz="quarter" idx="12"/>
-          </p:nvPr>
-        </p:nvSpPr>
-        <p:spPr/>
-        <p:txBody>
-          <a:bodyPr/>
-          <a:lstStyle/>
-          <a:p>
-            <a:fld id="{E31EC408-072F-4346-BD0A-D6AA5788A305}" type="slidenum">
+            <a:fld id="{0C58D5FE-2D1A-4203-8346-352EFC6B813F}" type="slidenum">
               <a:rPr lang="zh-TW" altLang="en-US" smtClean="0"/>
               <a:t>‹#›</a:t>
             </a:fld>
@@ -2723,10 +4024,41 @@
           </a:p>
         </p:txBody>
       </p:sp>
+      <p:cxnSp>
+        <p:nvCxnSpPr>
+          <p:cNvPr id="31" name="Straight Connector 30"/>
+          <p:cNvCxnSpPr/>
+          <p:nvPr/>
+        </p:nvCxnSpPr>
+        <p:spPr>
+          <a:xfrm>
+            <a:off x="1447382" y="3143605"/>
+            <a:ext cx="5527351" cy="0"/>
+          </a:xfrm>
+          <a:prstGeom prst="line">
+            <a:avLst/>
+          </a:prstGeom>
+          <a:ln w="31750"/>
+        </p:spPr>
+        <p:style>
+          <a:lnRef idx="3">
+            <a:schemeClr val="accent1"/>
+          </a:lnRef>
+          <a:fillRef idx="0">
+            <a:schemeClr val="accent1"/>
+          </a:fillRef>
+          <a:effectRef idx="2">
+            <a:schemeClr val="accent1"/>
+          </a:effectRef>
+          <a:fontRef idx="minor">
+            <a:schemeClr val="tx1"/>
+          </a:fontRef>
+        </p:style>
+      </p:cxnSp>
     </p:spTree>
     <p:extLst>
       <p:ext uri="{BB962C8B-B14F-4D97-AF65-F5344CB8AC3E}">
-        <p14:creationId xmlns:p14="http://schemas.microsoft.com/office/powerpoint/2010/main" val="3148270851"/>
+        <p14:creationId xmlns:p14="http://schemas.microsoft.com/office/powerpoint/2010/main" val="892883477"/>
       </p:ext>
     </p:extLst>
   </p:cSld>
@@ -2740,8 +4072,8 @@
 <p:sldMaster xmlns:a="http://schemas.openxmlformats.org/drawingml/2006/main" xmlns:r="http://schemas.openxmlformats.org/officeDocument/2006/relationships" xmlns:p="http://schemas.openxmlformats.org/presentationml/2006/main">
   <p:cSld>
     <p:bg>
-      <p:bgRef idx="1001">
-        <a:schemeClr val="bg1"/>
+      <p:bgRef idx="1003">
+        <a:schemeClr val="bg2"/>
       </p:bgRef>
     </p:bg>
     <p:spTree>
@@ -2760,67 +4092,134 @@
       </p:grpSpPr>
       <p:sp>
         <p:nvSpPr>
-          <p:cNvPr id="2" name="標題版面配置區 1">
-            <a:extLst>
-              <a:ext uri="{FF2B5EF4-FFF2-40B4-BE49-F238E27FC236}">
-                <a16:creationId xmlns:a16="http://schemas.microsoft.com/office/drawing/2014/main" id="{B8575AAC-624C-4B52-ABD4-699B1E35D2CF}"/>
-              </a:ext>
-            </a:extLst>
-          </p:cNvPr>
-          <p:cNvSpPr>
-            <a:spLocks noGrp="1"/>
-          </p:cNvSpPr>
-          <p:nvPr>
-            <p:ph type="title"/>
-          </p:nvPr>
-        </p:nvSpPr>
-        <p:spPr>
-          <a:xfrm>
-            <a:off x="838200" y="365125"/>
-            <a:ext cx="10515600" cy="1325563"/>
+          <p:cNvPr id="8" name="Rectangle 7"/>
+          <p:cNvSpPr/>
+          <p:nvPr/>
+        </p:nvSpPr>
+        <p:spPr>
+          <a:xfrm>
+            <a:off x="0" y="2019476"/>
+            <a:ext cx="12192000" cy="4105941"/>
           </a:xfrm>
           <a:prstGeom prst="rect">
             <a:avLst/>
           </a:prstGeom>
-        </p:spPr>
-        <p:txBody>
-          <a:bodyPr vert="horz" lIns="91440" tIns="45720" rIns="91440" bIns="45720" rtlCol="0" anchor="ctr">
-            <a:normAutofit/>
-          </a:bodyPr>
-          <a:lstStyle/>
-          <a:p>
-            <a:r>
-              <a:rPr lang="zh-TW" altLang="en-US"/>
-              <a:t>按一下以編輯母片標題樣式</a:t>
-            </a:r>
-          </a:p>
-        </p:txBody>
-      </p:sp>
-      <p:sp>
-        <p:nvSpPr>
-          <p:cNvPr id="3" name="文字版面配置區 2">
+          <a:gradFill flip="none" rotWithShape="1">
+            <a:gsLst>
+              <a:gs pos="0">
+                <a:schemeClr val="bg2">
+                  <a:alpha val="0"/>
+                </a:schemeClr>
+              </a:gs>
+              <a:gs pos="100000">
+                <a:schemeClr val="bg2"/>
+              </a:gs>
+            </a:gsLst>
+            <a:lin ang="5400000" scaled="0"/>
+            <a:tileRect/>
+          </a:gradFill>
+          <a:ln>
+            <a:noFill/>
+          </a:ln>
+        </p:spPr>
+        <p:style>
+          <a:lnRef idx="2">
+            <a:schemeClr val="accent1">
+              <a:shade val="50000"/>
+            </a:schemeClr>
+          </a:lnRef>
+          <a:fillRef idx="1">
+            <a:schemeClr val="accent1"/>
+          </a:fillRef>
+          <a:effectRef idx="0">
+            <a:schemeClr val="accent1"/>
+          </a:effectRef>
+          <a:fontRef idx="minor">
+            <a:schemeClr val="lt1"/>
+          </a:fontRef>
+        </p:style>
+      </p:sp>
+      <p:pic>
+        <p:nvPicPr>
+          <p:cNvPr id="7" name="Picture 6"/>
+          <p:cNvPicPr>
+            <a:picLocks noChangeAspect="1"/>
+          </p:cNvPicPr>
+          <p:nvPr/>
+        </p:nvPicPr>
+        <p:blipFill rotWithShape="1">
+          <a:blip r:embed="rId13">
             <a:extLst>
-              <a:ext uri="{FF2B5EF4-FFF2-40B4-BE49-F238E27FC236}">
-                <a16:creationId xmlns:a16="http://schemas.microsoft.com/office/drawing/2014/main" id="{76722991-C57D-471F-8271-C419A1CFB074}"/>
+              <a:ext uri="{28A0092B-C50C-407E-A947-70E740481C1C}">
+                <a14:useLocalDpi xmlns:a14="http://schemas.microsoft.com/office/drawing/2010/main" val="0"/>
               </a:ext>
             </a:extLst>
-          </p:cNvPr>
-          <p:cNvSpPr>
-            <a:spLocks noGrp="1"/>
-          </p:cNvSpPr>
-          <p:nvPr>
-            <p:ph type="body" idx="1"/>
-          </p:nvPr>
-        </p:nvSpPr>
-        <p:spPr>
-          <a:xfrm>
-            <a:off x="838200" y="1825625"/>
-            <a:ext cx="10515600" cy="4351338"/>
+          </a:blip>
+          <a:srcRect t="1538" b="-1538"/>
+          <a:stretch/>
+        </p:blipFill>
+        <p:spPr bwMode="black">
+          <a:xfrm>
+            <a:off x="0" y="6126480"/>
+            <a:ext cx="12192000" cy="742950"/>
           </a:xfrm>
           <a:prstGeom prst="rect">
             <a:avLst/>
           </a:prstGeom>
         </p:spPr>
+      </p:pic>
+      <p:sp>
+        <p:nvSpPr>
+          <p:cNvPr id="2" name="Title Placeholder 1"/>
+          <p:cNvSpPr>
+            <a:spLocks noGrp="1"/>
+          </p:cNvSpPr>
+          <p:nvPr>
+            <p:ph type="title"/>
+          </p:nvPr>
+        </p:nvSpPr>
+        <p:spPr>
+          <a:xfrm>
+            <a:off x="1451579" y="804519"/>
+            <a:ext cx="9603275" cy="1049235"/>
+          </a:xfrm>
+          <a:prstGeom prst="rect">
+            <a:avLst/>
+          </a:prstGeom>
+        </p:spPr>
+        <p:txBody>
+          <a:bodyPr vert="horz" lIns="91440" tIns="45720" rIns="91440" bIns="45720" rtlCol="0" anchor="t">
+            <a:normAutofit/>
+          </a:bodyPr>
+          <a:lstStyle/>
+          <a:p>
+            <a:r>
+              <a:rPr lang="zh-TW" altLang="en-US"/>
+              <a:t>按一下以編輯母片標題樣式</a:t>
+            </a:r>
+            <a:endParaRPr lang="en-US" dirty="0"/>
+          </a:p>
+        </p:txBody>
+      </p:sp>
+      <p:sp>
+        <p:nvSpPr>
+          <p:cNvPr id="3" name="Text Placeholder 2"/>
+          <p:cNvSpPr>
+            <a:spLocks noGrp="1"/>
+          </p:cNvSpPr>
+          <p:nvPr>
+            <p:ph type="body" idx="1"/>
+          </p:nvPr>
+        </p:nvSpPr>
+        <p:spPr>
+          <a:xfrm>
+            <a:off x="1451579" y="2015732"/>
+            <a:ext cx="9603275" cy="3450613"/>
+          </a:xfrm>
+          <a:prstGeom prst="rect">
+            <a:avLst/>
+          </a:prstGeom>
+        </p:spPr>
         <p:txBody>
           <a:bodyPr vert="horz" lIns="91440" tIns="45720" rIns="91440" bIns="45720" rtlCol="0">
             <a:normAutofit/>
@@ -2860,18 +4259,13 @@
               <a:rPr lang="zh-TW" altLang="en-US"/>
               <a:t>第五層</a:t>
             </a:r>
-          </a:p>
-        </p:txBody>
-      </p:sp>
-      <p:sp>
-        <p:nvSpPr>
-          <p:cNvPr id="4" name="日期版面配置區 3">
-            <a:extLst>
-              <a:ext uri="{FF2B5EF4-FFF2-40B4-BE49-F238E27FC236}">
-                <a16:creationId xmlns:a16="http://schemas.microsoft.com/office/drawing/2014/main" id="{85C839DD-8CBF-4E23-A0C7-7C039E950BB8}"/>
-              </a:ext>
-            </a:extLst>
-          </p:cNvPr>
+            <a:endParaRPr lang="en-US" dirty="0"/>
+          </a:p>
+        </p:txBody>
+      </p:sp>
+      <p:sp>
+        <p:nvSpPr>
+          <p:cNvPr id="4" name="Date Placeholder 3"/>
           <p:cNvSpPr>
             <a:spLocks noGrp="1"/>
           </p:cNvSpPr>
@@ -2881,8 +4275,8 @@
         </p:nvSpPr>
         <p:spPr>
           <a:xfrm>
-            <a:off x="838200" y="6356350"/>
-            <a:ext cx="2743200" cy="365125"/>
+            <a:off x="7554138" y="330370"/>
+            <a:ext cx="3500715" cy="309201"/>
           </a:xfrm>
           <a:prstGeom prst="rect">
             <a:avLst/>
@@ -2891,8 +4285,8 @@
         <p:txBody>
           <a:bodyPr vert="horz" lIns="91440" tIns="45720" rIns="91440" bIns="45720" rtlCol="0" anchor="ctr"/>
           <a:lstStyle>
-            <a:lvl1pPr algn="l">
-              <a:defRPr sz="1200">
+            <a:lvl1pPr algn="r">
+              <a:defRPr sz="1000">
                 <a:solidFill>
                   <a:schemeClr val="tx1">
                     <a:tint val="75000"/>
@@ -2902,9 +4296,9 @@
             </a:lvl1pPr>
           </a:lstStyle>
           <a:p>
-            <a:fld id="{C3C90D7E-32D6-4894-AE08-7BBB3E610FC9}" type="datetimeFigureOut">
+            <a:fld id="{0CDB5579-79C0-423A-89BE-9D852A949AA1}" type="datetimeFigureOut">
               <a:rPr lang="zh-TW" altLang="en-US" smtClean="0"/>
-              <a:t>2024/9/16</a:t>
+              <a:t>2024/11/1</a:t>
             </a:fld>
             <a:endParaRPr lang="zh-TW" altLang="en-US"/>
           </a:p>
@@ -2912,13 +4306,7 @@
       </p:sp>
       <p:sp>
         <p:nvSpPr>
-          <p:cNvPr id="5" name="頁尾版面配置區 4">
-            <a:extLst>
-              <a:ext uri="{FF2B5EF4-FFF2-40B4-BE49-F238E27FC236}">
-                <a16:creationId xmlns:a16="http://schemas.microsoft.com/office/drawing/2014/main" id="{12802D8A-77D4-418C-8190-43B6ADED2131}"/>
-              </a:ext>
-            </a:extLst>
-          </p:cNvPr>
+          <p:cNvPr id="5" name="Footer Placeholder 4"/>
           <p:cNvSpPr>
             <a:spLocks noGrp="1"/>
           </p:cNvSpPr>
@@ -2928,8 +4316,8 @@
         </p:nvSpPr>
         <p:spPr>
           <a:xfrm>
-            <a:off x="4038600" y="6356350"/>
-            <a:ext cx="4114800" cy="365125"/>
+            <a:off x="1451579" y="329307"/>
+            <a:ext cx="5938836" cy="309201"/>
           </a:xfrm>
           <a:prstGeom prst="rect">
             <a:avLst/>
@@ -2938,8 +4326,8 @@
         <p:txBody>
           <a:bodyPr vert="horz" lIns="91440" tIns="45720" rIns="91440" bIns="45720" rtlCol="0" anchor="ctr"/>
           <a:lstStyle>
-            <a:lvl1pPr algn="ctr">
-              <a:defRPr sz="1200">
+            <a:lvl1pPr algn="l">
+              <a:defRPr sz="1000">
                 <a:solidFill>
                   <a:schemeClr val="tx1">
                     <a:tint val="75000"/>
@@ -2955,13 +4343,7 @@
       </p:sp>
       <p:sp>
         <p:nvSpPr>
-          <p:cNvPr id="6" name="投影片編號版面配置區 5">
-            <a:extLst>
-              <a:ext uri="{FF2B5EF4-FFF2-40B4-BE49-F238E27FC236}">
-                <a16:creationId xmlns:a16="http://schemas.microsoft.com/office/drawing/2014/main" id="{7072B55E-2BE2-4AF4-AFF8-2A716F492F1C}"/>
-              </a:ext>
-            </a:extLst>
-          </p:cNvPr>
+          <p:cNvPr id="6" name="Slide Number Placeholder 5"/>
           <p:cNvSpPr>
             <a:spLocks noGrp="1"/>
           </p:cNvSpPr>
@@ -2971,28 +4353,26 @@
         </p:nvSpPr>
         <p:spPr>
           <a:xfrm>
-            <a:off x="8610600" y="6356350"/>
-            <a:ext cx="2743200" cy="365125"/>
+            <a:off x="480060" y="798973"/>
+            <a:ext cx="811019" cy="503578"/>
           </a:xfrm>
           <a:prstGeom prst="rect">
             <a:avLst/>
           </a:prstGeom>
         </p:spPr>
         <p:txBody>
-          <a:bodyPr vert="horz" lIns="91440" tIns="45720" rIns="91440" bIns="45720" rtlCol="0" anchor="ctr"/>
+          <a:bodyPr vert="horz" lIns="91440" tIns="45720" rIns="91440" bIns="45720" rtlCol="0" anchor="t"/>
           <a:lstStyle>
             <a:lvl1pPr algn="r">
-              <a:defRPr sz="1200">
+              <a:defRPr sz="2800">
                 <a:solidFill>
-                  <a:schemeClr val="tx1">
-                    <a:tint val="75000"/>
-                  </a:schemeClr>
+                  <a:schemeClr val="accent1"/>
                 </a:solidFill>
               </a:defRPr>
             </a:lvl1pPr>
           </a:lstStyle>
           <a:p>
-            <a:fld id="{E31EC408-072F-4346-BD0A-D6AA5788A305}" type="slidenum">
+            <a:fld id="{0C58D5FE-2D1A-4203-8346-352EFC6B813F}" type="slidenum">
               <a:rPr lang="zh-TW" altLang="en-US" smtClean="0"/>
               <a:t>‹#›</a:t>
             </a:fld>
@@ -3000,26 +4380,63 @@
           </a:p>
         </p:txBody>
       </p:sp>
+      <p:cxnSp>
+        <p:nvCxnSpPr>
+          <p:cNvPr id="10" name="Straight Connector 9"/>
+          <p:cNvCxnSpPr/>
+          <p:nvPr/>
+        </p:nvCxnSpPr>
+        <p:spPr>
+          <a:xfrm>
+            <a:off x="0" y="6128413"/>
+            <a:ext cx="12192000" cy="0"/>
+          </a:xfrm>
+          <a:prstGeom prst="line">
+            <a:avLst/>
+          </a:prstGeom>
+          <a:ln w="12700">
+            <a:solidFill>
+              <a:srgbClr val="000001">
+                <a:alpha val="20000"/>
+              </a:srgbClr>
+            </a:solidFill>
+          </a:ln>
+        </p:spPr>
+        <p:style>
+          <a:lnRef idx="1">
+            <a:schemeClr val="accent1"/>
+          </a:lnRef>
+          <a:fillRef idx="0">
+            <a:schemeClr val="accent1"/>
+          </a:fillRef>
+          <a:effectRef idx="0">
+            <a:schemeClr val="accent1"/>
+          </a:effectRef>
+          <a:fontRef idx="minor">
+            <a:schemeClr val="tx1"/>
+          </a:fontRef>
+        </p:style>
+      </p:cxnSp>
     </p:spTree>
     <p:extLst>
       <p:ext uri="{BB962C8B-B14F-4D97-AF65-F5344CB8AC3E}">
-        <p14:creationId xmlns:p14="http://schemas.microsoft.com/office/powerpoint/2010/main" val="2016052060"/>
+        <p14:creationId xmlns:p14="http://schemas.microsoft.com/office/powerpoint/2010/main" val="506806198"/>
       </p:ext>
     </p:extLst>
   </p:cSld>
   <p:clrMap bg1="lt1" tx1="dk1" bg2="lt2" tx2="dk2" accent1="accent1" accent2="accent2" accent3="accent3" accent4="accent4" accent5="accent5" accent6="accent6" hlink="hlink" folHlink="folHlink"/>
   <p:sldLayoutIdLst>
-    <p:sldLayoutId id="2147483649" r:id="rId1"/>
-    <p:sldLayoutId id="2147483650" r:id="rId2"/>
-    <p:sldLayoutId id="2147483651" r:id="rId3"/>
-    <p:sldLayoutId id="2147483652" r:id="rId4"/>
-    <p:sldLayoutId id="2147483653" r:id="rId5"/>
-    <p:sldLayoutId id="2147483654" r:id="rId6"/>
-    <p:sldLayoutId id="2147483655" r:id="rId7"/>
-    <p:sldLayoutId id="2147483656" r:id="rId8"/>
-    <p:sldLayoutId id="2147483657" r:id="rId9"/>
-    <p:sldLayoutId id="2147483658" r:id="rId10"/>
-    <p:sldLayoutId id="2147483659" r:id="rId11"/>
+    <p:sldLayoutId id="2147483726" r:id="rId1"/>
+    <p:sldLayoutId id="2147483727" r:id="rId2"/>
+    <p:sldLayoutId id="2147483728" r:id="rId3"/>
+    <p:sldLayoutId id="2147483729" r:id="rId4"/>
+    <p:sldLayoutId id="2147483730" r:id="rId5"/>
+    <p:sldLayoutId id="2147483731" r:id="rId6"/>
+    <p:sldLayoutId id="2147483732" r:id="rId7"/>
+    <p:sldLayoutId id="2147483733" r:id="rId8"/>
+    <p:sldLayoutId id="2147483734" r:id="rId9"/>
+    <p:sldLayoutId id="2147483735" r:id="rId10"/>
+    <p:sldLayoutId id="2147483736" r:id="rId11"/>
   </p:sldLayoutIdLst>
   <p:txStyles>
     <p:titleStyle>
@@ -3031,10 +4448,11 @@
           <a:spcPct val="0"/>
         </a:spcBef>
         <a:buNone/>
-        <a:defRPr sz="4400" kern="1200">
+        <a:defRPr sz="3200" b="0" i="0" kern="1200" cap="all">
           <a:solidFill>
             <a:schemeClr val="tx1"/>
           </a:solidFill>
+          <a:effectLst/>
           <a:latin typeface="+mj-lt"/>
           <a:ea typeface="+mj-ea"/>
           <a:cs typeface="+mj-cs"/>
@@ -3044,17 +4462,22 @@
     <p:bodyStyle>
       <a:lvl1pPr marL="228600" indent="-228600" algn="l" defTabSz="914400" rtl="0" eaLnBrk="1" latinLnBrk="0" hangingPunct="1">
         <a:lnSpc>
-          <a:spcPct val="90000"/>
+          <a:spcPct val="120000"/>
         </a:lnSpc>
         <a:spcBef>
           <a:spcPts val="1000"/>
         </a:spcBef>
+        <a:buClr>
+          <a:schemeClr val="accent1"/>
+        </a:buClr>
+        <a:buSzPct val="100000"/>
         <a:buFont typeface="Arial" panose="020B0604020202020204" pitchFamily="34" charset="0"/>
         <a:buChar char="•"/>
-        <a:defRPr sz="2800" kern="1200">
+        <a:defRPr sz="2000" kern="1200">
           <a:solidFill>
             <a:schemeClr val="tx1"/>
           </a:solidFill>
+          <a:effectLst/>
           <a:latin typeface="+mn-lt"/>
           <a:ea typeface="+mn-ea"/>
           <a:cs typeface="+mn-cs"/>
@@ -3062,17 +4485,22 @@
       </a:lvl1pPr>
       <a:lvl2pPr marL="685800" indent="-228600" algn="l" defTabSz="914400" rtl="0" eaLnBrk="1" latinLnBrk="0" hangingPunct="1">
         <a:lnSpc>
-          <a:spcPct val="90000"/>
+          <a:spcPct val="120000"/>
         </a:lnSpc>
         <a:spcBef>
           <a:spcPts val="500"/>
         </a:spcBef>
+        <a:buClr>
+          <a:schemeClr val="accent1"/>
+        </a:buClr>
+        <a:buSzPct val="100000"/>
         <a:buFont typeface="Arial" panose="020B0604020202020204" pitchFamily="34" charset="0"/>
         <a:buChar char="•"/>
-        <a:defRPr sz="2400" kern="1200">
+        <a:defRPr sz="1800" kern="1200" cap="none" baseline="0">
           <a:solidFill>
             <a:schemeClr val="tx1"/>
           </a:solidFill>
+          <a:effectLst/>
           <a:latin typeface="+mn-lt"/>
           <a:ea typeface="+mn-ea"/>
           <a:cs typeface="+mn-cs"/>
@@ -3080,17 +4508,22 @@
       </a:lvl2pPr>
       <a:lvl3pPr marL="1143000" indent="-228600" algn="l" defTabSz="914400" rtl="0" eaLnBrk="1" latinLnBrk="0" hangingPunct="1">
         <a:lnSpc>
-          <a:spcPct val="90000"/>
+          <a:spcPct val="120000"/>
         </a:lnSpc>
         <a:spcBef>
           <a:spcPts val="500"/>
         </a:spcBef>
+        <a:buClr>
+          <a:schemeClr val="accent1"/>
+        </a:buClr>
+        <a:buSzPct val="100000"/>
         <a:buFont typeface="Arial" panose="020B0604020202020204" pitchFamily="34" charset="0"/>
         <a:buChar char="•"/>
-        <a:defRPr sz="2000" kern="1200">
+        <a:defRPr sz="1600" kern="1200">
           <a:solidFill>
             <a:schemeClr val="tx1"/>
           </a:solidFill>
+          <a:effectLst/>
           <a:latin typeface="+mn-lt"/>
           <a:ea typeface="+mn-ea"/>
           <a:cs typeface="+mn-cs"/>
@@ -3098,17 +4531,22 @@
       </a:lvl3pPr>
       <a:lvl4pPr marL="1600200" indent="-228600" algn="l" defTabSz="914400" rtl="0" eaLnBrk="1" latinLnBrk="0" hangingPunct="1">
         <a:lnSpc>
-          <a:spcPct val="90000"/>
+          <a:spcPct val="120000"/>
         </a:lnSpc>
         <a:spcBef>
           <a:spcPts val="500"/>
         </a:spcBef>
+        <a:buClr>
+          <a:schemeClr val="accent1"/>
+        </a:buClr>
+        <a:buSzPct val="100000"/>
         <a:buFont typeface="Arial" panose="020B0604020202020204" pitchFamily="34" charset="0"/>
         <a:buChar char="•"/>
-        <a:defRPr sz="1800" kern="1200">
+        <a:defRPr sz="1400" kern="1200" cap="none" baseline="0">
           <a:solidFill>
             <a:schemeClr val="tx1"/>
           </a:solidFill>
+          <a:effectLst/>
           <a:latin typeface="+mn-lt"/>
           <a:ea typeface="+mn-ea"/>
           <a:cs typeface="+mn-cs"/>
@@ -3116,17 +4554,22 @@
       </a:lvl4pPr>
       <a:lvl5pPr marL="2057400" indent="-228600" algn="l" defTabSz="914400" rtl="0" eaLnBrk="1" latinLnBrk="0" hangingPunct="1">
         <a:lnSpc>
-          <a:spcPct val="90000"/>
+          <a:spcPct val="120000"/>
         </a:lnSpc>
         <a:spcBef>
           <a:spcPts val="500"/>
         </a:spcBef>
+        <a:buClr>
+          <a:schemeClr val="accent1"/>
+        </a:buClr>
+        <a:buSzPct val="100000"/>
         <a:buFont typeface="Arial" panose="020B0604020202020204" pitchFamily="34" charset="0"/>
         <a:buChar char="•"/>
-        <a:defRPr sz="1800" kern="1200">
+        <a:defRPr sz="1200" kern="1200">
           <a:solidFill>
             <a:schemeClr val="tx1"/>
           </a:solidFill>
+          <a:effectLst/>
           <a:latin typeface="+mn-lt"/>
           <a:ea typeface="+mn-ea"/>
           <a:cs typeface="+mn-cs"/>
@@ -3134,17 +4577,22 @@
       </a:lvl5pPr>
       <a:lvl6pPr marL="2514600" indent="-228600" algn="l" defTabSz="914400" rtl="0" eaLnBrk="1" latinLnBrk="0" hangingPunct="1">
         <a:lnSpc>
-          <a:spcPct val="90000"/>
+          <a:spcPct val="120000"/>
         </a:lnSpc>
         <a:spcBef>
           <a:spcPts val="500"/>
         </a:spcBef>
+        <a:buClr>
+          <a:schemeClr val="accent1"/>
+        </a:buClr>
+        <a:buSzPct val="100000"/>
         <a:buFont typeface="Arial" panose="020B0604020202020204" pitchFamily="34" charset="0"/>
         <a:buChar char="•"/>
-        <a:defRPr sz="1800" kern="1200">
+        <a:defRPr sz="1200" kern="1200">
           <a:solidFill>
             <a:schemeClr val="tx1"/>
           </a:solidFill>
+          <a:effectLst/>
           <a:latin typeface="+mn-lt"/>
           <a:ea typeface="+mn-ea"/>
           <a:cs typeface="+mn-cs"/>
@@ -3152,17 +4600,22 @@
       </a:lvl6pPr>
       <a:lvl7pPr marL="2971800" indent="-228600" algn="l" defTabSz="914400" rtl="0" eaLnBrk="1" latinLnBrk="0" hangingPunct="1">
         <a:lnSpc>
-          <a:spcPct val="90000"/>
+          <a:spcPct val="120000"/>
         </a:lnSpc>
         <a:spcBef>
           <a:spcPts val="500"/>
         </a:spcBef>
+        <a:buClr>
+          <a:schemeClr val="accent1"/>
+        </a:buClr>
+        <a:buSzPct val="100000"/>
         <a:buFont typeface="Arial" panose="020B0604020202020204" pitchFamily="34" charset="0"/>
         <a:buChar char="•"/>
-        <a:defRPr sz="1800" kern="1200">
+        <a:defRPr sz="1200" kern="1200">
           <a:solidFill>
             <a:schemeClr val="tx1"/>
           </a:solidFill>
+          <a:effectLst/>
           <a:latin typeface="+mn-lt"/>
           <a:ea typeface="+mn-ea"/>
           <a:cs typeface="+mn-cs"/>
@@ -3170,17 +4623,22 @@
       </a:lvl7pPr>
       <a:lvl8pPr marL="3429000" indent="-228600" algn="l" defTabSz="914400" rtl="0" eaLnBrk="1" latinLnBrk="0" hangingPunct="1">
         <a:lnSpc>
-          <a:spcPct val="90000"/>
+          <a:spcPct val="120000"/>
         </a:lnSpc>
         <a:spcBef>
           <a:spcPts val="500"/>
         </a:spcBef>
+        <a:buClr>
+          <a:schemeClr val="accent1"/>
+        </a:buClr>
+        <a:buSzPct val="100000"/>
         <a:buFont typeface="Arial" panose="020B0604020202020204" pitchFamily="34" charset="0"/>
         <a:buChar char="•"/>
-        <a:defRPr sz="1800" kern="1200">
+        <a:defRPr sz="1200" kern="1200" baseline="0">
           <a:solidFill>
             <a:schemeClr val="tx1"/>
           </a:solidFill>
+          <a:effectLst/>
           <a:latin typeface="+mn-lt"/>
           <a:ea typeface="+mn-ea"/>
           <a:cs typeface="+mn-cs"/>
@@ -3188,17 +4646,22 @@
       </a:lvl8pPr>
       <a:lvl9pPr marL="3886200" indent="-228600" algn="l" defTabSz="914400" rtl="0" eaLnBrk="1" latinLnBrk="0" hangingPunct="1">
         <a:lnSpc>
-          <a:spcPct val="90000"/>
+          <a:spcPct val="120000"/>
         </a:lnSpc>
         <a:spcBef>
           <a:spcPts val="500"/>
         </a:spcBef>
+        <a:buClr>
+          <a:schemeClr val="accent1"/>
+        </a:buClr>
+        <a:buSzPct val="100000"/>
         <a:buFont typeface="Arial" panose="020B0604020202020204" pitchFamily="34" charset="0"/>
         <a:buChar char="•"/>
-        <a:defRPr sz="1800" kern="1200">
+        <a:defRPr sz="1200" kern="1200" baseline="0">
           <a:solidFill>
             <a:schemeClr val="tx1"/>
           </a:solidFill>
+          <a:effectLst/>
           <a:latin typeface="+mn-lt"/>
           <a:ea typeface="+mn-ea"/>
           <a:cs typeface="+mn-cs"/>
@@ -3207,7 +4670,7 @@
     </p:bodyStyle>
     <p:otherStyle>
       <a:defPPr>
-        <a:defRPr lang="zh-TW"/>
+        <a:defRPr lang="en-US"/>
       </a:defPPr>
       <a:lvl1pPr marL="0" algn="l" defTabSz="914400" rtl="0" eaLnBrk="1" latinLnBrk="0" hangingPunct="1">
         <a:defRPr sz="1800" kern="1200">
@@ -3321,12 +4784,47 @@
           <a:chExt cx="0" cy="0"/>
         </a:xfrm>
       </p:grpSpPr>
+      <p:pic>
+        <p:nvPicPr>
+          <p:cNvPr id="4" name="圖片 3">
+            <a:extLst>
+              <a:ext uri="{FF2B5EF4-FFF2-40B4-BE49-F238E27FC236}">
+                <a16:creationId xmlns:a16="http://schemas.microsoft.com/office/drawing/2014/main" id="{E9A4ABF0-EDA0-4901-BDEC-7490411D7376}"/>
+              </a:ext>
+            </a:extLst>
+          </p:cNvPr>
+          <p:cNvPicPr>
+            <a:picLocks noChangeAspect="1"/>
+          </p:cNvPicPr>
+          <p:nvPr/>
+        </p:nvPicPr>
+        <p:blipFill rotWithShape="1">
+          <a:blip r:embed="rId3">
+            <a:extLst>
+              <a:ext uri="{28A0092B-C50C-407E-A947-70E740481C1C}">
+                <a14:useLocalDpi xmlns:a14="http://schemas.microsoft.com/office/drawing/2010/main" val="0"/>
+              </a:ext>
+            </a:extLst>
+          </a:blip>
+          <a:srcRect b="9051"/>
+          <a:stretch/>
+        </p:blipFill>
+        <p:spPr>
+          <a:xfrm>
+            <a:off x="0" y="0"/>
+            <a:ext cx="12192000" cy="6856465"/>
+          </a:xfrm>
+          <a:prstGeom prst="rect">
+            <a:avLst/>
+          </a:prstGeom>
+        </p:spPr>
+      </p:pic>
       <p:sp>
         <p:nvSpPr>
           <p:cNvPr id="2" name="標題 1">
             <a:extLst>
               <a:ext uri="{FF2B5EF4-FFF2-40B4-BE49-F238E27FC236}">
-                <a16:creationId xmlns:a16="http://schemas.microsoft.com/office/drawing/2014/main" id="{32532283-9F93-4E44-8138-32796965361F}"/>
+                <a16:creationId xmlns:a16="http://schemas.microsoft.com/office/drawing/2014/main" id="{DA5A5956-92A0-0D7C-C2FE-741DAAE4B44A}"/>
               </a:ext>
             </a:extLst>
           </p:cNvPr>
@@ -3337,54 +4835,1250 @@
             <p:ph type="ctrTitle"/>
           </p:nvPr>
         </p:nvSpPr>
-        <p:spPr/>
-        <p:txBody>
-          <a:bodyPr/>
-          <a:lstStyle/>
-          <a:p>
-            <a:endParaRPr lang="zh-TW" altLang="en-US"/>
-          </a:p>
-        </p:txBody>
-      </p:sp>
-      <p:sp>
-        <p:nvSpPr>
-          <p:cNvPr id="3" name="副標題 2">
-            <a:extLst>
-              <a:ext uri="{FF2B5EF4-FFF2-40B4-BE49-F238E27FC236}">
-                <a16:creationId xmlns:a16="http://schemas.microsoft.com/office/drawing/2014/main" id="{8C946F38-524D-4B98-B9CB-80AEE57E455A}"/>
-              </a:ext>
-            </a:extLst>
-          </p:cNvPr>
-          <p:cNvSpPr>
-            <a:spLocks noGrp="1"/>
-          </p:cNvSpPr>
-          <p:nvPr>
-            <p:ph type="subTitle" idx="1"/>
-          </p:nvPr>
-        </p:nvSpPr>
-        <p:spPr/>
-        <p:txBody>
-          <a:bodyPr/>
-          <a:lstStyle/>
-          <a:p>
-            <a:endParaRPr lang="zh-TW" altLang="en-US"/>
+        <p:spPr>
+          <a:xfrm>
+            <a:off x="737118" y="1047848"/>
+            <a:ext cx="3912920" cy="997526"/>
+          </a:xfrm>
+        </p:spPr>
+        <p:txBody>
+          <a:bodyPr>
+            <a:normAutofit/>
+          </a:bodyPr>
+          <a:lstStyle/>
+          <a:p>
+            <a:r>
+              <a:rPr lang="zh-TW" altLang="en-US" sz="6000" dirty="0">
+                <a:solidFill>
+                  <a:srgbClr val="FF0000"/>
+                </a:solidFill>
+                <a:latin typeface="標楷體" panose="03000509000000000000" pitchFamily="65" charset="-120"/>
+                <a:ea typeface="標楷體" panose="03000509000000000000" pitchFamily="65" charset="-120"/>
+              </a:rPr>
+              <a:t>職場故事</a:t>
+            </a:r>
           </a:p>
         </p:txBody>
       </p:sp>
     </p:spTree>
     <p:extLst>
       <p:ext uri="{BB962C8B-B14F-4D97-AF65-F5344CB8AC3E}">
-        <p14:creationId xmlns:p14="http://schemas.microsoft.com/office/powerpoint/2010/main" val="1328321055"/>
+        <p14:creationId xmlns:p14="http://schemas.microsoft.com/office/powerpoint/2010/main" val="1828707433"/>
       </p:ext>
     </p:extLst>
   </p:cSld>
   <p:clrMapOvr>
     <a:masterClrMapping/>
   </p:clrMapOvr>
+  <p:transition spd="slow">
+    <p:push dir="u"/>
+  </p:transition>
+</p:sld>
+</file>
+
+<file path=ppt/slides/slide2.xml><?xml version="1.0" encoding="utf-8"?>
+<p:sld xmlns:a="http://schemas.openxmlformats.org/drawingml/2006/main" xmlns:r="http://schemas.openxmlformats.org/officeDocument/2006/relationships" xmlns:p="http://schemas.openxmlformats.org/presentationml/2006/main">
+  <p:cSld>
+    <p:spTree>
+      <p:nvGrpSpPr>
+        <p:cNvPr id="1" name=""/>
+        <p:cNvGrpSpPr/>
+        <p:nvPr/>
+      </p:nvGrpSpPr>
+      <p:grpSpPr>
+        <a:xfrm>
+          <a:off x="0" y="0"/>
+          <a:ext cx="0" cy="0"/>
+          <a:chOff x="0" y="0"/>
+          <a:chExt cx="0" cy="0"/>
+        </a:xfrm>
+      </p:grpSpPr>
+      <p:pic>
+        <p:nvPicPr>
+          <p:cNvPr id="4" name="圖片 3">
+            <a:extLst>
+              <a:ext uri="{FF2B5EF4-FFF2-40B4-BE49-F238E27FC236}">
+                <a16:creationId xmlns:a16="http://schemas.microsoft.com/office/drawing/2014/main" id="{E9A4ABF0-EDA0-4901-BDEC-7490411D7376}"/>
+              </a:ext>
+            </a:extLst>
+          </p:cNvPr>
+          <p:cNvPicPr>
+            <a:picLocks noChangeAspect="1"/>
+          </p:cNvPicPr>
+          <p:nvPr/>
+        </p:nvPicPr>
+        <p:blipFill>
+          <a:blip r:embed="rId3">
+            <a:extLst>
+              <a:ext uri="{28A0092B-C50C-407E-A947-70E740481C1C}">
+                <a14:useLocalDpi xmlns:a14="http://schemas.microsoft.com/office/drawing/2010/main" val="0"/>
+              </a:ext>
+            </a:extLst>
+          </a:blip>
+          <a:srcRect/>
+          <a:stretch/>
+        </p:blipFill>
+        <p:spPr>
+          <a:xfrm>
+            <a:off x="0" y="-639520"/>
+            <a:ext cx="12192000" cy="8137041"/>
+          </a:xfrm>
+          <a:prstGeom prst="rect">
+            <a:avLst/>
+          </a:prstGeom>
+        </p:spPr>
+      </p:pic>
+      <p:sp>
+        <p:nvSpPr>
+          <p:cNvPr id="2" name="標題 1">
+            <a:extLst>
+              <a:ext uri="{FF2B5EF4-FFF2-40B4-BE49-F238E27FC236}">
+                <a16:creationId xmlns:a16="http://schemas.microsoft.com/office/drawing/2014/main" id="{DA5A5956-92A0-0D7C-C2FE-741DAAE4B44A}"/>
+              </a:ext>
+            </a:extLst>
+          </p:cNvPr>
+          <p:cNvSpPr>
+            <a:spLocks noGrp="1"/>
+          </p:cNvSpPr>
+          <p:nvPr>
+            <p:ph type="ctrTitle"/>
+          </p:nvPr>
+        </p:nvSpPr>
+        <p:spPr>
+          <a:xfrm>
+            <a:off x="737118" y="1047848"/>
+            <a:ext cx="3912920" cy="997526"/>
+          </a:xfrm>
+        </p:spPr>
+        <p:txBody>
+          <a:bodyPr>
+            <a:normAutofit/>
+          </a:bodyPr>
+          <a:lstStyle/>
+          <a:p>
+            <a:r>
+              <a:rPr lang="en-US" altLang="zh-TW" sz="6000" dirty="0">
+                <a:solidFill>
+                  <a:srgbClr val="FF0000"/>
+                </a:solidFill>
+                <a:latin typeface="標楷體" panose="03000509000000000000" pitchFamily="65" charset="-120"/>
+                <a:ea typeface="標楷體" panose="03000509000000000000" pitchFamily="65" charset="-120"/>
+              </a:rPr>
+              <a:t>1.</a:t>
+            </a:r>
+            <a:r>
+              <a:rPr lang="zh-TW" altLang="en-US" sz="6000" dirty="0">
+                <a:solidFill>
+                  <a:srgbClr val="FF0000"/>
+                </a:solidFill>
+                <a:latin typeface="標楷體" panose="03000509000000000000" pitchFamily="65" charset="-120"/>
+                <a:ea typeface="標楷體" panose="03000509000000000000" pitchFamily="65" charset="-120"/>
+              </a:rPr>
+              <a:t>目標</a:t>
+            </a:r>
+          </a:p>
+        </p:txBody>
+      </p:sp>
+    </p:spTree>
+    <p:extLst>
+      <p:ext uri="{BB962C8B-B14F-4D97-AF65-F5344CB8AC3E}">
+        <p14:creationId xmlns:p14="http://schemas.microsoft.com/office/powerpoint/2010/main" val="407347517"/>
+      </p:ext>
+    </p:extLst>
+  </p:cSld>
+  <p:clrMapOvr>
+    <a:masterClrMapping/>
+  </p:clrMapOvr>
+  <p:transition spd="slow">
+    <p:push dir="u"/>
+  </p:transition>
+</p:sld>
+</file>
+
+<file path=ppt/slides/slide3.xml><?xml version="1.0" encoding="utf-8"?>
+<p:sld xmlns:a="http://schemas.openxmlformats.org/drawingml/2006/main" xmlns:r="http://schemas.openxmlformats.org/officeDocument/2006/relationships" xmlns:p="http://schemas.openxmlformats.org/presentationml/2006/main">
+  <p:cSld>
+    <p:spTree>
+      <p:nvGrpSpPr>
+        <p:cNvPr id="1" name=""/>
+        <p:cNvGrpSpPr/>
+        <p:nvPr/>
+      </p:nvGrpSpPr>
+      <p:grpSpPr>
+        <a:xfrm>
+          <a:off x="0" y="0"/>
+          <a:ext cx="0" cy="0"/>
+          <a:chOff x="0" y="0"/>
+          <a:chExt cx="0" cy="0"/>
+        </a:xfrm>
+      </p:grpSpPr>
+      <p:pic>
+        <p:nvPicPr>
+          <p:cNvPr id="4" name="圖片 3">
+            <a:extLst>
+              <a:ext uri="{FF2B5EF4-FFF2-40B4-BE49-F238E27FC236}">
+                <a16:creationId xmlns:a16="http://schemas.microsoft.com/office/drawing/2014/main" id="{E9A4ABF0-EDA0-4901-BDEC-7490411D7376}"/>
+              </a:ext>
+            </a:extLst>
+          </p:cNvPr>
+          <p:cNvPicPr>
+            <a:picLocks noChangeAspect="1"/>
+          </p:cNvPicPr>
+          <p:nvPr/>
+        </p:nvPicPr>
+        <p:blipFill>
+          <a:blip r:embed="rId3">
+            <a:extLst>
+              <a:ext uri="{28A0092B-C50C-407E-A947-70E740481C1C}">
+                <a14:useLocalDpi xmlns:a14="http://schemas.microsoft.com/office/drawing/2010/main" val="0"/>
+              </a:ext>
+            </a:extLst>
+          </a:blip>
+          <a:srcRect/>
+          <a:stretch/>
+        </p:blipFill>
+        <p:spPr>
+          <a:xfrm>
+            <a:off x="1" y="13874"/>
+            <a:ext cx="12192000" cy="6830252"/>
+          </a:xfrm>
+          <a:prstGeom prst="rect">
+            <a:avLst/>
+          </a:prstGeom>
+        </p:spPr>
+      </p:pic>
+      <p:sp>
+        <p:nvSpPr>
+          <p:cNvPr id="2" name="標題 1">
+            <a:extLst>
+              <a:ext uri="{FF2B5EF4-FFF2-40B4-BE49-F238E27FC236}">
+                <a16:creationId xmlns:a16="http://schemas.microsoft.com/office/drawing/2014/main" id="{DA5A5956-92A0-0D7C-C2FE-741DAAE4B44A}"/>
+              </a:ext>
+            </a:extLst>
+          </p:cNvPr>
+          <p:cNvSpPr>
+            <a:spLocks noGrp="1"/>
+          </p:cNvSpPr>
+          <p:nvPr>
+            <p:ph type="ctrTitle"/>
+          </p:nvPr>
+        </p:nvSpPr>
+        <p:spPr>
+          <a:xfrm>
+            <a:off x="737118" y="1047848"/>
+            <a:ext cx="3912920" cy="997526"/>
+          </a:xfrm>
+        </p:spPr>
+        <p:txBody>
+          <a:bodyPr>
+            <a:normAutofit/>
+          </a:bodyPr>
+          <a:lstStyle/>
+          <a:p>
+            <a:r>
+              <a:rPr lang="en-US" altLang="zh-TW" sz="6000" dirty="0">
+                <a:solidFill>
+                  <a:srgbClr val="FF0000"/>
+                </a:solidFill>
+                <a:latin typeface="標楷體" panose="03000509000000000000" pitchFamily="65" charset="-120"/>
+                <a:ea typeface="標楷體" panose="03000509000000000000" pitchFamily="65" charset="-120"/>
+              </a:rPr>
+              <a:t>2.</a:t>
+            </a:r>
+            <a:r>
+              <a:rPr lang="zh-TW" altLang="en-US" sz="6000" dirty="0">
+                <a:solidFill>
+                  <a:srgbClr val="FF0000"/>
+                </a:solidFill>
+                <a:latin typeface="標楷體" panose="03000509000000000000" pitchFamily="65" charset="-120"/>
+                <a:ea typeface="標楷體" panose="03000509000000000000" pitchFamily="65" charset="-120"/>
+              </a:rPr>
+              <a:t>阻礙</a:t>
+            </a:r>
+          </a:p>
+        </p:txBody>
+      </p:sp>
+    </p:spTree>
+    <p:extLst>
+      <p:ext uri="{BB962C8B-B14F-4D97-AF65-F5344CB8AC3E}">
+        <p14:creationId xmlns:p14="http://schemas.microsoft.com/office/powerpoint/2010/main" val="2994646608"/>
+      </p:ext>
+    </p:extLst>
+  </p:cSld>
+  <p:clrMapOvr>
+    <a:masterClrMapping/>
+  </p:clrMapOvr>
+  <p:transition spd="slow">
+    <p:push dir="u"/>
+  </p:transition>
+</p:sld>
+</file>
+
+<file path=ppt/slides/slide4.xml><?xml version="1.0" encoding="utf-8"?>
+<p:sld xmlns:a="http://schemas.openxmlformats.org/drawingml/2006/main" xmlns:r="http://schemas.openxmlformats.org/officeDocument/2006/relationships" xmlns:p="http://schemas.openxmlformats.org/presentationml/2006/main">
+  <p:cSld>
+    <p:spTree>
+      <p:nvGrpSpPr>
+        <p:cNvPr id="1" name=""/>
+        <p:cNvGrpSpPr/>
+        <p:nvPr/>
+      </p:nvGrpSpPr>
+      <p:grpSpPr>
+        <a:xfrm>
+          <a:off x="0" y="0"/>
+          <a:ext cx="0" cy="0"/>
+          <a:chOff x="0" y="0"/>
+          <a:chExt cx="0" cy="0"/>
+        </a:xfrm>
+      </p:grpSpPr>
+      <p:pic>
+        <p:nvPicPr>
+          <p:cNvPr id="4" name="圖片 3">
+            <a:extLst>
+              <a:ext uri="{FF2B5EF4-FFF2-40B4-BE49-F238E27FC236}">
+                <a16:creationId xmlns:a16="http://schemas.microsoft.com/office/drawing/2014/main" id="{E9A4ABF0-EDA0-4901-BDEC-7490411D7376}"/>
+              </a:ext>
+            </a:extLst>
+          </p:cNvPr>
+          <p:cNvPicPr>
+            <a:picLocks noChangeAspect="1"/>
+          </p:cNvPicPr>
+          <p:nvPr/>
+        </p:nvPicPr>
+        <p:blipFill>
+          <a:blip r:embed="rId3">
+            <a:extLst>
+              <a:ext uri="{28A0092B-C50C-407E-A947-70E740481C1C}">
+                <a14:useLocalDpi xmlns:a14="http://schemas.microsoft.com/office/drawing/2010/main" val="0"/>
+              </a:ext>
+            </a:extLst>
+          </a:blip>
+          <a:srcRect t="11343" b="11343"/>
+          <a:stretch/>
+        </p:blipFill>
+        <p:spPr>
+          <a:xfrm>
+            <a:off x="0" y="27748"/>
+            <a:ext cx="12192000" cy="6830252"/>
+          </a:xfrm>
+          <a:prstGeom prst="rect">
+            <a:avLst/>
+          </a:prstGeom>
+        </p:spPr>
+      </p:pic>
+      <p:sp>
+        <p:nvSpPr>
+          <p:cNvPr id="2" name="標題 1">
+            <a:extLst>
+              <a:ext uri="{FF2B5EF4-FFF2-40B4-BE49-F238E27FC236}">
+                <a16:creationId xmlns:a16="http://schemas.microsoft.com/office/drawing/2014/main" id="{DA5A5956-92A0-0D7C-C2FE-741DAAE4B44A}"/>
+              </a:ext>
+            </a:extLst>
+          </p:cNvPr>
+          <p:cNvSpPr>
+            <a:spLocks noGrp="1"/>
+          </p:cNvSpPr>
+          <p:nvPr>
+            <p:ph type="ctrTitle"/>
+          </p:nvPr>
+        </p:nvSpPr>
+        <p:spPr>
+          <a:xfrm>
+            <a:off x="737118" y="1047848"/>
+            <a:ext cx="3912920" cy="997526"/>
+          </a:xfrm>
+        </p:spPr>
+        <p:txBody>
+          <a:bodyPr>
+            <a:normAutofit/>
+          </a:bodyPr>
+          <a:lstStyle/>
+          <a:p>
+            <a:r>
+              <a:rPr lang="en-US" altLang="zh-TW" sz="6000" dirty="0">
+                <a:solidFill>
+                  <a:srgbClr val="FF0000"/>
+                </a:solidFill>
+                <a:latin typeface="標楷體" panose="03000509000000000000" pitchFamily="65" charset="-120"/>
+                <a:ea typeface="標楷體" panose="03000509000000000000" pitchFamily="65" charset="-120"/>
+              </a:rPr>
+              <a:t>3.</a:t>
+            </a:r>
+            <a:r>
+              <a:rPr lang="zh-TW" altLang="en-US" sz="6000" dirty="0">
+                <a:solidFill>
+                  <a:srgbClr val="FF0000"/>
+                </a:solidFill>
+                <a:latin typeface="標楷體" panose="03000509000000000000" pitchFamily="65" charset="-120"/>
+                <a:ea typeface="標楷體" panose="03000509000000000000" pitchFamily="65" charset="-120"/>
+              </a:rPr>
+              <a:t>努力</a:t>
+            </a:r>
+          </a:p>
+        </p:txBody>
+      </p:sp>
+    </p:spTree>
+    <p:extLst>
+      <p:ext uri="{BB962C8B-B14F-4D97-AF65-F5344CB8AC3E}">
+        <p14:creationId xmlns:p14="http://schemas.microsoft.com/office/powerpoint/2010/main" val="3316078120"/>
+      </p:ext>
+    </p:extLst>
+  </p:cSld>
+  <p:clrMapOvr>
+    <a:masterClrMapping/>
+  </p:clrMapOvr>
+  <p:transition spd="slow">
+    <p:push dir="u"/>
+  </p:transition>
+</p:sld>
+</file>
+
+<file path=ppt/slides/slide5.xml><?xml version="1.0" encoding="utf-8"?>
+<p:sld xmlns:a="http://schemas.openxmlformats.org/drawingml/2006/main" xmlns:r="http://schemas.openxmlformats.org/officeDocument/2006/relationships" xmlns:p="http://schemas.openxmlformats.org/presentationml/2006/main">
+  <p:cSld>
+    <p:spTree>
+      <p:nvGrpSpPr>
+        <p:cNvPr id="1" name=""/>
+        <p:cNvGrpSpPr/>
+        <p:nvPr/>
+      </p:nvGrpSpPr>
+      <p:grpSpPr>
+        <a:xfrm>
+          <a:off x="0" y="0"/>
+          <a:ext cx="0" cy="0"/>
+          <a:chOff x="0" y="0"/>
+          <a:chExt cx="0" cy="0"/>
+        </a:xfrm>
+      </p:grpSpPr>
+      <p:pic>
+        <p:nvPicPr>
+          <p:cNvPr id="4" name="圖片 3">
+            <a:extLst>
+              <a:ext uri="{FF2B5EF4-FFF2-40B4-BE49-F238E27FC236}">
+                <a16:creationId xmlns:a16="http://schemas.microsoft.com/office/drawing/2014/main" id="{E9A4ABF0-EDA0-4901-BDEC-7490411D7376}"/>
+              </a:ext>
+            </a:extLst>
+          </p:cNvPr>
+          <p:cNvPicPr>
+            <a:picLocks noChangeAspect="1"/>
+          </p:cNvPicPr>
+          <p:nvPr/>
+        </p:nvPicPr>
+        <p:blipFill>
+          <a:blip r:embed="rId3">
+            <a:extLst>
+              <a:ext uri="{28A0092B-C50C-407E-A947-70E740481C1C}">
+                <a14:useLocalDpi xmlns:a14="http://schemas.microsoft.com/office/drawing/2010/main" val="0"/>
+              </a:ext>
+            </a:extLst>
+          </a:blip>
+          <a:srcRect/>
+          <a:stretch/>
+        </p:blipFill>
+        <p:spPr>
+          <a:xfrm>
+            <a:off x="0" y="13874"/>
+            <a:ext cx="12191999" cy="6830252"/>
+          </a:xfrm>
+          <a:prstGeom prst="rect">
+            <a:avLst/>
+          </a:prstGeom>
+        </p:spPr>
+      </p:pic>
+      <p:sp>
+        <p:nvSpPr>
+          <p:cNvPr id="2" name="標題 1">
+            <a:extLst>
+              <a:ext uri="{FF2B5EF4-FFF2-40B4-BE49-F238E27FC236}">
+                <a16:creationId xmlns:a16="http://schemas.microsoft.com/office/drawing/2014/main" id="{DA5A5956-92A0-0D7C-C2FE-741DAAE4B44A}"/>
+              </a:ext>
+            </a:extLst>
+          </p:cNvPr>
+          <p:cNvSpPr>
+            <a:spLocks noGrp="1"/>
+          </p:cNvSpPr>
+          <p:nvPr>
+            <p:ph type="ctrTitle"/>
+          </p:nvPr>
+        </p:nvSpPr>
+        <p:spPr>
+          <a:xfrm>
+            <a:off x="737118" y="1047848"/>
+            <a:ext cx="3912920" cy="997526"/>
+          </a:xfrm>
+        </p:spPr>
+        <p:txBody>
+          <a:bodyPr>
+            <a:normAutofit/>
+          </a:bodyPr>
+          <a:lstStyle/>
+          <a:p>
+            <a:r>
+              <a:rPr lang="en-US" altLang="zh-TW" sz="6000" dirty="0">
+                <a:solidFill>
+                  <a:srgbClr val="FF0000"/>
+                </a:solidFill>
+                <a:latin typeface="標楷體" panose="03000509000000000000" pitchFamily="65" charset="-120"/>
+                <a:ea typeface="標楷體" panose="03000509000000000000" pitchFamily="65" charset="-120"/>
+              </a:rPr>
+              <a:t>4.</a:t>
+            </a:r>
+            <a:r>
+              <a:rPr lang="zh-TW" altLang="en-US" sz="6000" dirty="0">
+                <a:solidFill>
+                  <a:srgbClr val="FF0000"/>
+                </a:solidFill>
+                <a:latin typeface="標楷體" panose="03000509000000000000" pitchFamily="65" charset="-120"/>
+                <a:ea typeface="標楷體" panose="03000509000000000000" pitchFamily="65" charset="-120"/>
+              </a:rPr>
+              <a:t>結果</a:t>
+            </a:r>
+          </a:p>
+        </p:txBody>
+      </p:sp>
+    </p:spTree>
+    <p:extLst>
+      <p:ext uri="{BB962C8B-B14F-4D97-AF65-F5344CB8AC3E}">
+        <p14:creationId xmlns:p14="http://schemas.microsoft.com/office/powerpoint/2010/main" val="4006846862"/>
+      </p:ext>
+    </p:extLst>
+  </p:cSld>
+  <p:clrMapOvr>
+    <a:masterClrMapping/>
+  </p:clrMapOvr>
+  <p:transition spd="slow">
+    <p:push dir="u"/>
+  </p:transition>
+</p:sld>
+</file>
+
+<file path=ppt/slides/slide6.xml><?xml version="1.0" encoding="utf-8"?>
+<p:sld xmlns:a="http://schemas.openxmlformats.org/drawingml/2006/main" xmlns:r="http://schemas.openxmlformats.org/officeDocument/2006/relationships" xmlns:p="http://schemas.openxmlformats.org/presentationml/2006/main">
+  <p:cSld>
+    <p:spTree>
+      <p:nvGrpSpPr>
+        <p:cNvPr id="1" name=""/>
+        <p:cNvGrpSpPr/>
+        <p:nvPr/>
+      </p:nvGrpSpPr>
+      <p:grpSpPr>
+        <a:xfrm>
+          <a:off x="0" y="0"/>
+          <a:ext cx="0" cy="0"/>
+          <a:chOff x="0" y="0"/>
+          <a:chExt cx="0" cy="0"/>
+        </a:xfrm>
+      </p:grpSpPr>
+      <p:pic>
+        <p:nvPicPr>
+          <p:cNvPr id="4" name="圖片 3">
+            <a:extLst>
+              <a:ext uri="{FF2B5EF4-FFF2-40B4-BE49-F238E27FC236}">
+                <a16:creationId xmlns:a16="http://schemas.microsoft.com/office/drawing/2014/main" id="{E9A4ABF0-EDA0-4901-BDEC-7490411D7376}"/>
+              </a:ext>
+            </a:extLst>
+          </p:cNvPr>
+          <p:cNvPicPr>
+            <a:picLocks noChangeAspect="1"/>
+          </p:cNvPicPr>
+          <p:nvPr/>
+        </p:nvPicPr>
+        <p:blipFill>
+          <a:blip r:embed="rId3">
+            <a:extLst>
+              <a:ext uri="{28A0092B-C50C-407E-A947-70E740481C1C}">
+                <a14:useLocalDpi xmlns:a14="http://schemas.microsoft.com/office/drawing/2010/main" val="0"/>
+              </a:ext>
+            </a:extLst>
+          </a:blip>
+          <a:srcRect/>
+          <a:stretch/>
+        </p:blipFill>
+        <p:spPr>
+          <a:xfrm>
+            <a:off x="0" y="13874"/>
+            <a:ext cx="12192000" cy="6830252"/>
+          </a:xfrm>
+          <a:prstGeom prst="rect">
+            <a:avLst/>
+          </a:prstGeom>
+        </p:spPr>
+      </p:pic>
+      <p:sp>
+        <p:nvSpPr>
+          <p:cNvPr id="2" name="標題 1">
+            <a:extLst>
+              <a:ext uri="{FF2B5EF4-FFF2-40B4-BE49-F238E27FC236}">
+                <a16:creationId xmlns:a16="http://schemas.microsoft.com/office/drawing/2014/main" id="{DA5A5956-92A0-0D7C-C2FE-741DAAE4B44A}"/>
+              </a:ext>
+            </a:extLst>
+          </p:cNvPr>
+          <p:cNvSpPr>
+            <a:spLocks noGrp="1"/>
+          </p:cNvSpPr>
+          <p:nvPr>
+            <p:ph type="ctrTitle"/>
+          </p:nvPr>
+        </p:nvSpPr>
+        <p:spPr>
+          <a:xfrm>
+            <a:off x="737118" y="1047848"/>
+            <a:ext cx="3912920" cy="997526"/>
+          </a:xfrm>
+        </p:spPr>
+        <p:txBody>
+          <a:bodyPr>
+            <a:normAutofit/>
+          </a:bodyPr>
+          <a:lstStyle/>
+          <a:p>
+            <a:r>
+              <a:rPr lang="en-US" altLang="zh-TW" sz="6000" dirty="0">
+                <a:solidFill>
+                  <a:srgbClr val="FF0000"/>
+                </a:solidFill>
+                <a:latin typeface="標楷體" panose="03000509000000000000" pitchFamily="65" charset="-120"/>
+                <a:ea typeface="標楷體" panose="03000509000000000000" pitchFamily="65" charset="-120"/>
+              </a:rPr>
+              <a:t>5.</a:t>
+            </a:r>
+            <a:r>
+              <a:rPr lang="zh-TW" altLang="en-US" sz="6000" dirty="0">
+                <a:solidFill>
+                  <a:srgbClr val="FF0000"/>
+                </a:solidFill>
+                <a:latin typeface="標楷體" panose="03000509000000000000" pitchFamily="65" charset="-120"/>
+                <a:ea typeface="標楷體" panose="03000509000000000000" pitchFamily="65" charset="-120"/>
+              </a:rPr>
+              <a:t>意外</a:t>
+            </a:r>
+          </a:p>
+        </p:txBody>
+      </p:sp>
+    </p:spTree>
+    <p:extLst>
+      <p:ext uri="{BB962C8B-B14F-4D97-AF65-F5344CB8AC3E}">
+        <p14:creationId xmlns:p14="http://schemas.microsoft.com/office/powerpoint/2010/main" val="1451519743"/>
+      </p:ext>
+    </p:extLst>
+  </p:cSld>
+  <p:clrMapOvr>
+    <a:masterClrMapping/>
+  </p:clrMapOvr>
+  <p:transition spd="slow">
+    <p:push dir="u"/>
+  </p:transition>
+</p:sld>
+</file>
+
+<file path=ppt/slides/slide7.xml><?xml version="1.0" encoding="utf-8"?>
+<p:sld xmlns:a="http://schemas.openxmlformats.org/drawingml/2006/main" xmlns:r="http://schemas.openxmlformats.org/officeDocument/2006/relationships" xmlns:p="http://schemas.openxmlformats.org/presentationml/2006/main">
+  <p:cSld>
+    <p:spTree>
+      <p:nvGrpSpPr>
+        <p:cNvPr id="1" name=""/>
+        <p:cNvGrpSpPr/>
+        <p:nvPr/>
+      </p:nvGrpSpPr>
+      <p:grpSpPr>
+        <a:xfrm>
+          <a:off x="0" y="0"/>
+          <a:ext cx="0" cy="0"/>
+          <a:chOff x="0" y="0"/>
+          <a:chExt cx="0" cy="0"/>
+        </a:xfrm>
+      </p:grpSpPr>
+      <p:pic>
+        <p:nvPicPr>
+          <p:cNvPr id="4" name="圖片 3">
+            <a:extLst>
+              <a:ext uri="{FF2B5EF4-FFF2-40B4-BE49-F238E27FC236}">
+                <a16:creationId xmlns:a16="http://schemas.microsoft.com/office/drawing/2014/main" id="{E9A4ABF0-EDA0-4901-BDEC-7490411D7376}"/>
+              </a:ext>
+            </a:extLst>
+          </p:cNvPr>
+          <p:cNvPicPr>
+            <a:picLocks noChangeAspect="1"/>
+          </p:cNvPicPr>
+          <p:nvPr/>
+        </p:nvPicPr>
+        <p:blipFill rotWithShape="1">
+          <a:blip r:embed="rId3">
+            <a:extLst>
+              <a:ext uri="{28A0092B-C50C-407E-A947-70E740481C1C}">
+                <a14:useLocalDpi xmlns:a14="http://schemas.microsoft.com/office/drawing/2010/main" val="0"/>
+              </a:ext>
+            </a:extLst>
+          </a:blip>
+          <a:srcRect l="190" r="190"/>
+          <a:stretch/>
+        </p:blipFill>
+        <p:spPr>
+          <a:xfrm>
+            <a:off x="0" y="13874"/>
+            <a:ext cx="12192000" cy="6844126"/>
+          </a:xfrm>
+          <a:prstGeom prst="rect">
+            <a:avLst/>
+          </a:prstGeom>
+        </p:spPr>
+      </p:pic>
+      <p:sp>
+        <p:nvSpPr>
+          <p:cNvPr id="2" name="標題 1">
+            <a:extLst>
+              <a:ext uri="{FF2B5EF4-FFF2-40B4-BE49-F238E27FC236}">
+                <a16:creationId xmlns:a16="http://schemas.microsoft.com/office/drawing/2014/main" id="{DA5A5956-92A0-0D7C-C2FE-741DAAE4B44A}"/>
+              </a:ext>
+            </a:extLst>
+          </p:cNvPr>
+          <p:cNvSpPr>
+            <a:spLocks noGrp="1"/>
+          </p:cNvSpPr>
+          <p:nvPr>
+            <p:ph type="ctrTitle"/>
+          </p:nvPr>
+        </p:nvSpPr>
+        <p:spPr>
+          <a:xfrm>
+            <a:off x="737118" y="1047848"/>
+            <a:ext cx="3912920" cy="997526"/>
+          </a:xfrm>
+        </p:spPr>
+        <p:txBody>
+          <a:bodyPr>
+            <a:normAutofit/>
+          </a:bodyPr>
+          <a:lstStyle/>
+          <a:p>
+            <a:r>
+              <a:rPr lang="en-US" altLang="zh-TW" sz="6000" dirty="0">
+                <a:solidFill>
+                  <a:srgbClr val="FF0000"/>
+                </a:solidFill>
+                <a:latin typeface="標楷體" panose="03000509000000000000" pitchFamily="65" charset="-120"/>
+                <a:ea typeface="標楷體" panose="03000509000000000000" pitchFamily="65" charset="-120"/>
+              </a:rPr>
+              <a:t>6.</a:t>
+            </a:r>
+            <a:r>
+              <a:rPr lang="zh-TW" altLang="en-US" sz="6000" dirty="0">
+                <a:solidFill>
+                  <a:srgbClr val="FF0000"/>
+                </a:solidFill>
+                <a:latin typeface="標楷體" panose="03000509000000000000" pitchFamily="65" charset="-120"/>
+                <a:ea typeface="標楷體" panose="03000509000000000000" pitchFamily="65" charset="-120"/>
+              </a:rPr>
+              <a:t>轉彎</a:t>
+            </a:r>
+          </a:p>
+        </p:txBody>
+      </p:sp>
+    </p:spTree>
+    <p:extLst>
+      <p:ext uri="{BB962C8B-B14F-4D97-AF65-F5344CB8AC3E}">
+        <p14:creationId xmlns:p14="http://schemas.microsoft.com/office/powerpoint/2010/main" val="3041698247"/>
+      </p:ext>
+    </p:extLst>
+  </p:cSld>
+  <p:clrMapOvr>
+    <a:masterClrMapping/>
+  </p:clrMapOvr>
+  <p:transition spd="slow">
+    <p:push dir="u"/>
+  </p:transition>
+</p:sld>
+</file>
+
+<file path=ppt/slides/slide8.xml><?xml version="1.0" encoding="utf-8"?>
+<p:sld xmlns:a="http://schemas.openxmlformats.org/drawingml/2006/main" xmlns:r="http://schemas.openxmlformats.org/officeDocument/2006/relationships" xmlns:p="http://schemas.openxmlformats.org/presentationml/2006/main">
+  <p:cSld>
+    <p:spTree>
+      <p:nvGrpSpPr>
+        <p:cNvPr id="1" name=""/>
+        <p:cNvGrpSpPr/>
+        <p:nvPr/>
+      </p:nvGrpSpPr>
+      <p:grpSpPr>
+        <a:xfrm>
+          <a:off x="0" y="0"/>
+          <a:ext cx="0" cy="0"/>
+          <a:chOff x="0" y="0"/>
+          <a:chExt cx="0" cy="0"/>
+        </a:xfrm>
+      </p:grpSpPr>
+      <p:pic>
+        <p:nvPicPr>
+          <p:cNvPr id="4" name="圖片 3">
+            <a:extLst>
+              <a:ext uri="{FF2B5EF4-FFF2-40B4-BE49-F238E27FC236}">
+                <a16:creationId xmlns:a16="http://schemas.microsoft.com/office/drawing/2014/main" id="{E9A4ABF0-EDA0-4901-BDEC-7490411D7376}"/>
+              </a:ext>
+            </a:extLst>
+          </p:cNvPr>
+          <p:cNvPicPr>
+            <a:picLocks noChangeAspect="1"/>
+          </p:cNvPicPr>
+          <p:nvPr/>
+        </p:nvPicPr>
+        <p:blipFill>
+          <a:blip r:embed="rId3">
+            <a:extLst>
+              <a:ext uri="{28A0092B-C50C-407E-A947-70E740481C1C}">
+                <a14:useLocalDpi xmlns:a14="http://schemas.microsoft.com/office/drawing/2010/main" val="0"/>
+              </a:ext>
+            </a:extLst>
+          </a:blip>
+          <a:srcRect l="2958" r="2958"/>
+          <a:stretch/>
+        </p:blipFill>
+        <p:spPr>
+          <a:xfrm>
+            <a:off x="0" y="13873"/>
+            <a:ext cx="12191999" cy="7069709"/>
+          </a:xfrm>
+          <a:prstGeom prst="rect">
+            <a:avLst/>
+          </a:prstGeom>
+        </p:spPr>
+      </p:pic>
+      <p:sp>
+        <p:nvSpPr>
+          <p:cNvPr id="2" name="標題 1">
+            <a:extLst>
+              <a:ext uri="{FF2B5EF4-FFF2-40B4-BE49-F238E27FC236}">
+                <a16:creationId xmlns:a16="http://schemas.microsoft.com/office/drawing/2014/main" id="{DA5A5956-92A0-0D7C-C2FE-741DAAE4B44A}"/>
+              </a:ext>
+            </a:extLst>
+          </p:cNvPr>
+          <p:cNvSpPr>
+            <a:spLocks noGrp="1"/>
+          </p:cNvSpPr>
+          <p:nvPr>
+            <p:ph type="ctrTitle"/>
+          </p:nvPr>
+        </p:nvSpPr>
+        <p:spPr>
+          <a:xfrm>
+            <a:off x="737118" y="1047848"/>
+            <a:ext cx="3912920" cy="997526"/>
+          </a:xfrm>
+        </p:spPr>
+        <p:txBody>
+          <a:bodyPr>
+            <a:normAutofit/>
+          </a:bodyPr>
+          <a:lstStyle/>
+          <a:p>
+            <a:r>
+              <a:rPr lang="en-US" altLang="zh-TW" sz="6000" dirty="0">
+                <a:solidFill>
+                  <a:srgbClr val="FF0000"/>
+                </a:solidFill>
+                <a:latin typeface="標楷體" panose="03000509000000000000" pitchFamily="65" charset="-120"/>
+                <a:ea typeface="標楷體" panose="03000509000000000000" pitchFamily="65" charset="-120"/>
+              </a:rPr>
+              <a:t>7.</a:t>
+            </a:r>
+            <a:r>
+              <a:rPr lang="zh-TW" altLang="en-US" sz="6000" dirty="0">
+                <a:solidFill>
+                  <a:srgbClr val="FF0000"/>
+                </a:solidFill>
+                <a:latin typeface="標楷體" panose="03000509000000000000" pitchFamily="65" charset="-120"/>
+                <a:ea typeface="標楷體" panose="03000509000000000000" pitchFamily="65" charset="-120"/>
+              </a:rPr>
+              <a:t>結局</a:t>
+            </a:r>
+          </a:p>
+        </p:txBody>
+      </p:sp>
+    </p:spTree>
+    <p:extLst>
+      <p:ext uri="{BB962C8B-B14F-4D97-AF65-F5344CB8AC3E}">
+        <p14:creationId xmlns:p14="http://schemas.microsoft.com/office/powerpoint/2010/main" val="2606137585"/>
+      </p:ext>
+    </p:extLst>
+  </p:cSld>
+  <p:clrMapOvr>
+    <a:masterClrMapping/>
+  </p:clrMapOvr>
+  <p:transition spd="slow">
+    <p:push dir="u"/>
+  </p:transition>
+</p:sld>
+</file>
+
+<file path=ppt/slides/slide9.xml><?xml version="1.0" encoding="utf-8"?>
+<p:sld xmlns:a="http://schemas.openxmlformats.org/drawingml/2006/main" xmlns:r="http://schemas.openxmlformats.org/officeDocument/2006/relationships" xmlns:p="http://schemas.openxmlformats.org/presentationml/2006/main">
+  <p:cSld>
+    <p:spTree>
+      <p:nvGrpSpPr>
+        <p:cNvPr id="1" name=""/>
+        <p:cNvGrpSpPr/>
+        <p:nvPr/>
+      </p:nvGrpSpPr>
+      <p:grpSpPr>
+        <a:xfrm>
+          <a:off x="0" y="0"/>
+          <a:ext cx="0" cy="0"/>
+          <a:chOff x="0" y="0"/>
+          <a:chExt cx="0" cy="0"/>
+        </a:xfrm>
+      </p:grpSpPr>
+      <p:pic>
+        <p:nvPicPr>
+          <p:cNvPr id="4" name="圖片 3">
+            <a:extLst>
+              <a:ext uri="{FF2B5EF4-FFF2-40B4-BE49-F238E27FC236}">
+                <a16:creationId xmlns:a16="http://schemas.microsoft.com/office/drawing/2014/main" id="{E9A4ABF0-EDA0-4901-BDEC-7490411D7376}"/>
+              </a:ext>
+            </a:extLst>
+          </p:cNvPr>
+          <p:cNvPicPr>
+            <a:picLocks noChangeAspect="1"/>
+          </p:cNvPicPr>
+          <p:nvPr/>
+        </p:nvPicPr>
+        <p:blipFill>
+          <a:blip r:embed="rId3">
+            <a:extLst>
+              <a:ext uri="{28A0092B-C50C-407E-A947-70E740481C1C}">
+                <a14:useLocalDpi xmlns:a14="http://schemas.microsoft.com/office/drawing/2010/main" val="0"/>
+              </a:ext>
+            </a:extLst>
+          </a:blip>
+          <a:srcRect/>
+          <a:stretch/>
+        </p:blipFill>
+        <p:spPr>
+          <a:xfrm>
+            <a:off x="0" y="0"/>
+            <a:ext cx="12192000" cy="6858000"/>
+          </a:xfrm>
+          <a:prstGeom prst="rect">
+            <a:avLst/>
+          </a:prstGeom>
+        </p:spPr>
+      </p:pic>
+      <p:sp>
+        <p:nvSpPr>
+          <p:cNvPr id="2" name="標題 1">
+            <a:extLst>
+              <a:ext uri="{FF2B5EF4-FFF2-40B4-BE49-F238E27FC236}">
+                <a16:creationId xmlns:a16="http://schemas.microsoft.com/office/drawing/2014/main" id="{DA5A5956-92A0-0D7C-C2FE-741DAAE4B44A}"/>
+              </a:ext>
+            </a:extLst>
+          </p:cNvPr>
+          <p:cNvSpPr>
+            <a:spLocks noGrp="1"/>
+          </p:cNvSpPr>
+          <p:nvPr>
+            <p:ph type="ctrTitle"/>
+          </p:nvPr>
+        </p:nvSpPr>
+        <p:spPr>
+          <a:xfrm>
+            <a:off x="737118" y="1047848"/>
+            <a:ext cx="3912920" cy="997526"/>
+          </a:xfrm>
+        </p:spPr>
+        <p:txBody>
+          <a:bodyPr>
+            <a:normAutofit/>
+          </a:bodyPr>
+          <a:lstStyle/>
+          <a:p>
+            <a:r>
+              <a:rPr lang="en-US" altLang="zh-TW" sz="6000" dirty="0">
+                <a:solidFill>
+                  <a:srgbClr val="FF0000"/>
+                </a:solidFill>
+                <a:latin typeface="標楷體" panose="03000509000000000000" pitchFamily="65" charset="-120"/>
+                <a:ea typeface="標楷體" panose="03000509000000000000" pitchFamily="65" charset="-120"/>
+              </a:rPr>
+              <a:t>THANK YOU</a:t>
+            </a:r>
+            <a:endParaRPr lang="zh-TW" altLang="en-US" sz="6000" dirty="0">
+              <a:solidFill>
+                <a:srgbClr val="FF0000"/>
+              </a:solidFill>
+              <a:latin typeface="標楷體" panose="03000509000000000000" pitchFamily="65" charset="-120"/>
+              <a:ea typeface="標楷體" panose="03000509000000000000" pitchFamily="65" charset="-120"/>
+            </a:endParaRPr>
+          </a:p>
+        </p:txBody>
+      </p:sp>
+    </p:spTree>
+    <p:extLst>
+      <p:ext uri="{BB962C8B-B14F-4D97-AF65-F5344CB8AC3E}">
+        <p14:creationId xmlns:p14="http://schemas.microsoft.com/office/powerpoint/2010/main" val="3513169015"/>
+      </p:ext>
+    </p:extLst>
+  </p:cSld>
+  <p:clrMapOvr>
+    <a:masterClrMapping/>
+  </p:clrMapOvr>
+  <p:transition spd="slow">
+    <p:push dir="u"/>
+  </p:transition>
 </p:sld>
 </file>
 
 <file path=ppt/theme/theme1.xml><?xml version="1.0" encoding="utf-8"?>
+<a:theme xmlns:a="http://schemas.openxmlformats.org/drawingml/2006/main" name="圖庫">
+  <a:themeElements>
+    <a:clrScheme name="圖庫">
+      <a:dk1>
+        <a:sysClr val="windowText" lastClr="000000"/>
+      </a:dk1>
+      <a:lt1>
+        <a:sysClr val="window" lastClr="FFFFFF"/>
+      </a:lt1>
+      <a:dk2>
+        <a:srgbClr val="454545"/>
+      </a:dk2>
+      <a:lt2>
+        <a:srgbClr val="DFDBD5"/>
+      </a:lt2>
+      <a:accent1>
+        <a:srgbClr val="B71E42"/>
+      </a:accent1>
+      <a:accent2>
+        <a:srgbClr val="DE478E"/>
+      </a:accent2>
+      <a:accent3>
+        <a:srgbClr val="BC72F0"/>
+      </a:accent3>
+      <a:accent4>
+        <a:srgbClr val="795FAF"/>
+      </a:accent4>
+      <a:accent5>
+        <a:srgbClr val="586EA6"/>
+      </a:accent5>
+      <a:accent6>
+        <a:srgbClr val="6892A0"/>
+      </a:accent6>
+      <a:hlink>
+        <a:srgbClr val="FA2B5C"/>
+      </a:hlink>
+      <a:folHlink>
+        <a:srgbClr val="BC658E"/>
+      </a:folHlink>
+    </a:clrScheme>
+    <a:fontScheme name="圖庫">
+      <a:majorFont>
+        <a:latin typeface="Gill Sans MT" panose="020B0502020104020203"/>
+        <a:ea typeface=""/>
+        <a:cs typeface=""/>
+        <a:font script="Jpan" typeface="游ゴシック Light"/>
+        <a:font script="Hang" typeface="맑은 고딕"/>
+        <a:font script="Hans" typeface="等线 Light"/>
+        <a:font script="Hant" typeface="新細明體"/>
+        <a:font script="Arab" typeface="Times New Roman"/>
+        <a:font script="Hebr" typeface="Times New Roman"/>
+        <a:font script="Thai" typeface="Angsana New"/>
+        <a:font script="Ethi" typeface="Nyala"/>
+        <a:font script="Beng" typeface="Vrinda"/>
+        <a:font script="Gujr" typeface="Shruti"/>
+        <a:font script="Khmr" typeface="MoolBoran"/>
+        <a:font script="Knda" typeface="Tunga"/>
+        <a:font script="Guru" typeface="Raavi"/>
+        <a:font script="Cans" typeface="Euphemia"/>
+        <a:font script="Cher" typeface="Plantagenet Cherokee"/>
+        <a:font script="Yiii" typeface="Microsoft Yi Baiti"/>
+        <a:font script="Tibt" typeface="Microsoft Himalaya"/>
+        <a:font script="Thaa" typeface="MV Boli"/>
+        <a:font script="Deva" typeface="Mangal"/>
+        <a:font script="Telu" typeface="Gautami"/>
+        <a:font script="Taml" typeface="Latha"/>
+        <a:font script="Syrc" typeface="Estrangelo Edessa"/>
+        <a:font script="Orya" typeface="Kalinga"/>
+        <a:font script="Mlym" typeface="Kartika"/>
+        <a:font script="Laoo" typeface="DokChampa"/>
+        <a:font script="Sinh" typeface="Iskoola Pota"/>
+        <a:font script="Mong" typeface="Mongolian Baiti"/>
+        <a:font script="Viet" typeface="Times New Roman"/>
+        <a:font script="Uigh" typeface="Microsoft Uighur"/>
+        <a:font script="Geor" typeface="Sylfaen"/>
+      </a:majorFont>
+      <a:minorFont>
+        <a:latin typeface="Gill Sans MT" panose="020B0502020104020203"/>
+        <a:ea typeface=""/>
+        <a:cs typeface=""/>
+        <a:font script="Jpan" typeface="游ゴシック"/>
+        <a:font script="Hang" typeface="맑은 고딕"/>
+        <a:font script="Hans" typeface="等线"/>
+        <a:font script="Hant" typeface="新細明體"/>
+        <a:font script="Arab" typeface="Arial"/>
+        <a:font script="Hebr" typeface="Arial"/>
+        <a:font script="Thai" typeface="Cordia New"/>
+        <a:font script="Ethi" typeface="Nyala"/>
+        <a:font script="Beng" typeface="Vrinda"/>
+        <a:font script="Gujr" typeface="Shruti"/>
+        <a:font script="Khmr" typeface="DaunPenh"/>
+        <a:font script="Knda" typeface="Tunga"/>
+        <a:font script="Guru" typeface="Raavi"/>
+        <a:font script="Cans" typeface="Euphemia"/>
+        <a:font script="Cher" typeface="Plantagenet Cherokee"/>
+        <a:font script="Yiii" typeface="Microsoft Yi Baiti"/>
+        <a:font script="Tibt" typeface="Microsoft Himalaya"/>
+        <a:font script="Thaa" typeface="MV Boli"/>
+        <a:font script="Deva" typeface="Mangal"/>
+        <a:font script="Telu" typeface="Gautami"/>
+        <a:font script="Taml" typeface="Latha"/>
+        <a:font script="Syrc" typeface="Estrangelo Edessa"/>
+        <a:font script="Orya" typeface="Kalinga"/>
+        <a:font script="Mlym" typeface="Kartika"/>
+        <a:font script="Laoo" typeface="DokChampa"/>
+        <a:font script="Sinh" typeface="Iskoola Pota"/>
+        <a:font script="Mong" typeface="Mongolian Baiti"/>
+        <a:font script="Viet" typeface="Arial"/>
+        <a:font script="Uigh" typeface="Microsoft Uighur"/>
+        <a:font script="Geor" typeface="Sylfaen"/>
+      </a:minorFont>
+    </a:fontScheme>
+    <a:fmtScheme name="圖庫">
+      <a:fillStyleLst>
+        <a:solidFill>
+          <a:schemeClr val="phClr"/>
+        </a:solidFill>
+        <a:gradFill rotWithShape="1">
+          <a:gsLst>
+            <a:gs pos="0">
+              <a:schemeClr val="phClr">
+                <a:tint val="54000"/>
+                <a:alpha val="100000"/>
+                <a:satMod val="105000"/>
+                <a:lumMod val="110000"/>
+              </a:schemeClr>
+            </a:gs>
+            <a:gs pos="100000">
+              <a:schemeClr val="phClr">
+                <a:tint val="78000"/>
+                <a:alpha val="92000"/>
+                <a:satMod val="109000"/>
+                <a:lumMod val="100000"/>
+              </a:schemeClr>
+            </a:gs>
+          </a:gsLst>
+          <a:lin ang="5400000" scaled="0"/>
+        </a:gradFill>
+        <a:gradFill rotWithShape="1">
+          <a:gsLst>
+            <a:gs pos="0">
+              <a:schemeClr val="phClr">
+                <a:tint val="98000"/>
+                <a:satMod val="110000"/>
+                <a:lumMod val="104000"/>
+              </a:schemeClr>
+            </a:gs>
+            <a:gs pos="69000">
+              <a:schemeClr val="phClr">
+                <a:shade val="88000"/>
+                <a:satMod val="130000"/>
+                <a:lumMod val="92000"/>
+              </a:schemeClr>
+            </a:gs>
+            <a:gs pos="100000">
+              <a:schemeClr val="phClr">
+                <a:shade val="78000"/>
+                <a:satMod val="130000"/>
+                <a:lumMod val="92000"/>
+              </a:schemeClr>
+            </a:gs>
+          </a:gsLst>
+          <a:lin ang="5400000" scaled="0"/>
+        </a:gradFill>
+      </a:fillStyleLst>
+      <a:lnStyleLst>
+        <a:ln w="9525" cap="flat" cmpd="sng" algn="ctr">
+          <a:solidFill>
+            <a:schemeClr val="phClr"/>
+          </a:solidFill>
+          <a:prstDash val="solid"/>
+        </a:ln>
+        <a:ln w="15875" cap="flat" cmpd="sng" algn="ctr">
+          <a:solidFill>
+            <a:schemeClr val="phClr"/>
+          </a:solidFill>
+          <a:prstDash val="solid"/>
+        </a:ln>
+        <a:ln w="22225" cap="flat" cmpd="sng" algn="ctr">
+          <a:solidFill>
+            <a:schemeClr val="phClr"/>
+          </a:solidFill>
+          <a:prstDash val="solid"/>
+        </a:ln>
+      </a:lnStyleLst>
+      <a:effectStyleLst>
+        <a:effectStyle>
+          <a:effectLst/>
+        </a:effectStyle>
+        <a:effectStyle>
+          <a:effectLst/>
+        </a:effectStyle>
+        <a:effectStyle>
+          <a:effectLst>
+            <a:outerShdw blurRad="50800" dist="50800" dir="5400000" sx="96000" sy="96000" rotWithShape="0">
+              <a:srgbClr val="000000">
+                <a:alpha val="48000"/>
+              </a:srgbClr>
+            </a:outerShdw>
+          </a:effectLst>
+          <a:scene3d>
+            <a:camera prst="orthographicFront">
+              <a:rot lat="0" lon="0" rev="0"/>
+            </a:camera>
+            <a:lightRig rig="balanced" dir="t">
+              <a:rot lat="0" lon="0" rev="1080000"/>
+            </a:lightRig>
+          </a:scene3d>
+          <a:sp3d>
+            <a:bevelT w="38100" h="12700" prst="softRound"/>
+          </a:sp3d>
+        </a:effectStyle>
+      </a:effectStyleLst>
+      <a:bgFillStyleLst>
+        <a:solidFill>
+          <a:schemeClr val="phClr"/>
+        </a:solidFill>
+        <a:solidFill>
+          <a:schemeClr val="phClr"/>
+        </a:solidFill>
+        <a:gradFill rotWithShape="1">
+          <a:gsLst>
+            <a:gs pos="0">
+              <a:schemeClr val="phClr">
+                <a:tint val="94000"/>
+                <a:satMod val="80000"/>
+                <a:lumMod val="106000"/>
+              </a:schemeClr>
+            </a:gs>
+            <a:gs pos="100000">
+              <a:schemeClr val="phClr">
+                <a:shade val="80000"/>
+              </a:schemeClr>
+            </a:gs>
+          </a:gsLst>
+          <a:path path="circle">
+            <a:fillToRect l="43000" r="43000" b="100000"/>
+          </a:path>
+        </a:gradFill>
+      </a:bgFillStyleLst>
+    </a:fmtScheme>
+  </a:themeElements>
+  <a:objectDefaults/>
+  <a:extraClrSchemeLst/>
+  <a:extLst>
+    <a:ext uri="{05A4C25C-085E-4340-85A3-A5531E510DB2}">
+      <thm15:themeFamily xmlns:thm15="http://schemas.microsoft.com/office/thememl/2012/main" name="Gallery" id="{BBFCD31E-59A1-489D-B089-A3EAD7CAE12E}" vid="{F5E91637-A7B6-4E27-B710-77DA7014EE1E}"/>
+    </a:ext>
+  </a:extLst>
+</a:theme>
+</file>
+
+<file path=ppt/theme/theme2.xml><?xml version="1.0" encoding="utf-8"?>
 <a:theme xmlns:a="http://schemas.openxmlformats.org/drawingml/2006/main" name="Office 佈景主題">
   <a:themeElements>
     <a:clrScheme name="Office">
